--- a/Phase 2/CMPG 315 - Group 2.pptx
+++ b/Phase 2/CMPG 315 - Group 2.pptx
@@ -1,36 +1,36 @@
 
 <file path=ppt/presentation.xml><?xml version="1.0" encoding="utf-8"?>
-<p:presentation xmlns:a="http://schemas.openxmlformats.org/drawingml/2006/main" xmlns:r="http://schemas.openxmlformats.org/officeDocument/2006/relationships" xmlns:p="http://schemas.openxmlformats.org/presentationml/2006/main" saveSubsetFonts="1" embedTrueTypeFonts="true">
+<p:presentation xmlns:a="http://schemas.openxmlformats.org/drawingml/2006/main" xmlns:r="http://schemas.openxmlformats.org/officeDocument/2006/relationships" xmlns:p="http://schemas.openxmlformats.org/presentationml/2006/main" embedTrueTypeFonts="1" saveSubsetFonts="1">
   <p:sldMasterIdLst>
     <p:sldMasterId id="2147483648" r:id="rId1"/>
   </p:sldMasterIdLst>
   <p:sldIdLst>
-    <p:sldId id="256" r:id="rId6"/>
-    <p:sldId id="257" r:id="rId7"/>
-    <p:sldId id="258" r:id="rId8"/>
-    <p:sldId id="259" r:id="rId9"/>
-    <p:sldId id="260" r:id="rId10"/>
-    <p:sldId id="261" r:id="rId11"/>
-    <p:sldId id="262" r:id="rId12"/>
-    <p:sldId id="263" r:id="rId13"/>
-    <p:sldId id="264" r:id="rId14"/>
-    <p:sldId id="265" r:id="rId15"/>
-    <p:sldId id="266" r:id="rId16"/>
+    <p:sldId id="256" r:id="rId2"/>
+    <p:sldId id="257" r:id="rId3"/>
+    <p:sldId id="258" r:id="rId4"/>
+    <p:sldId id="259" r:id="rId5"/>
+    <p:sldId id="260" r:id="rId6"/>
+    <p:sldId id="261" r:id="rId7"/>
+    <p:sldId id="262" r:id="rId8"/>
+    <p:sldId id="263" r:id="rId9"/>
+    <p:sldId id="264" r:id="rId10"/>
+    <p:sldId id="265" r:id="rId11"/>
+    <p:sldId id="266" r:id="rId12"/>
   </p:sldIdLst>
   <p:sldSz cx="18288000" cy="10287000"/>
   <p:notesSz cx="6858000" cy="9144000"/>
   <p:embeddedFontLst>
     <p:embeddedFont>
-      <p:font typeface="Alegreya Sans SC Ultra-Bold" charset="1" panose="00000900000000000000"/>
-      <p:regular r:id="rId17"/>
+      <p:font typeface="Alegreya Sans SC Ultra-Bold" panose="020B0604020202020204" charset="0"/>
+      <p:regular r:id="rId13"/>
     </p:embeddedFont>
     <p:embeddedFont>
-      <p:font typeface="Open Sauce Bold" charset="1" panose="00000800000000000000"/>
-      <p:regular r:id="rId18"/>
+      <p:font typeface="Open Sauce Bold" panose="020B0604020202020204" charset="0"/>
+      <p:regular r:id="rId14"/>
     </p:embeddedFont>
     <p:embeddedFont>
-      <p:font typeface="Open Sauce Medium" charset="1" panose="00000600000000000000"/>
-      <p:regular r:id="rId19"/>
+      <p:font typeface="Open Sauce Medium" panose="020B0604020202020204" charset="0"/>
+      <p:regular r:id="rId15"/>
     </p:embeddedFont>
   </p:embeddedFontLst>
   <p:defaultTextStyle>
@@ -128,7 +128,68 @@
       </a:defRPr>
     </a:lvl9pPr>
   </p:defaultTextStyle>
+  <p:extLst>
+    <p:ext uri="{EFAFB233-063F-42B5-8137-9DF3F51BA10A}">
+      <p15:sldGuideLst xmlns:p15="http://schemas.microsoft.com/office/powerpoint/2012/main">
+        <p15:guide id="1" orient="horz" pos="2160">
+          <p15:clr>
+            <a:srgbClr val="A4A3A4"/>
+          </p15:clr>
+        </p15:guide>
+        <p15:guide id="2" pos="2880">
+          <p15:clr>
+            <a:srgbClr val="A4A3A4"/>
+          </p15:clr>
+        </p15:guide>
+      </p15:sldGuideLst>
+    </p:ext>
+  </p:extLst>
 </p:presentation>
+</file>
+
+<file path=ppt/revisionInfo.xml><?xml version="1.0" encoding="utf-8"?>
+<p1510:revInfo xmlns:a="http://schemas.openxmlformats.org/drawingml/2006/main" xmlns:r="http://schemas.openxmlformats.org/officeDocument/2006/relationships" xmlns:p1510="http://schemas.microsoft.com/office/powerpoint/2015/10/main">
+  <p1510:revLst>
+    <p1510:client id="{BBB5C4C6-BF68-488E-812C-4E1BA279F326}" v="2" dt="2025-05-13T16:00:30.432"/>
+  </p1510:revLst>
+</p1510:revInfo>
+</file>
+
+<file path=ppt/changesInfos/changesInfo1.xml><?xml version="1.0" encoding="utf-8"?>
+<pc:chgInfo xmlns:a="http://schemas.openxmlformats.org/drawingml/2006/main" xmlns:r="http://schemas.openxmlformats.org/officeDocument/2006/relationships" xmlns:ac="http://schemas.microsoft.com/office/drawing/2013/main/command" xmlns:pc="http://schemas.microsoft.com/office/powerpoint/2013/main/command">
+  <pc:docChgLst>
+    <pc:chgData name="Mariska Adriaanzen" userId="81bf44df4e7f0b96" providerId="LiveId" clId="{BBB5C4C6-BF68-488E-812C-4E1BA279F326}"/>
+    <pc:docChg chg="modSld">
+      <pc:chgData name="Mariska Adriaanzen" userId="81bf44df4e7f0b96" providerId="LiveId" clId="{BBB5C4C6-BF68-488E-812C-4E1BA279F326}" dt="2025-05-13T16:00:30.425" v="1" actId="14100"/>
+      <pc:docMkLst>
+        <pc:docMk/>
+      </pc:docMkLst>
+      <pc:sldChg chg="addSp modSp">
+        <pc:chgData name="Mariska Adriaanzen" userId="81bf44df4e7f0b96" providerId="LiveId" clId="{BBB5C4C6-BF68-488E-812C-4E1BA279F326}" dt="2025-05-13T16:00:30.425" v="1" actId="14100"/>
+        <pc:sldMkLst>
+          <pc:docMk/>
+          <pc:sldMk cId="0" sldId="262"/>
+        </pc:sldMkLst>
+        <pc:spChg chg="add mod">
+          <ac:chgData name="Mariska Adriaanzen" userId="81bf44df4e7f0b96" providerId="LiveId" clId="{BBB5C4C6-BF68-488E-812C-4E1BA279F326}" dt="2025-05-13T16:00:30.425" v="1" actId="14100"/>
+          <ac:spMkLst>
+            <pc:docMk/>
+            <pc:sldMk cId="0" sldId="262"/>
+            <ac:spMk id="12" creationId="{F8861EFD-7AE2-9507-05EE-30CB887C425F}"/>
+          </ac:spMkLst>
+        </pc:spChg>
+        <pc:graphicFrameChg chg="add mod">
+          <ac:chgData name="Mariska Adriaanzen" userId="81bf44df4e7f0b96" providerId="LiveId" clId="{BBB5C4C6-BF68-488E-812C-4E1BA279F326}" dt="2025-05-13T16:00:30.425" v="1" actId="14100"/>
+          <ac:graphicFrameMkLst>
+            <pc:docMk/>
+            <pc:sldMk cId="0" sldId="262"/>
+            <ac:graphicFrameMk id="11" creationId="{4E7E8553-394D-A6BC-CB42-0FEF3906D3D1}"/>
+          </ac:graphicFrameMkLst>
+        </pc:graphicFrameChg>
+      </pc:sldChg>
+    </pc:docChg>
+  </pc:docChgLst>
+</pc:chgInfo>
 </file>
 
 <file path=ppt/slideLayouts/slideLayout1.xml><?xml version="1.0" encoding="utf-8"?>
@@ -169,10 +230,9 @@
           <a:lstStyle/>
           <a:p>
             <a:r>
-              <a:rPr lang="en-US" smtClean="0"/>
+              <a:rPr lang="en-US"/>
               <a:t>Click to edit Master title style</a:t>
             </a:r>
-            <a:endParaRPr lang="en-US"/>
           </a:p>
         </p:txBody>
       </p:sp>
@@ -288,10 +348,9 @@
           </a:lstStyle>
           <a:p>
             <a:r>
-              <a:rPr lang="en-US" smtClean="0"/>
+              <a:rPr lang="en-US"/>
               <a:t>Click to edit Master subtitle style</a:t>
             </a:r>
-            <a:endParaRPr lang="en-US"/>
           </a:p>
         </p:txBody>
       </p:sp>
@@ -313,7 +372,7 @@
             <a:fld id="{1D8BD707-D9CF-40AE-B4C6-C98DA3205C09}" type="datetimeFigureOut">
               <a:rPr lang="en-US" smtClean="0"/>
               <a:pPr/>
-              <a:t>8/1/2011</a:t>
+              <a:t>5/13/2025</a:t>
             </a:fld>
             <a:endParaRPr lang="en-US"/>
           </a:p>
@@ -403,10 +462,9 @@
           <a:lstStyle/>
           <a:p>
             <a:r>
-              <a:rPr lang="en-US" smtClean="0"/>
+              <a:rPr lang="en-US"/>
               <a:t>Click to edit Master title style</a:t>
             </a:r>
-            <a:endParaRPr lang="en-US"/>
           </a:p>
         </p:txBody>
       </p:sp>
@@ -427,38 +485,37 @@
           <a:p>
             <a:pPr lvl="0"/>
             <a:r>
-              <a:rPr lang="en-US" smtClean="0"/>
+              <a:rPr lang="en-US"/>
               <a:t>Click to edit Master text styles</a:t>
             </a:r>
           </a:p>
           <a:p>
             <a:pPr lvl="1"/>
             <a:r>
-              <a:rPr lang="en-US" smtClean="0"/>
+              <a:rPr lang="en-US"/>
               <a:t>Second level</a:t>
             </a:r>
           </a:p>
           <a:p>
             <a:pPr lvl="2"/>
             <a:r>
-              <a:rPr lang="en-US" smtClean="0"/>
+              <a:rPr lang="en-US"/>
               <a:t>Third level</a:t>
             </a:r>
           </a:p>
           <a:p>
             <a:pPr lvl="3"/>
             <a:r>
-              <a:rPr lang="en-US" smtClean="0"/>
+              <a:rPr lang="en-US"/>
               <a:t>Fourth level</a:t>
             </a:r>
           </a:p>
           <a:p>
             <a:pPr lvl="4"/>
             <a:r>
-              <a:rPr lang="en-US" smtClean="0"/>
+              <a:rPr lang="en-US"/>
               <a:t>Fifth level</a:t>
             </a:r>
-            <a:endParaRPr lang="en-US"/>
           </a:p>
         </p:txBody>
       </p:sp>
@@ -480,7 +537,7 @@
             <a:fld id="{1D8BD707-D9CF-40AE-B4C6-C98DA3205C09}" type="datetimeFigureOut">
               <a:rPr lang="en-US" smtClean="0"/>
               <a:pPr/>
-              <a:t>8/1/2011</a:t>
+              <a:t>5/13/2025</a:t>
             </a:fld>
             <a:endParaRPr lang="en-US"/>
           </a:p>
@@ -575,10 +632,9 @@
           <a:lstStyle/>
           <a:p>
             <a:r>
-              <a:rPr lang="en-US" smtClean="0"/>
+              <a:rPr lang="en-US"/>
               <a:t>Click to edit Master title style</a:t>
             </a:r>
-            <a:endParaRPr lang="en-US"/>
           </a:p>
         </p:txBody>
       </p:sp>
@@ -604,38 +660,37 @@
           <a:p>
             <a:pPr lvl="0"/>
             <a:r>
-              <a:rPr lang="en-US" smtClean="0"/>
+              <a:rPr lang="en-US"/>
               <a:t>Click to edit Master text styles</a:t>
             </a:r>
           </a:p>
           <a:p>
             <a:pPr lvl="1"/>
             <a:r>
-              <a:rPr lang="en-US" smtClean="0"/>
+              <a:rPr lang="en-US"/>
               <a:t>Second level</a:t>
             </a:r>
           </a:p>
           <a:p>
             <a:pPr lvl="2"/>
             <a:r>
-              <a:rPr lang="en-US" smtClean="0"/>
+              <a:rPr lang="en-US"/>
               <a:t>Third level</a:t>
             </a:r>
           </a:p>
           <a:p>
             <a:pPr lvl="3"/>
             <a:r>
-              <a:rPr lang="en-US" smtClean="0"/>
+              <a:rPr lang="en-US"/>
               <a:t>Fourth level</a:t>
             </a:r>
           </a:p>
           <a:p>
             <a:pPr lvl="4"/>
             <a:r>
-              <a:rPr lang="en-US" smtClean="0"/>
+              <a:rPr lang="en-US"/>
               <a:t>Fifth level</a:t>
             </a:r>
-            <a:endParaRPr lang="en-US"/>
           </a:p>
         </p:txBody>
       </p:sp>
@@ -657,7 +712,7 @@
             <a:fld id="{1D8BD707-D9CF-40AE-B4C6-C98DA3205C09}" type="datetimeFigureOut">
               <a:rPr lang="en-US" smtClean="0"/>
               <a:pPr/>
-              <a:t>8/1/2011</a:t>
+              <a:t>5/13/2025</a:t>
             </a:fld>
             <a:endParaRPr lang="en-US"/>
           </a:p>
@@ -747,10 +802,9 @@
           <a:lstStyle/>
           <a:p>
             <a:r>
-              <a:rPr lang="en-US" smtClean="0"/>
+              <a:rPr lang="en-US"/>
               <a:t>Click to edit Master title style</a:t>
             </a:r>
-            <a:endParaRPr lang="en-US"/>
           </a:p>
         </p:txBody>
       </p:sp>
@@ -771,38 +825,37 @@
           <a:p>
             <a:pPr lvl="0"/>
             <a:r>
-              <a:rPr lang="en-US" smtClean="0"/>
+              <a:rPr lang="en-US"/>
               <a:t>Click to edit Master text styles</a:t>
             </a:r>
           </a:p>
           <a:p>
             <a:pPr lvl="1"/>
             <a:r>
-              <a:rPr lang="en-US" smtClean="0"/>
+              <a:rPr lang="en-US"/>
               <a:t>Second level</a:t>
             </a:r>
           </a:p>
           <a:p>
             <a:pPr lvl="2"/>
             <a:r>
-              <a:rPr lang="en-US" smtClean="0"/>
+              <a:rPr lang="en-US"/>
               <a:t>Third level</a:t>
             </a:r>
           </a:p>
           <a:p>
             <a:pPr lvl="3"/>
             <a:r>
-              <a:rPr lang="en-US" smtClean="0"/>
+              <a:rPr lang="en-US"/>
               <a:t>Fourth level</a:t>
             </a:r>
           </a:p>
           <a:p>
             <a:pPr lvl="4"/>
             <a:r>
-              <a:rPr lang="en-US" smtClean="0"/>
+              <a:rPr lang="en-US"/>
               <a:t>Fifth level</a:t>
             </a:r>
-            <a:endParaRPr lang="en-US"/>
           </a:p>
         </p:txBody>
       </p:sp>
@@ -824,7 +877,7 @@
             <a:fld id="{1D8BD707-D9CF-40AE-B4C6-C98DA3205C09}" type="datetimeFigureOut">
               <a:rPr lang="en-US" smtClean="0"/>
               <a:pPr/>
-              <a:t>8/1/2011</a:t>
+              <a:t>5/13/2025</a:t>
             </a:fld>
             <a:endParaRPr lang="en-US"/>
           </a:p>
@@ -923,10 +976,9 @@
           </a:lstStyle>
           <a:p>
             <a:r>
-              <a:rPr lang="en-US" smtClean="0"/>
+              <a:rPr lang="en-US"/>
               <a:t>Click to edit Master title style</a:t>
             </a:r>
-            <a:endParaRPr lang="en-US"/>
           </a:p>
         </p:txBody>
       </p:sp>
@@ -1043,7 +1095,7 @@
           <a:p>
             <a:pPr lvl="0"/>
             <a:r>
-              <a:rPr lang="en-US" smtClean="0"/>
+              <a:rPr lang="en-US"/>
               <a:t>Click to edit Master text styles</a:t>
             </a:r>
           </a:p>
@@ -1067,7 +1119,7 @@
             <a:fld id="{1D8BD707-D9CF-40AE-B4C6-C98DA3205C09}" type="datetimeFigureOut">
               <a:rPr lang="en-US" smtClean="0"/>
               <a:pPr/>
-              <a:t>8/1/2011</a:t>
+              <a:t>5/13/2025</a:t>
             </a:fld>
             <a:endParaRPr lang="en-US"/>
           </a:p>
@@ -1157,10 +1209,9 @@
           <a:lstStyle/>
           <a:p>
             <a:r>
-              <a:rPr lang="en-US" smtClean="0"/>
+              <a:rPr lang="en-US"/>
               <a:t>Click to edit Master title style</a:t>
             </a:r>
-            <a:endParaRPr lang="en-US"/>
           </a:p>
         </p:txBody>
       </p:sp>
@@ -1214,38 +1265,37 @@
           <a:p>
             <a:pPr lvl="0"/>
             <a:r>
-              <a:rPr lang="en-US" smtClean="0"/>
+              <a:rPr lang="en-US"/>
               <a:t>Click to edit Master text styles</a:t>
             </a:r>
           </a:p>
           <a:p>
             <a:pPr lvl="1"/>
             <a:r>
-              <a:rPr lang="en-US" smtClean="0"/>
+              <a:rPr lang="en-US"/>
               <a:t>Second level</a:t>
             </a:r>
           </a:p>
           <a:p>
             <a:pPr lvl="2"/>
             <a:r>
-              <a:rPr lang="en-US" smtClean="0"/>
+              <a:rPr lang="en-US"/>
               <a:t>Third level</a:t>
             </a:r>
           </a:p>
           <a:p>
             <a:pPr lvl="3"/>
             <a:r>
-              <a:rPr lang="en-US" smtClean="0"/>
+              <a:rPr lang="en-US"/>
               <a:t>Fourth level</a:t>
             </a:r>
           </a:p>
           <a:p>
             <a:pPr lvl="4"/>
             <a:r>
-              <a:rPr lang="en-US" smtClean="0"/>
+              <a:rPr lang="en-US"/>
               <a:t>Fifth level</a:t>
             </a:r>
-            <a:endParaRPr lang="en-US"/>
           </a:p>
         </p:txBody>
       </p:sp>
@@ -1299,38 +1349,37 @@
           <a:p>
             <a:pPr lvl="0"/>
             <a:r>
-              <a:rPr lang="en-US" smtClean="0"/>
+              <a:rPr lang="en-US"/>
               <a:t>Click to edit Master text styles</a:t>
             </a:r>
           </a:p>
           <a:p>
             <a:pPr lvl="1"/>
             <a:r>
-              <a:rPr lang="en-US" smtClean="0"/>
+              <a:rPr lang="en-US"/>
               <a:t>Second level</a:t>
             </a:r>
           </a:p>
           <a:p>
             <a:pPr lvl="2"/>
             <a:r>
-              <a:rPr lang="en-US" smtClean="0"/>
+              <a:rPr lang="en-US"/>
               <a:t>Third level</a:t>
             </a:r>
           </a:p>
           <a:p>
             <a:pPr lvl="3"/>
             <a:r>
-              <a:rPr lang="en-US" smtClean="0"/>
+              <a:rPr lang="en-US"/>
               <a:t>Fourth level</a:t>
             </a:r>
           </a:p>
           <a:p>
             <a:pPr lvl="4"/>
             <a:r>
-              <a:rPr lang="en-US" smtClean="0"/>
+              <a:rPr lang="en-US"/>
               <a:t>Fifth level</a:t>
             </a:r>
-            <a:endParaRPr lang="en-US"/>
           </a:p>
         </p:txBody>
       </p:sp>
@@ -1352,7 +1401,7 @@
             <a:fld id="{1D8BD707-D9CF-40AE-B4C6-C98DA3205C09}" type="datetimeFigureOut">
               <a:rPr lang="en-US" smtClean="0"/>
               <a:pPr/>
-              <a:t>8/1/2011</a:t>
+              <a:t>5/13/2025</a:t>
             </a:fld>
             <a:endParaRPr lang="en-US"/>
           </a:p>
@@ -1446,10 +1495,9 @@
           </a:lstStyle>
           <a:p>
             <a:r>
-              <a:rPr lang="en-US" smtClean="0"/>
+              <a:rPr lang="en-US"/>
               <a:t>Click to edit Master title style</a:t>
             </a:r>
-            <a:endParaRPr lang="en-US"/>
           </a:p>
         </p:txBody>
       </p:sp>
@@ -1512,7 +1560,7 @@
           <a:p>
             <a:pPr lvl="0"/>
             <a:r>
-              <a:rPr lang="en-US" smtClean="0"/>
+              <a:rPr lang="en-US"/>
               <a:t>Click to edit Master text styles</a:t>
             </a:r>
           </a:p>
@@ -1568,38 +1616,37 @@
           <a:p>
             <a:pPr lvl="0"/>
             <a:r>
-              <a:rPr lang="en-US" smtClean="0"/>
+              <a:rPr lang="en-US"/>
               <a:t>Click to edit Master text styles</a:t>
             </a:r>
           </a:p>
           <a:p>
             <a:pPr lvl="1"/>
             <a:r>
-              <a:rPr lang="en-US" smtClean="0"/>
+              <a:rPr lang="en-US"/>
               <a:t>Second level</a:t>
             </a:r>
           </a:p>
           <a:p>
             <a:pPr lvl="2"/>
             <a:r>
-              <a:rPr lang="en-US" smtClean="0"/>
+              <a:rPr lang="en-US"/>
               <a:t>Third level</a:t>
             </a:r>
           </a:p>
           <a:p>
             <a:pPr lvl="3"/>
             <a:r>
-              <a:rPr lang="en-US" smtClean="0"/>
+              <a:rPr lang="en-US"/>
               <a:t>Fourth level</a:t>
             </a:r>
           </a:p>
           <a:p>
             <a:pPr lvl="4"/>
             <a:r>
-              <a:rPr lang="en-US" smtClean="0"/>
+              <a:rPr lang="en-US"/>
               <a:t>Fifth level</a:t>
             </a:r>
-            <a:endParaRPr lang="en-US"/>
           </a:p>
         </p:txBody>
       </p:sp>
@@ -1662,7 +1709,7 @@
           <a:p>
             <a:pPr lvl="0"/>
             <a:r>
-              <a:rPr lang="en-US" smtClean="0"/>
+              <a:rPr lang="en-US"/>
               <a:t>Click to edit Master text styles</a:t>
             </a:r>
           </a:p>
@@ -1718,38 +1765,37 @@
           <a:p>
             <a:pPr lvl="0"/>
             <a:r>
-              <a:rPr lang="en-US" smtClean="0"/>
+              <a:rPr lang="en-US"/>
               <a:t>Click to edit Master text styles</a:t>
             </a:r>
           </a:p>
           <a:p>
             <a:pPr lvl="1"/>
             <a:r>
-              <a:rPr lang="en-US" smtClean="0"/>
+              <a:rPr lang="en-US"/>
               <a:t>Second level</a:t>
             </a:r>
           </a:p>
           <a:p>
             <a:pPr lvl="2"/>
             <a:r>
-              <a:rPr lang="en-US" smtClean="0"/>
+              <a:rPr lang="en-US"/>
               <a:t>Third level</a:t>
             </a:r>
           </a:p>
           <a:p>
             <a:pPr lvl="3"/>
             <a:r>
-              <a:rPr lang="en-US" smtClean="0"/>
+              <a:rPr lang="en-US"/>
               <a:t>Fourth level</a:t>
             </a:r>
           </a:p>
           <a:p>
             <a:pPr lvl="4"/>
             <a:r>
-              <a:rPr lang="en-US" smtClean="0"/>
+              <a:rPr lang="en-US"/>
               <a:t>Fifth level</a:t>
             </a:r>
-            <a:endParaRPr lang="en-US"/>
           </a:p>
         </p:txBody>
       </p:sp>
@@ -1771,7 +1817,7 @@
             <a:fld id="{1D8BD707-D9CF-40AE-B4C6-C98DA3205C09}" type="datetimeFigureOut">
               <a:rPr lang="en-US" smtClean="0"/>
               <a:pPr/>
-              <a:t>8/1/2011</a:t>
+              <a:t>5/13/2025</a:t>
             </a:fld>
             <a:endParaRPr lang="en-US"/>
           </a:p>
@@ -1861,10 +1907,9 @@
           <a:lstStyle/>
           <a:p>
             <a:r>
-              <a:rPr lang="en-US" smtClean="0"/>
+              <a:rPr lang="en-US"/>
               <a:t>Click to edit Master title style</a:t>
             </a:r>
-            <a:endParaRPr lang="en-US"/>
           </a:p>
         </p:txBody>
       </p:sp>
@@ -1886,7 +1931,7 @@
             <a:fld id="{1D8BD707-D9CF-40AE-B4C6-C98DA3205C09}" type="datetimeFigureOut">
               <a:rPr lang="en-US" smtClean="0"/>
               <a:pPr/>
-              <a:t>8/1/2011</a:t>
+              <a:t>5/13/2025</a:t>
             </a:fld>
             <a:endParaRPr lang="en-US"/>
           </a:p>
@@ -1978,7 +2023,7 @@
             <a:fld id="{1D8BD707-D9CF-40AE-B4C6-C98DA3205C09}" type="datetimeFigureOut">
               <a:rPr lang="en-US" smtClean="0"/>
               <a:pPr/>
-              <a:t>8/1/2011</a:t>
+              <a:t>5/13/2025</a:t>
             </a:fld>
             <a:endParaRPr lang="en-US"/>
           </a:p>
@@ -2077,10 +2122,9 @@
           </a:lstStyle>
           <a:p>
             <a:r>
-              <a:rPr lang="en-US" smtClean="0"/>
+              <a:rPr lang="en-US"/>
               <a:t>Click to edit Master title style</a:t>
             </a:r>
-            <a:endParaRPr lang="en-US"/>
           </a:p>
         </p:txBody>
       </p:sp>
@@ -2134,38 +2178,37 @@
           <a:p>
             <a:pPr lvl="0"/>
             <a:r>
-              <a:rPr lang="en-US" smtClean="0"/>
+              <a:rPr lang="en-US"/>
               <a:t>Click to edit Master text styles</a:t>
             </a:r>
           </a:p>
           <a:p>
             <a:pPr lvl="1"/>
             <a:r>
-              <a:rPr lang="en-US" smtClean="0"/>
+              <a:rPr lang="en-US"/>
               <a:t>Second level</a:t>
             </a:r>
           </a:p>
           <a:p>
             <a:pPr lvl="2"/>
             <a:r>
-              <a:rPr lang="en-US" smtClean="0"/>
+              <a:rPr lang="en-US"/>
               <a:t>Third level</a:t>
             </a:r>
           </a:p>
           <a:p>
             <a:pPr lvl="3"/>
             <a:r>
-              <a:rPr lang="en-US" smtClean="0"/>
+              <a:rPr lang="en-US"/>
               <a:t>Fourth level</a:t>
             </a:r>
           </a:p>
           <a:p>
             <a:pPr lvl="4"/>
             <a:r>
-              <a:rPr lang="en-US" smtClean="0"/>
+              <a:rPr lang="en-US"/>
               <a:t>Fifth level</a:t>
             </a:r>
-            <a:endParaRPr lang="en-US"/>
           </a:p>
         </p:txBody>
       </p:sp>
@@ -2228,7 +2271,7 @@
           <a:p>
             <a:pPr lvl="0"/>
             <a:r>
-              <a:rPr lang="en-US" smtClean="0"/>
+              <a:rPr lang="en-US"/>
               <a:t>Click to edit Master text styles</a:t>
             </a:r>
           </a:p>
@@ -2252,7 +2295,7 @@
             <a:fld id="{1D8BD707-D9CF-40AE-B4C6-C98DA3205C09}" type="datetimeFigureOut">
               <a:rPr lang="en-US" smtClean="0"/>
               <a:pPr/>
-              <a:t>8/1/2011</a:t>
+              <a:t>5/13/2025</a:t>
             </a:fld>
             <a:endParaRPr lang="en-US"/>
           </a:p>
@@ -2351,10 +2394,9 @@
           </a:lstStyle>
           <a:p>
             <a:r>
-              <a:rPr lang="en-US" smtClean="0"/>
+              <a:rPr lang="en-US"/>
               <a:t>Click to edit Master title style</a:t>
             </a:r>
-            <a:endParaRPr lang="en-US"/>
           </a:p>
         </p:txBody>
       </p:sp>
@@ -2478,7 +2520,7 @@
           <a:p>
             <a:pPr lvl="0"/>
             <a:r>
-              <a:rPr lang="en-US" smtClean="0"/>
+              <a:rPr lang="en-US"/>
               <a:t>Click to edit Master text styles</a:t>
             </a:r>
           </a:p>
@@ -2502,7 +2544,7 @@
             <a:fld id="{1D8BD707-D9CF-40AE-B4C6-C98DA3205C09}" type="datetimeFigureOut">
               <a:rPr lang="en-US" smtClean="0"/>
               <a:pPr/>
-              <a:t>8/1/2011</a:t>
+              <a:t>5/13/2025</a:t>
             </a:fld>
             <a:endParaRPr lang="en-US"/>
           </a:p>
@@ -2607,10 +2649,9 @@
           <a:lstStyle/>
           <a:p>
             <a:r>
-              <a:rPr lang="en-US" smtClean="0"/>
+              <a:rPr lang="en-US"/>
               <a:t>Click to edit Master title style</a:t>
             </a:r>
-            <a:endParaRPr lang="en-US"/>
           </a:p>
         </p:txBody>
       </p:sp>
@@ -2641,38 +2682,37 @@
           <a:p>
             <a:pPr lvl="0"/>
             <a:r>
-              <a:rPr lang="en-US" smtClean="0"/>
+              <a:rPr lang="en-US"/>
               <a:t>Click to edit Master text styles</a:t>
             </a:r>
           </a:p>
           <a:p>
             <a:pPr lvl="1"/>
             <a:r>
-              <a:rPr lang="en-US" smtClean="0"/>
+              <a:rPr lang="en-US"/>
               <a:t>Second level</a:t>
             </a:r>
           </a:p>
           <a:p>
             <a:pPr lvl="2"/>
             <a:r>
-              <a:rPr lang="en-US" smtClean="0"/>
+              <a:rPr lang="en-US"/>
               <a:t>Third level</a:t>
             </a:r>
           </a:p>
           <a:p>
             <a:pPr lvl="3"/>
             <a:r>
-              <a:rPr lang="en-US" smtClean="0"/>
+              <a:rPr lang="en-US"/>
               <a:t>Fourth level</a:t>
             </a:r>
           </a:p>
           <a:p>
             <a:pPr lvl="4"/>
             <a:r>
-              <a:rPr lang="en-US" smtClean="0"/>
+              <a:rPr lang="en-US"/>
               <a:t>Fifth level</a:t>
             </a:r>
-            <a:endParaRPr lang="en-US"/>
           </a:p>
         </p:txBody>
       </p:sp>
@@ -2712,7 +2752,7 @@
             <a:fld id="{1D8BD707-D9CF-40AE-B4C6-C98DA3205C09}" type="datetimeFigureOut">
               <a:rPr lang="en-US" smtClean="0"/>
               <a:pPr/>
-              <a:t>8/1/2011</a:t>
+              <a:t>5/13/2025</a:t>
             </a:fld>
             <a:endParaRPr lang="en-US"/>
           </a:p>
@@ -3067,13 +3107,14 @@
 </file>
 
 <file path=ppt/slides/slide1.xml><?xml version="1.0" encoding="utf-8"?>
-<p:sld xmlns:p="http://schemas.openxmlformats.org/presentationml/2006/main" xmlns:a="http://schemas.openxmlformats.org/drawingml/2006/main" xmlns:r="http://schemas.openxmlformats.org/officeDocument/2006/relationships">
+<p:sld xmlns:a="http://schemas.openxmlformats.org/drawingml/2006/main" xmlns:r="http://schemas.openxmlformats.org/officeDocument/2006/relationships" xmlns:p="http://schemas.openxmlformats.org/presentationml/2006/main">
   <p:cSld>
     <p:bg>
       <p:bgPr>
         <a:solidFill>
           <a:srgbClr val="9DAC97"/>
         </a:solidFill>
+        <a:effectLst/>
       </p:bgPr>
     </p:bg>
     <p:spTree>
@@ -3092,12 +3133,12 @@
       </p:grpSpPr>
       <p:sp>
         <p:nvSpPr>
-          <p:cNvPr name="Freeform 2" id="2"/>
+          <p:cNvPr id="2" name="Freeform 2"/>
           <p:cNvSpPr/>
           <p:nvPr/>
         </p:nvSpPr>
         <p:spPr>
-          <a:xfrm flipH="false" flipV="true" rot="0">
+          <a:xfrm flipV="1">
             <a:off x="-658892" y="-1028700"/>
             <a:ext cx="3239470" cy="4114800"/>
           </a:xfrm>
@@ -3106,9 +3147,9 @@
             <a:gdLst/>
             <a:ahLst/>
             <a:cxnLst/>
-            <a:rect r="r" b="b" t="t" l="l"/>
+            <a:rect l="l" t="t" r="r" b="b"/>
             <a:pathLst>
-              <a:path h="4114800" w="3239470">
+              <a:path w="3239470" h="4114800">
                 <a:moveTo>
                   <a:pt x="0" y="4114800"/>
                 </a:moveTo>
@@ -3137,19 +3178,26 @@
               </a:extLst>
             </a:blip>
             <a:stretch>
-              <a:fillRect l="0" t="0" r="0" b="0"/>
+              <a:fillRect/>
             </a:stretch>
           </a:blipFill>
         </p:spPr>
-      </p:sp>
-      <p:sp>
-        <p:nvSpPr>
-          <p:cNvPr name="Freeform 3" id="3"/>
+        <p:txBody>
+          <a:bodyPr/>
+          <a:lstStyle/>
+          <a:p>
+            <a:endParaRPr lang="en-ZA"/>
+          </a:p>
+        </p:txBody>
+      </p:sp>
+      <p:sp>
+        <p:nvSpPr>
+          <p:cNvPr id="3" name="Freeform 3"/>
           <p:cNvSpPr/>
           <p:nvPr/>
         </p:nvSpPr>
         <p:spPr>
-          <a:xfrm flipH="false" flipV="false" rot="4971594">
+          <a:xfrm rot="4971594">
             <a:off x="14897995" y="7645040"/>
             <a:ext cx="3952307" cy="3226520"/>
           </a:xfrm>
@@ -3158,9 +3206,9 @@
             <a:gdLst/>
             <a:ahLst/>
             <a:cxnLst/>
-            <a:rect r="r" b="b" t="t" l="l"/>
+            <a:rect l="l" t="t" r="r" b="b"/>
             <a:pathLst>
-              <a:path h="3226520" w="3952307">
+              <a:path w="3952307" h="3226520">
                 <a:moveTo>
                   <a:pt x="0" y="0"/>
                 </a:moveTo>
@@ -3189,19 +3237,26 @@
               </a:extLst>
             </a:blip>
             <a:stretch>
-              <a:fillRect l="0" t="0" r="0" b="0"/>
+              <a:fillRect/>
             </a:stretch>
           </a:blipFill>
         </p:spPr>
-      </p:sp>
-      <p:sp>
-        <p:nvSpPr>
-          <p:cNvPr name="TextBox 4" id="4"/>
-          <p:cNvSpPr txBox="true"/>
+        <p:txBody>
+          <a:bodyPr/>
+          <a:lstStyle/>
+          <a:p>
+            <a:endParaRPr lang="en-ZA"/>
+          </a:p>
+        </p:txBody>
+      </p:sp>
+      <p:sp>
+        <p:nvSpPr>
+          <p:cNvPr id="4" name="TextBox 4"/>
+          <p:cNvSpPr txBox="1"/>
           <p:nvPr/>
         </p:nvSpPr>
         <p:spPr>
-          <a:xfrm rot="0">
+          <a:xfrm>
             <a:off x="2068207" y="3264019"/>
             <a:ext cx="14151587" cy="2627417"/>
           </a:xfrm>
@@ -3210,7 +3265,7 @@
           </a:prstGeom>
         </p:spPr>
         <p:txBody>
-          <a:bodyPr anchor="t" rtlCol="false" tIns="0" lIns="0" bIns="0" rIns="0">
+          <a:bodyPr lIns="0" tIns="0" rIns="0" bIns="0" rtlCol="0" anchor="t">
             <a:spAutoFit/>
           </a:bodyPr>
           <a:lstStyle/>
@@ -3221,7 +3276,7 @@
               </a:lnSpc>
             </a:pPr>
             <a:r>
-              <a:rPr lang="en-US" b="true" sz="13743">
+              <a:rPr lang="en-US" sz="13743" b="1">
                 <a:solidFill>
                   <a:srgbClr val="52674B"/>
                 </a:solidFill>
@@ -3237,12 +3292,12 @@
       </p:sp>
       <p:sp>
         <p:nvSpPr>
-          <p:cNvPr name="TextBox 5" id="5"/>
-          <p:cNvSpPr txBox="true"/>
+          <p:cNvPr id="5" name="TextBox 5"/>
+          <p:cNvSpPr txBox="1"/>
           <p:nvPr/>
         </p:nvSpPr>
         <p:spPr>
-          <a:xfrm rot="0">
+          <a:xfrm>
             <a:off x="2943591" y="5544294"/>
             <a:ext cx="12400818" cy="945287"/>
           </a:xfrm>
@@ -3251,7 +3306,7 @@
           </a:prstGeom>
         </p:spPr>
         <p:txBody>
-          <a:bodyPr anchor="t" rtlCol="false" tIns="0" lIns="0" bIns="0" rIns="0">
+          <a:bodyPr lIns="0" tIns="0" rIns="0" bIns="0" rtlCol="0" anchor="t">
             <a:spAutoFit/>
           </a:bodyPr>
           <a:lstStyle/>
@@ -3262,7 +3317,7 @@
               </a:lnSpc>
             </a:pPr>
             <a:r>
-              <a:rPr lang="en-US" sz="5533" b="true">
+              <a:rPr lang="en-US" sz="5533" b="1">
                 <a:solidFill>
                   <a:srgbClr val="52674B"/>
                 </a:solidFill>
@@ -3278,12 +3333,12 @@
       </p:sp>
       <p:sp>
         <p:nvSpPr>
-          <p:cNvPr name="Freeform 6" id="6"/>
+          <p:cNvPr id="6" name="Freeform 6"/>
           <p:cNvSpPr/>
           <p:nvPr/>
         </p:nvSpPr>
         <p:spPr>
-          <a:xfrm flipH="false" flipV="true" rot="0">
+          <a:xfrm flipV="1">
             <a:off x="13333513" y="-733092"/>
             <a:ext cx="5772561" cy="5772561"/>
           </a:xfrm>
@@ -3292,9 +3347,9 @@
             <a:gdLst/>
             <a:ahLst/>
             <a:cxnLst/>
-            <a:rect r="r" b="b" t="t" l="l"/>
+            <a:rect l="l" t="t" r="r" b="b"/>
             <a:pathLst>
-              <a:path h="5772561" w="5772561">
+              <a:path w="5772561" h="5772561">
                 <a:moveTo>
                   <a:pt x="0" y="5772561"/>
                 </a:moveTo>
@@ -3323,19 +3378,26 @@
               </a:extLst>
             </a:blip>
             <a:stretch>
-              <a:fillRect l="0" t="0" r="0" b="0"/>
+              <a:fillRect/>
             </a:stretch>
           </a:blipFill>
         </p:spPr>
-      </p:sp>
-      <p:sp>
-        <p:nvSpPr>
-          <p:cNvPr name="Freeform 7" id="7"/>
+        <p:txBody>
+          <a:bodyPr/>
+          <a:lstStyle/>
+          <a:p>
+            <a:endParaRPr lang="en-ZA"/>
+          </a:p>
+        </p:txBody>
+      </p:sp>
+      <p:sp>
+        <p:nvSpPr>
+          <p:cNvPr id="7" name="Freeform 7"/>
           <p:cNvSpPr/>
           <p:nvPr/>
         </p:nvSpPr>
         <p:spPr>
-          <a:xfrm flipH="true" flipV="false" rot="0">
+          <a:xfrm flipH="1">
             <a:off x="-1925438" y="5143500"/>
             <a:ext cx="5772561" cy="5772561"/>
           </a:xfrm>
@@ -3344,9 +3406,9 @@
             <a:gdLst/>
             <a:ahLst/>
             <a:cxnLst/>
-            <a:rect r="r" b="b" t="t" l="l"/>
+            <a:rect l="l" t="t" r="r" b="b"/>
             <a:pathLst>
-              <a:path h="5772561" w="5772561">
+              <a:path w="5772561" h="5772561">
                 <a:moveTo>
                   <a:pt x="5772562" y="0"/>
                 </a:moveTo>
@@ -3375,19 +3437,26 @@
               </a:extLst>
             </a:blip>
             <a:stretch>
-              <a:fillRect l="0" t="0" r="0" b="0"/>
+              <a:fillRect/>
             </a:stretch>
           </a:blipFill>
         </p:spPr>
-      </p:sp>
-      <p:sp>
-        <p:nvSpPr>
-          <p:cNvPr name="Freeform 8" id="8"/>
+        <p:txBody>
+          <a:bodyPr/>
+          <a:lstStyle/>
+          <a:p>
+            <a:endParaRPr lang="en-ZA"/>
+          </a:p>
+        </p:txBody>
+      </p:sp>
+      <p:sp>
+        <p:nvSpPr>
+          <p:cNvPr id="8" name="Freeform 8"/>
           <p:cNvSpPr/>
           <p:nvPr/>
         </p:nvSpPr>
         <p:spPr>
-          <a:xfrm flipH="false" flipV="false" rot="-8649072">
+          <a:xfrm rot="-8649072">
             <a:off x="-3085338" y="8819529"/>
             <a:ext cx="5710378" cy="2934943"/>
           </a:xfrm>
@@ -3396,9 +3465,9 @@
             <a:gdLst/>
             <a:ahLst/>
             <a:cxnLst/>
-            <a:rect r="r" b="b" t="t" l="l"/>
+            <a:rect l="l" t="t" r="r" b="b"/>
             <a:pathLst>
-              <a:path h="2934943" w="5710378">
+              <a:path w="5710378" h="2934943">
                 <a:moveTo>
                   <a:pt x="0" y="0"/>
                 </a:moveTo>
@@ -3427,19 +3496,26 @@
               </a:extLst>
             </a:blip>
             <a:stretch>
-              <a:fillRect l="0" t="0" r="0" b="0"/>
+              <a:fillRect/>
             </a:stretch>
           </a:blipFill>
         </p:spPr>
-      </p:sp>
-      <p:sp>
-        <p:nvSpPr>
-          <p:cNvPr name="Freeform 9" id="9"/>
+        <p:txBody>
+          <a:bodyPr/>
+          <a:lstStyle/>
+          <a:p>
+            <a:endParaRPr lang="en-ZA"/>
+          </a:p>
+        </p:txBody>
+      </p:sp>
+      <p:sp>
+        <p:nvSpPr>
+          <p:cNvPr id="9" name="Freeform 9"/>
           <p:cNvSpPr/>
           <p:nvPr/>
         </p:nvSpPr>
         <p:spPr>
-          <a:xfrm flipH="false" flipV="false" rot="2700000">
+          <a:xfrm rot="2700000">
             <a:off x="14603655" y="-1936310"/>
             <a:ext cx="5710378" cy="2934943"/>
           </a:xfrm>
@@ -3448,9 +3524,9 @@
             <a:gdLst/>
             <a:ahLst/>
             <a:cxnLst/>
-            <a:rect r="r" b="b" t="t" l="l"/>
+            <a:rect l="l" t="t" r="r" b="b"/>
             <a:pathLst>
-              <a:path h="2934943" w="5710378">
+              <a:path w="5710378" h="2934943">
                 <a:moveTo>
                   <a:pt x="0" y="0"/>
                 </a:moveTo>
@@ -3479,10 +3555,17 @@
               </a:extLst>
             </a:blip>
             <a:stretch>
-              <a:fillRect l="0" t="0" r="0" b="0"/>
+              <a:fillRect/>
             </a:stretch>
           </a:blipFill>
         </p:spPr>
+        <p:txBody>
+          <a:bodyPr/>
+          <a:lstStyle/>
+          <a:p>
+            <a:endParaRPr lang="en-ZA"/>
+          </a:p>
+        </p:txBody>
       </p:sp>
     </p:spTree>
   </p:cSld>
@@ -3493,13 +3576,14 @@
 </file>
 
 <file path=ppt/slides/slide10.xml><?xml version="1.0" encoding="utf-8"?>
-<p:sld xmlns:p="http://schemas.openxmlformats.org/presentationml/2006/main" xmlns:a="http://schemas.openxmlformats.org/drawingml/2006/main" xmlns:r="http://schemas.openxmlformats.org/officeDocument/2006/relationships">
+<p:sld xmlns:a="http://schemas.openxmlformats.org/drawingml/2006/main" xmlns:r="http://schemas.openxmlformats.org/officeDocument/2006/relationships" xmlns:p="http://schemas.openxmlformats.org/presentationml/2006/main">
   <p:cSld>
     <p:bg>
       <p:bgPr>
         <a:solidFill>
           <a:srgbClr val="9DAC97"/>
         </a:solidFill>
+        <a:effectLst/>
       </p:bgPr>
     </p:bg>
     <p:spTree>
@@ -3518,12 +3602,12 @@
       </p:grpSpPr>
       <p:sp>
         <p:nvSpPr>
-          <p:cNvPr name="Freeform 2" id="2"/>
+          <p:cNvPr id="2" name="Freeform 2"/>
           <p:cNvSpPr/>
           <p:nvPr/>
         </p:nvSpPr>
         <p:spPr>
-          <a:xfrm flipH="false" flipV="true" rot="0">
+          <a:xfrm flipV="1">
             <a:off x="-658892" y="-1028700"/>
             <a:ext cx="3239470" cy="4114800"/>
           </a:xfrm>
@@ -3532,9 +3616,9 @@
             <a:gdLst/>
             <a:ahLst/>
             <a:cxnLst/>
-            <a:rect r="r" b="b" t="t" l="l"/>
+            <a:rect l="l" t="t" r="r" b="b"/>
             <a:pathLst>
-              <a:path h="4114800" w="3239470">
+              <a:path w="3239470" h="4114800">
                 <a:moveTo>
                   <a:pt x="0" y="4114800"/>
                 </a:moveTo>
@@ -3563,19 +3647,26 @@
               </a:extLst>
             </a:blip>
             <a:stretch>
-              <a:fillRect l="0" t="0" r="0" b="0"/>
+              <a:fillRect/>
             </a:stretch>
           </a:blipFill>
         </p:spPr>
-      </p:sp>
-      <p:sp>
-        <p:nvSpPr>
-          <p:cNvPr name="Freeform 3" id="3"/>
+        <p:txBody>
+          <a:bodyPr/>
+          <a:lstStyle/>
+          <a:p>
+            <a:endParaRPr lang="en-ZA"/>
+          </a:p>
+        </p:txBody>
+      </p:sp>
+      <p:sp>
+        <p:nvSpPr>
+          <p:cNvPr id="3" name="Freeform 3"/>
           <p:cNvSpPr/>
           <p:nvPr/>
         </p:nvSpPr>
         <p:spPr>
-          <a:xfrm flipH="false" flipV="false" rot="4971594">
+          <a:xfrm rot="4971594">
             <a:off x="14897995" y="7645040"/>
             <a:ext cx="3952307" cy="3226520"/>
           </a:xfrm>
@@ -3584,9 +3675,9 @@
             <a:gdLst/>
             <a:ahLst/>
             <a:cxnLst/>
-            <a:rect r="r" b="b" t="t" l="l"/>
+            <a:rect l="l" t="t" r="r" b="b"/>
             <a:pathLst>
-              <a:path h="3226520" w="3952307">
+              <a:path w="3952307" h="3226520">
                 <a:moveTo>
                   <a:pt x="0" y="0"/>
                 </a:moveTo>
@@ -3615,19 +3706,26 @@
               </a:extLst>
             </a:blip>
             <a:stretch>
-              <a:fillRect l="0" t="0" r="0" b="0"/>
+              <a:fillRect/>
             </a:stretch>
           </a:blipFill>
         </p:spPr>
-      </p:sp>
-      <p:sp>
-        <p:nvSpPr>
-          <p:cNvPr name="Freeform 4" id="4"/>
+        <p:txBody>
+          <a:bodyPr/>
+          <a:lstStyle/>
+          <a:p>
+            <a:endParaRPr lang="en-ZA"/>
+          </a:p>
+        </p:txBody>
+      </p:sp>
+      <p:sp>
+        <p:nvSpPr>
+          <p:cNvPr id="4" name="Freeform 4"/>
           <p:cNvSpPr/>
           <p:nvPr/>
         </p:nvSpPr>
         <p:spPr>
-          <a:xfrm flipH="false" flipV="true" rot="0">
+          <a:xfrm flipV="1">
             <a:off x="13333513" y="-733092"/>
             <a:ext cx="5772561" cy="5772561"/>
           </a:xfrm>
@@ -3636,9 +3734,9 @@
             <a:gdLst/>
             <a:ahLst/>
             <a:cxnLst/>
-            <a:rect r="r" b="b" t="t" l="l"/>
+            <a:rect l="l" t="t" r="r" b="b"/>
             <a:pathLst>
-              <a:path h="5772561" w="5772561">
+              <a:path w="5772561" h="5772561">
                 <a:moveTo>
                   <a:pt x="0" y="5772561"/>
                 </a:moveTo>
@@ -3667,19 +3765,26 @@
               </a:extLst>
             </a:blip>
             <a:stretch>
-              <a:fillRect l="0" t="0" r="0" b="0"/>
+              <a:fillRect/>
             </a:stretch>
           </a:blipFill>
         </p:spPr>
-      </p:sp>
-      <p:sp>
-        <p:nvSpPr>
-          <p:cNvPr name="Freeform 5" id="5"/>
+        <p:txBody>
+          <a:bodyPr/>
+          <a:lstStyle/>
+          <a:p>
+            <a:endParaRPr lang="en-ZA"/>
+          </a:p>
+        </p:txBody>
+      </p:sp>
+      <p:sp>
+        <p:nvSpPr>
+          <p:cNvPr id="5" name="Freeform 5"/>
           <p:cNvSpPr/>
           <p:nvPr/>
         </p:nvSpPr>
         <p:spPr>
-          <a:xfrm flipH="true" flipV="false" rot="0">
+          <a:xfrm flipH="1">
             <a:off x="-1925438" y="5143500"/>
             <a:ext cx="5772561" cy="5772561"/>
           </a:xfrm>
@@ -3688,9 +3793,9 @@
             <a:gdLst/>
             <a:ahLst/>
             <a:cxnLst/>
-            <a:rect r="r" b="b" t="t" l="l"/>
+            <a:rect l="l" t="t" r="r" b="b"/>
             <a:pathLst>
-              <a:path h="5772561" w="5772561">
+              <a:path w="5772561" h="5772561">
                 <a:moveTo>
                   <a:pt x="5772562" y="0"/>
                 </a:moveTo>
@@ -3719,19 +3824,26 @@
               </a:extLst>
             </a:blip>
             <a:stretch>
-              <a:fillRect l="0" t="0" r="0" b="0"/>
+              <a:fillRect/>
             </a:stretch>
           </a:blipFill>
         </p:spPr>
-      </p:sp>
-      <p:sp>
-        <p:nvSpPr>
-          <p:cNvPr name="Freeform 6" id="6"/>
+        <p:txBody>
+          <a:bodyPr/>
+          <a:lstStyle/>
+          <a:p>
+            <a:endParaRPr lang="en-ZA"/>
+          </a:p>
+        </p:txBody>
+      </p:sp>
+      <p:sp>
+        <p:nvSpPr>
+          <p:cNvPr id="6" name="Freeform 6"/>
           <p:cNvSpPr/>
           <p:nvPr/>
         </p:nvSpPr>
         <p:spPr>
-          <a:xfrm flipH="false" flipV="false" rot="-8649072">
+          <a:xfrm rot="-8649072">
             <a:off x="-3085338" y="8819529"/>
             <a:ext cx="5710378" cy="2934943"/>
           </a:xfrm>
@@ -3740,9 +3852,9 @@
             <a:gdLst/>
             <a:ahLst/>
             <a:cxnLst/>
-            <a:rect r="r" b="b" t="t" l="l"/>
+            <a:rect l="l" t="t" r="r" b="b"/>
             <a:pathLst>
-              <a:path h="2934943" w="5710378">
+              <a:path w="5710378" h="2934943">
                 <a:moveTo>
                   <a:pt x="0" y="0"/>
                 </a:moveTo>
@@ -3771,19 +3883,26 @@
               </a:extLst>
             </a:blip>
             <a:stretch>
-              <a:fillRect l="0" t="0" r="0" b="0"/>
+              <a:fillRect/>
             </a:stretch>
           </a:blipFill>
         </p:spPr>
-      </p:sp>
-      <p:sp>
-        <p:nvSpPr>
-          <p:cNvPr name="Freeform 7" id="7"/>
+        <p:txBody>
+          <a:bodyPr/>
+          <a:lstStyle/>
+          <a:p>
+            <a:endParaRPr lang="en-ZA"/>
+          </a:p>
+        </p:txBody>
+      </p:sp>
+      <p:sp>
+        <p:nvSpPr>
+          <p:cNvPr id="7" name="Freeform 7"/>
           <p:cNvSpPr/>
           <p:nvPr/>
         </p:nvSpPr>
         <p:spPr>
-          <a:xfrm flipH="false" flipV="false" rot="2700000">
+          <a:xfrm rot="2700000">
             <a:off x="14603655" y="-1936310"/>
             <a:ext cx="5710378" cy="2934943"/>
           </a:xfrm>
@@ -3792,9 +3911,9 @@
             <a:gdLst/>
             <a:ahLst/>
             <a:cxnLst/>
-            <a:rect r="r" b="b" t="t" l="l"/>
+            <a:rect l="l" t="t" r="r" b="b"/>
             <a:pathLst>
-              <a:path h="2934943" w="5710378">
+              <a:path w="5710378" h="2934943">
                 <a:moveTo>
                   <a:pt x="0" y="0"/>
                 </a:moveTo>
@@ -3823,19 +3942,26 @@
               </a:extLst>
             </a:blip>
             <a:stretch>
-              <a:fillRect l="0" t="0" r="0" b="0"/>
+              <a:fillRect/>
             </a:stretch>
           </a:blipFill>
         </p:spPr>
-      </p:sp>
-      <p:sp>
-        <p:nvSpPr>
-          <p:cNvPr name="TextBox 8" id="8"/>
-          <p:cNvSpPr txBox="true"/>
+        <p:txBody>
+          <a:bodyPr/>
+          <a:lstStyle/>
+          <a:p>
+            <a:endParaRPr lang="en-ZA"/>
+          </a:p>
+        </p:txBody>
+      </p:sp>
+      <p:sp>
+        <p:nvSpPr>
+          <p:cNvPr id="8" name="TextBox 8"/>
+          <p:cNvSpPr txBox="1"/>
           <p:nvPr/>
         </p:nvSpPr>
         <p:spPr>
-          <a:xfrm rot="0">
+          <a:xfrm>
             <a:off x="4392982" y="2661813"/>
             <a:ext cx="9502035" cy="4801449"/>
           </a:xfrm>
@@ -3844,7 +3970,7 @@
           </a:prstGeom>
         </p:spPr>
         <p:txBody>
-          <a:bodyPr anchor="t" rtlCol="false" tIns="0" lIns="0" bIns="0" rIns="0">
+          <a:bodyPr lIns="0" tIns="0" rIns="0" bIns="0" rtlCol="0" anchor="t">
             <a:spAutoFit/>
           </a:bodyPr>
           <a:lstStyle/>
@@ -3855,7 +3981,7 @@
               </a:lnSpc>
             </a:pPr>
             <a:r>
-              <a:rPr lang="en-US" b="true" sz="15959">
+              <a:rPr lang="en-US" sz="15959" b="1">
                 <a:solidFill>
                   <a:srgbClr val="52674B"/>
                 </a:solidFill>
@@ -3874,7 +4000,7 @@
               </a:lnSpc>
             </a:pPr>
             <a:r>
-              <a:rPr lang="en-US" sz="15959" b="true">
+              <a:rPr lang="en-US" sz="15959" b="1">
                 <a:solidFill>
                   <a:srgbClr val="52674B"/>
                 </a:solidFill>
@@ -3897,13 +4023,14 @@
 </file>
 
 <file path=ppt/slides/slide11.xml><?xml version="1.0" encoding="utf-8"?>
-<p:sld xmlns:p="http://schemas.openxmlformats.org/presentationml/2006/main" xmlns:a="http://schemas.openxmlformats.org/drawingml/2006/main" xmlns:r="http://schemas.openxmlformats.org/officeDocument/2006/relationships">
+<p:sld xmlns:a="http://schemas.openxmlformats.org/drawingml/2006/main" xmlns:r="http://schemas.openxmlformats.org/officeDocument/2006/relationships" xmlns:p="http://schemas.openxmlformats.org/presentationml/2006/main">
   <p:cSld>
     <p:bg>
       <p:bgPr>
         <a:solidFill>
           <a:srgbClr val="9DAC97"/>
         </a:solidFill>
+        <a:effectLst/>
       </p:bgPr>
     </p:bg>
     <p:spTree>
@@ -3922,12 +4049,12 @@
       </p:grpSpPr>
       <p:sp>
         <p:nvSpPr>
-          <p:cNvPr name="Freeform 2" id="2"/>
+          <p:cNvPr id="2" name="Freeform 2"/>
           <p:cNvSpPr/>
           <p:nvPr/>
         </p:nvSpPr>
         <p:spPr>
-          <a:xfrm flipH="false" flipV="true" rot="0">
+          <a:xfrm flipV="1">
             <a:off x="-658892" y="-1028700"/>
             <a:ext cx="3239470" cy="4114800"/>
           </a:xfrm>
@@ -3936,9 +4063,9 @@
             <a:gdLst/>
             <a:ahLst/>
             <a:cxnLst/>
-            <a:rect r="r" b="b" t="t" l="l"/>
+            <a:rect l="l" t="t" r="r" b="b"/>
             <a:pathLst>
-              <a:path h="4114800" w="3239470">
+              <a:path w="3239470" h="4114800">
                 <a:moveTo>
                   <a:pt x="0" y="4114800"/>
                 </a:moveTo>
@@ -3967,19 +4094,26 @@
               </a:extLst>
             </a:blip>
             <a:stretch>
-              <a:fillRect l="0" t="0" r="0" b="0"/>
+              <a:fillRect/>
             </a:stretch>
           </a:blipFill>
         </p:spPr>
-      </p:sp>
-      <p:sp>
-        <p:nvSpPr>
-          <p:cNvPr name="Freeform 3" id="3"/>
+        <p:txBody>
+          <a:bodyPr/>
+          <a:lstStyle/>
+          <a:p>
+            <a:endParaRPr lang="en-ZA"/>
+          </a:p>
+        </p:txBody>
+      </p:sp>
+      <p:sp>
+        <p:nvSpPr>
+          <p:cNvPr id="3" name="Freeform 3"/>
           <p:cNvSpPr/>
           <p:nvPr/>
         </p:nvSpPr>
         <p:spPr>
-          <a:xfrm flipH="false" flipV="false" rot="4971594">
+          <a:xfrm rot="4971594">
             <a:off x="14897995" y="7645040"/>
             <a:ext cx="3952307" cy="3226520"/>
           </a:xfrm>
@@ -3988,9 +4122,9 @@
             <a:gdLst/>
             <a:ahLst/>
             <a:cxnLst/>
-            <a:rect r="r" b="b" t="t" l="l"/>
+            <a:rect l="l" t="t" r="r" b="b"/>
             <a:pathLst>
-              <a:path h="3226520" w="3952307">
+              <a:path w="3952307" h="3226520">
                 <a:moveTo>
                   <a:pt x="0" y="0"/>
                 </a:moveTo>
@@ -4019,19 +4153,26 @@
               </a:extLst>
             </a:blip>
             <a:stretch>
-              <a:fillRect l="0" t="0" r="0" b="0"/>
+              <a:fillRect/>
             </a:stretch>
           </a:blipFill>
         </p:spPr>
-      </p:sp>
-      <p:sp>
-        <p:nvSpPr>
-          <p:cNvPr name="Freeform 4" id="4"/>
+        <p:txBody>
+          <a:bodyPr/>
+          <a:lstStyle/>
+          <a:p>
+            <a:endParaRPr lang="en-ZA"/>
+          </a:p>
+        </p:txBody>
+      </p:sp>
+      <p:sp>
+        <p:nvSpPr>
+          <p:cNvPr id="4" name="Freeform 4"/>
           <p:cNvSpPr/>
           <p:nvPr/>
         </p:nvSpPr>
         <p:spPr>
-          <a:xfrm flipH="false" flipV="true" rot="0">
+          <a:xfrm flipV="1">
             <a:off x="13333513" y="-733092"/>
             <a:ext cx="5772561" cy="5772561"/>
           </a:xfrm>
@@ -4040,9 +4181,9 @@
             <a:gdLst/>
             <a:ahLst/>
             <a:cxnLst/>
-            <a:rect r="r" b="b" t="t" l="l"/>
+            <a:rect l="l" t="t" r="r" b="b"/>
             <a:pathLst>
-              <a:path h="5772561" w="5772561">
+              <a:path w="5772561" h="5772561">
                 <a:moveTo>
                   <a:pt x="0" y="5772561"/>
                 </a:moveTo>
@@ -4071,19 +4212,26 @@
               </a:extLst>
             </a:blip>
             <a:stretch>
-              <a:fillRect l="0" t="0" r="0" b="0"/>
+              <a:fillRect/>
             </a:stretch>
           </a:blipFill>
         </p:spPr>
-      </p:sp>
-      <p:sp>
-        <p:nvSpPr>
-          <p:cNvPr name="Freeform 5" id="5"/>
+        <p:txBody>
+          <a:bodyPr/>
+          <a:lstStyle/>
+          <a:p>
+            <a:endParaRPr lang="en-ZA"/>
+          </a:p>
+        </p:txBody>
+      </p:sp>
+      <p:sp>
+        <p:nvSpPr>
+          <p:cNvPr id="5" name="Freeform 5"/>
           <p:cNvSpPr/>
           <p:nvPr/>
         </p:nvSpPr>
         <p:spPr>
-          <a:xfrm flipH="true" flipV="false" rot="0">
+          <a:xfrm flipH="1">
             <a:off x="-1925438" y="5143500"/>
             <a:ext cx="5772561" cy="5772561"/>
           </a:xfrm>
@@ -4092,9 +4240,9 @@
             <a:gdLst/>
             <a:ahLst/>
             <a:cxnLst/>
-            <a:rect r="r" b="b" t="t" l="l"/>
+            <a:rect l="l" t="t" r="r" b="b"/>
             <a:pathLst>
-              <a:path h="5772561" w="5772561">
+              <a:path w="5772561" h="5772561">
                 <a:moveTo>
                   <a:pt x="5772562" y="0"/>
                 </a:moveTo>
@@ -4123,19 +4271,26 @@
               </a:extLst>
             </a:blip>
             <a:stretch>
-              <a:fillRect l="0" t="0" r="0" b="0"/>
+              <a:fillRect/>
             </a:stretch>
           </a:blipFill>
         </p:spPr>
-      </p:sp>
-      <p:sp>
-        <p:nvSpPr>
-          <p:cNvPr name="Freeform 6" id="6"/>
+        <p:txBody>
+          <a:bodyPr/>
+          <a:lstStyle/>
+          <a:p>
+            <a:endParaRPr lang="en-ZA"/>
+          </a:p>
+        </p:txBody>
+      </p:sp>
+      <p:sp>
+        <p:nvSpPr>
+          <p:cNvPr id="6" name="Freeform 6"/>
           <p:cNvSpPr/>
           <p:nvPr/>
         </p:nvSpPr>
         <p:spPr>
-          <a:xfrm flipH="false" flipV="false" rot="-8649072">
+          <a:xfrm rot="-8649072">
             <a:off x="-3085338" y="8819529"/>
             <a:ext cx="5710378" cy="2934943"/>
           </a:xfrm>
@@ -4144,9 +4299,9 @@
             <a:gdLst/>
             <a:ahLst/>
             <a:cxnLst/>
-            <a:rect r="r" b="b" t="t" l="l"/>
+            <a:rect l="l" t="t" r="r" b="b"/>
             <a:pathLst>
-              <a:path h="2934943" w="5710378">
+              <a:path w="5710378" h="2934943">
                 <a:moveTo>
                   <a:pt x="0" y="0"/>
                 </a:moveTo>
@@ -4175,19 +4330,26 @@
               </a:extLst>
             </a:blip>
             <a:stretch>
-              <a:fillRect l="0" t="0" r="0" b="0"/>
+              <a:fillRect/>
             </a:stretch>
           </a:blipFill>
         </p:spPr>
-      </p:sp>
-      <p:sp>
-        <p:nvSpPr>
-          <p:cNvPr name="Freeform 7" id="7"/>
+        <p:txBody>
+          <a:bodyPr/>
+          <a:lstStyle/>
+          <a:p>
+            <a:endParaRPr lang="en-ZA"/>
+          </a:p>
+        </p:txBody>
+      </p:sp>
+      <p:sp>
+        <p:nvSpPr>
+          <p:cNvPr id="7" name="Freeform 7"/>
           <p:cNvSpPr/>
           <p:nvPr/>
         </p:nvSpPr>
         <p:spPr>
-          <a:xfrm flipH="false" flipV="false" rot="2700000">
+          <a:xfrm rot="2700000">
             <a:off x="14603655" y="-1936310"/>
             <a:ext cx="5710378" cy="2934943"/>
           </a:xfrm>
@@ -4196,9 +4358,9 @@
             <a:gdLst/>
             <a:ahLst/>
             <a:cxnLst/>
-            <a:rect r="r" b="b" t="t" l="l"/>
+            <a:rect l="l" t="t" r="r" b="b"/>
             <a:pathLst>
-              <a:path h="2934943" w="5710378">
+              <a:path w="5710378" h="2934943">
                 <a:moveTo>
                   <a:pt x="0" y="0"/>
                 </a:moveTo>
@@ -4227,19 +4389,26 @@
               </a:extLst>
             </a:blip>
             <a:stretch>
-              <a:fillRect l="0" t="0" r="0" b="0"/>
+              <a:fillRect/>
             </a:stretch>
           </a:blipFill>
         </p:spPr>
-      </p:sp>
-      <p:sp>
-        <p:nvSpPr>
-          <p:cNvPr name="TextBox 8" id="8"/>
-          <p:cNvSpPr txBox="true"/>
+        <p:txBody>
+          <a:bodyPr/>
+          <a:lstStyle/>
+          <a:p>
+            <a:endParaRPr lang="en-ZA"/>
+          </a:p>
+        </p:txBody>
+      </p:sp>
+      <p:sp>
+        <p:nvSpPr>
+          <p:cNvPr id="8" name="TextBox 8"/>
+          <p:cNvSpPr txBox="1"/>
           <p:nvPr/>
         </p:nvSpPr>
         <p:spPr>
-          <a:xfrm rot="0">
+          <a:xfrm>
             <a:off x="4392982" y="2661813"/>
             <a:ext cx="9502035" cy="4801449"/>
           </a:xfrm>
@@ -4248,7 +4417,7 @@
           </a:prstGeom>
         </p:spPr>
         <p:txBody>
-          <a:bodyPr anchor="t" rtlCol="false" tIns="0" lIns="0" bIns="0" rIns="0">
+          <a:bodyPr lIns="0" tIns="0" rIns="0" bIns="0" rtlCol="0" anchor="t">
             <a:spAutoFit/>
           </a:bodyPr>
           <a:lstStyle/>
@@ -4259,7 +4428,7 @@
               </a:lnSpc>
             </a:pPr>
             <a:r>
-              <a:rPr lang="en-US" b="true" sz="15959">
+              <a:rPr lang="en-US" sz="15959" b="1">
                 <a:solidFill>
                   <a:srgbClr val="52674B"/>
                 </a:solidFill>
@@ -4278,7 +4447,7 @@
               </a:lnSpc>
             </a:pPr>
             <a:r>
-              <a:rPr lang="en-US" sz="15959" b="true">
+              <a:rPr lang="en-US" sz="15959" b="1">
                 <a:solidFill>
                   <a:srgbClr val="52674B"/>
                 </a:solidFill>
@@ -4301,13 +4470,14 @@
 </file>
 
 <file path=ppt/slides/slide2.xml><?xml version="1.0" encoding="utf-8"?>
-<p:sld xmlns:p="http://schemas.openxmlformats.org/presentationml/2006/main" xmlns:a="http://schemas.openxmlformats.org/drawingml/2006/main" xmlns:r="http://schemas.openxmlformats.org/officeDocument/2006/relationships">
+<p:sld xmlns:a="http://schemas.openxmlformats.org/drawingml/2006/main" xmlns:r="http://schemas.openxmlformats.org/officeDocument/2006/relationships" xmlns:p="http://schemas.openxmlformats.org/presentationml/2006/main">
   <p:cSld>
     <p:bg>
       <p:bgPr>
         <a:solidFill>
           <a:srgbClr val="9DAC97"/>
         </a:solidFill>
+        <a:effectLst/>
       </p:bgPr>
     </p:bg>
     <p:spTree>
@@ -4326,12 +4496,12 @@
       </p:grpSpPr>
       <p:sp>
         <p:nvSpPr>
-          <p:cNvPr name="Freeform 2" id="2"/>
+          <p:cNvPr id="2" name="Freeform 2"/>
           <p:cNvSpPr/>
           <p:nvPr/>
         </p:nvSpPr>
         <p:spPr>
-          <a:xfrm flipH="false" flipV="true" rot="0">
+          <a:xfrm flipV="1">
             <a:off x="-658892" y="-1028700"/>
             <a:ext cx="3239470" cy="4114800"/>
           </a:xfrm>
@@ -4340,9 +4510,9 @@
             <a:gdLst/>
             <a:ahLst/>
             <a:cxnLst/>
-            <a:rect r="r" b="b" t="t" l="l"/>
+            <a:rect l="l" t="t" r="r" b="b"/>
             <a:pathLst>
-              <a:path h="4114800" w="3239470">
+              <a:path w="3239470" h="4114800">
                 <a:moveTo>
                   <a:pt x="0" y="4114800"/>
                 </a:moveTo>
@@ -4371,19 +4541,26 @@
               </a:extLst>
             </a:blip>
             <a:stretch>
-              <a:fillRect l="0" t="0" r="0" b="0"/>
+              <a:fillRect/>
             </a:stretch>
           </a:blipFill>
         </p:spPr>
-      </p:sp>
-      <p:sp>
-        <p:nvSpPr>
-          <p:cNvPr name="Freeform 3" id="3"/>
+        <p:txBody>
+          <a:bodyPr/>
+          <a:lstStyle/>
+          <a:p>
+            <a:endParaRPr lang="en-ZA"/>
+          </a:p>
+        </p:txBody>
+      </p:sp>
+      <p:sp>
+        <p:nvSpPr>
+          <p:cNvPr id="3" name="Freeform 3"/>
           <p:cNvSpPr/>
           <p:nvPr/>
         </p:nvSpPr>
         <p:spPr>
-          <a:xfrm flipH="false" flipV="false" rot="4971594">
+          <a:xfrm rot="4971594">
             <a:off x="14897995" y="7645040"/>
             <a:ext cx="3952307" cy="3226520"/>
           </a:xfrm>
@@ -4392,9 +4569,9 @@
             <a:gdLst/>
             <a:ahLst/>
             <a:cxnLst/>
-            <a:rect r="r" b="b" t="t" l="l"/>
+            <a:rect l="l" t="t" r="r" b="b"/>
             <a:pathLst>
-              <a:path h="3226520" w="3952307">
+              <a:path w="3952307" h="3226520">
                 <a:moveTo>
                   <a:pt x="0" y="0"/>
                 </a:moveTo>
@@ -4423,19 +4600,26 @@
               </a:extLst>
             </a:blip>
             <a:stretch>
-              <a:fillRect l="0" t="0" r="0" b="0"/>
+              <a:fillRect/>
             </a:stretch>
           </a:blipFill>
         </p:spPr>
-      </p:sp>
-      <p:sp>
-        <p:nvSpPr>
-          <p:cNvPr name="Freeform 4" id="4"/>
+        <p:txBody>
+          <a:bodyPr/>
+          <a:lstStyle/>
+          <a:p>
+            <a:endParaRPr lang="en-ZA"/>
+          </a:p>
+        </p:txBody>
+      </p:sp>
+      <p:sp>
+        <p:nvSpPr>
+          <p:cNvPr id="4" name="Freeform 4"/>
           <p:cNvSpPr/>
           <p:nvPr/>
         </p:nvSpPr>
         <p:spPr>
-          <a:xfrm flipH="false" flipV="true" rot="0">
+          <a:xfrm flipV="1">
             <a:off x="13333513" y="-733092"/>
             <a:ext cx="5772561" cy="5772561"/>
           </a:xfrm>
@@ -4444,9 +4628,9 @@
             <a:gdLst/>
             <a:ahLst/>
             <a:cxnLst/>
-            <a:rect r="r" b="b" t="t" l="l"/>
+            <a:rect l="l" t="t" r="r" b="b"/>
             <a:pathLst>
-              <a:path h="5772561" w="5772561">
+              <a:path w="5772561" h="5772561">
                 <a:moveTo>
                   <a:pt x="0" y="5772561"/>
                 </a:moveTo>
@@ -4475,19 +4659,26 @@
               </a:extLst>
             </a:blip>
             <a:stretch>
-              <a:fillRect l="0" t="0" r="0" b="0"/>
+              <a:fillRect/>
             </a:stretch>
           </a:blipFill>
         </p:spPr>
-      </p:sp>
-      <p:sp>
-        <p:nvSpPr>
-          <p:cNvPr name="Freeform 5" id="5"/>
+        <p:txBody>
+          <a:bodyPr/>
+          <a:lstStyle/>
+          <a:p>
+            <a:endParaRPr lang="en-ZA"/>
+          </a:p>
+        </p:txBody>
+      </p:sp>
+      <p:sp>
+        <p:nvSpPr>
+          <p:cNvPr id="5" name="Freeform 5"/>
           <p:cNvSpPr/>
           <p:nvPr/>
         </p:nvSpPr>
         <p:spPr>
-          <a:xfrm flipH="true" flipV="false" rot="0">
+          <a:xfrm flipH="1">
             <a:off x="-1925438" y="5143500"/>
             <a:ext cx="5772561" cy="5772561"/>
           </a:xfrm>
@@ -4496,9 +4687,9 @@
             <a:gdLst/>
             <a:ahLst/>
             <a:cxnLst/>
-            <a:rect r="r" b="b" t="t" l="l"/>
+            <a:rect l="l" t="t" r="r" b="b"/>
             <a:pathLst>
-              <a:path h="5772561" w="5772561">
+              <a:path w="5772561" h="5772561">
                 <a:moveTo>
                   <a:pt x="5772562" y="0"/>
                 </a:moveTo>
@@ -4527,19 +4718,26 @@
               </a:extLst>
             </a:blip>
             <a:stretch>
-              <a:fillRect l="0" t="0" r="0" b="0"/>
+              <a:fillRect/>
             </a:stretch>
           </a:blipFill>
         </p:spPr>
-      </p:sp>
-      <p:sp>
-        <p:nvSpPr>
-          <p:cNvPr name="Freeform 6" id="6"/>
+        <p:txBody>
+          <a:bodyPr/>
+          <a:lstStyle/>
+          <a:p>
+            <a:endParaRPr lang="en-ZA"/>
+          </a:p>
+        </p:txBody>
+      </p:sp>
+      <p:sp>
+        <p:nvSpPr>
+          <p:cNvPr id="6" name="Freeform 6"/>
           <p:cNvSpPr/>
           <p:nvPr/>
         </p:nvSpPr>
         <p:spPr>
-          <a:xfrm flipH="false" flipV="false" rot="-8649072">
+          <a:xfrm rot="-8649072">
             <a:off x="-3085338" y="8819529"/>
             <a:ext cx="5710378" cy="2934943"/>
           </a:xfrm>
@@ -4548,9 +4746,9 @@
             <a:gdLst/>
             <a:ahLst/>
             <a:cxnLst/>
-            <a:rect r="r" b="b" t="t" l="l"/>
+            <a:rect l="l" t="t" r="r" b="b"/>
             <a:pathLst>
-              <a:path h="2934943" w="5710378">
+              <a:path w="5710378" h="2934943">
                 <a:moveTo>
                   <a:pt x="0" y="0"/>
                 </a:moveTo>
@@ -4579,19 +4777,26 @@
               </a:extLst>
             </a:blip>
             <a:stretch>
-              <a:fillRect l="0" t="0" r="0" b="0"/>
+              <a:fillRect/>
             </a:stretch>
           </a:blipFill>
         </p:spPr>
-      </p:sp>
-      <p:sp>
-        <p:nvSpPr>
-          <p:cNvPr name="Freeform 7" id="7"/>
+        <p:txBody>
+          <a:bodyPr/>
+          <a:lstStyle/>
+          <a:p>
+            <a:endParaRPr lang="en-ZA"/>
+          </a:p>
+        </p:txBody>
+      </p:sp>
+      <p:sp>
+        <p:nvSpPr>
+          <p:cNvPr id="7" name="Freeform 7"/>
           <p:cNvSpPr/>
           <p:nvPr/>
         </p:nvSpPr>
         <p:spPr>
-          <a:xfrm flipH="false" flipV="false" rot="2700000">
+          <a:xfrm rot="2700000">
             <a:off x="14603655" y="-1936310"/>
             <a:ext cx="5710378" cy="2934943"/>
           </a:xfrm>
@@ -4600,9 +4805,9 @@
             <a:gdLst/>
             <a:ahLst/>
             <a:cxnLst/>
-            <a:rect r="r" b="b" t="t" l="l"/>
+            <a:rect l="l" t="t" r="r" b="b"/>
             <a:pathLst>
-              <a:path h="2934943" w="5710378">
+              <a:path w="5710378" h="2934943">
                 <a:moveTo>
                   <a:pt x="0" y="0"/>
                 </a:moveTo>
@@ -4631,19 +4836,26 @@
               </a:extLst>
             </a:blip>
             <a:stretch>
-              <a:fillRect l="0" t="0" r="0" b="0"/>
+              <a:fillRect/>
             </a:stretch>
           </a:blipFill>
         </p:spPr>
+        <p:txBody>
+          <a:bodyPr/>
+          <a:lstStyle/>
+          <a:p>
+            <a:endParaRPr lang="en-ZA"/>
+          </a:p>
+        </p:txBody>
       </p:sp>
       <p:grpSp>
         <p:nvGrpSpPr>
-          <p:cNvPr name="Group 8" id="8"/>
+          <p:cNvPr id="8" name="Group 8"/>
           <p:cNvGrpSpPr/>
           <p:nvPr/>
         </p:nvGrpSpPr>
         <p:grpSpPr>
-          <a:xfrm rot="0">
+          <a:xfrm>
             <a:off x="4807297" y="4115719"/>
             <a:ext cx="3581922" cy="3499016"/>
             <a:chOff x="0" y="0"/>
@@ -4652,12 +4864,12 @@
         </p:grpSpPr>
         <p:sp>
           <p:nvSpPr>
-            <p:cNvPr name="Freeform 9" id="9"/>
+            <p:cNvPr id="9" name="Freeform 9"/>
             <p:cNvSpPr/>
             <p:nvPr/>
           </p:nvSpPr>
           <p:spPr>
-            <a:xfrm flipH="false" flipV="false" rot="0">
+            <a:xfrm>
               <a:off x="0" y="-7620"/>
               <a:ext cx="4833620" cy="4726940"/>
             </a:xfrm>
@@ -4666,9 +4878,9 @@
               <a:gdLst/>
               <a:ahLst/>
               <a:cxnLst/>
-              <a:rect r="r" b="b" t="t" l="l"/>
+              <a:rect l="l" t="t" r="r" b="b"/>
               <a:pathLst>
-                <a:path h="4726940" w="4833620">
+                <a:path w="4833620" h="4726940">
                   <a:moveTo>
                     <a:pt x="3416300" y="4662170"/>
                   </a:moveTo>
@@ -5096,16 +5308,23 @@
               </a:stretch>
             </a:blipFill>
           </p:spPr>
+          <p:txBody>
+            <a:bodyPr/>
+            <a:lstStyle/>
+            <a:p>
+              <a:endParaRPr lang="en-ZA"/>
+            </a:p>
+          </p:txBody>
         </p:sp>
       </p:grpSp>
       <p:sp>
         <p:nvSpPr>
-          <p:cNvPr name="TextBox 10" id="10"/>
-          <p:cNvSpPr txBox="true"/>
+          <p:cNvPr id="10" name="TextBox 10"/>
+          <p:cNvSpPr txBox="1"/>
           <p:nvPr/>
         </p:nvSpPr>
         <p:spPr>
-          <a:xfrm rot="0">
+          <a:xfrm>
             <a:off x="5465599" y="1395305"/>
             <a:ext cx="7356803" cy="2079163"/>
           </a:xfrm>
@@ -5114,7 +5333,7 @@
           </a:prstGeom>
         </p:spPr>
         <p:txBody>
-          <a:bodyPr anchor="t" rtlCol="false" tIns="0" lIns="0" bIns="0" rIns="0">
+          <a:bodyPr lIns="0" tIns="0" rIns="0" bIns="0" rtlCol="0" anchor="t">
             <a:spAutoFit/>
           </a:bodyPr>
           <a:lstStyle/>
@@ -5125,7 +5344,7 @@
               </a:lnSpc>
             </a:pPr>
             <a:r>
-              <a:rPr lang="en-US" b="true" sz="10895">
+              <a:rPr lang="en-US" sz="10895" b="1">
                 <a:solidFill>
                   <a:srgbClr val="52674B"/>
                 </a:solidFill>
@@ -5141,12 +5360,12 @@
       </p:sp>
       <p:sp>
         <p:nvSpPr>
-          <p:cNvPr name="TextBox 11" id="11"/>
-          <p:cNvSpPr txBox="true"/>
+          <p:cNvPr id="11" name="TextBox 11"/>
+          <p:cNvSpPr txBox="1"/>
           <p:nvPr/>
         </p:nvSpPr>
         <p:spPr>
-          <a:xfrm rot="0">
+          <a:xfrm>
             <a:off x="4807297" y="7941436"/>
             <a:ext cx="3584108" cy="531159"/>
           </a:xfrm>
@@ -5155,7 +5374,7 @@
           </a:prstGeom>
         </p:spPr>
         <p:txBody>
-          <a:bodyPr anchor="t" rtlCol="false" tIns="0" lIns="0" bIns="0" rIns="0">
+          <a:bodyPr lIns="0" tIns="0" rIns="0" bIns="0" rtlCol="0" anchor="t">
             <a:spAutoFit/>
           </a:bodyPr>
           <a:lstStyle/>
@@ -5166,7 +5385,7 @@
               </a:lnSpc>
             </a:pPr>
             <a:r>
-              <a:rPr lang="en-US" sz="3088" b="true">
+              <a:rPr lang="en-US" sz="3088" b="1">
                 <a:solidFill>
                   <a:srgbClr val="52674B"/>
                 </a:solidFill>
@@ -5182,12 +5401,12 @@
       </p:sp>
       <p:grpSp>
         <p:nvGrpSpPr>
-          <p:cNvPr name="Group 12" id="12"/>
+          <p:cNvPr id="12" name="Group 12"/>
           <p:cNvGrpSpPr/>
           <p:nvPr/>
         </p:nvGrpSpPr>
         <p:grpSpPr>
-          <a:xfrm rot="0">
+          <a:xfrm>
             <a:off x="9896595" y="4115719"/>
             <a:ext cx="3581922" cy="3499016"/>
             <a:chOff x="0" y="0"/>
@@ -5196,12 +5415,12 @@
         </p:grpSpPr>
         <p:sp>
           <p:nvSpPr>
-            <p:cNvPr name="Freeform 13" id="13"/>
+            <p:cNvPr id="13" name="Freeform 13"/>
             <p:cNvSpPr/>
             <p:nvPr/>
           </p:nvSpPr>
           <p:spPr>
-            <a:xfrm flipH="false" flipV="false" rot="0">
+            <a:xfrm>
               <a:off x="0" y="-7620"/>
               <a:ext cx="4833620" cy="4726940"/>
             </a:xfrm>
@@ -5210,9 +5429,9 @@
               <a:gdLst/>
               <a:ahLst/>
               <a:cxnLst/>
-              <a:rect r="r" b="b" t="t" l="l"/>
+              <a:rect l="l" t="t" r="r" b="b"/>
               <a:pathLst>
-                <a:path h="4726940" w="4833620">
+                <a:path w="4833620" h="4726940">
                   <a:moveTo>
                     <a:pt x="3416300" y="4662170"/>
                   </a:moveTo>
@@ -5640,16 +5859,23 @@
               </a:stretch>
             </a:blipFill>
           </p:spPr>
+          <p:txBody>
+            <a:bodyPr/>
+            <a:lstStyle/>
+            <a:p>
+              <a:endParaRPr lang="en-ZA"/>
+            </a:p>
+          </p:txBody>
         </p:sp>
       </p:grpSp>
       <p:sp>
         <p:nvSpPr>
-          <p:cNvPr name="TextBox 14" id="14"/>
-          <p:cNvSpPr txBox="true"/>
+          <p:cNvPr id="14" name="TextBox 14"/>
+          <p:cNvSpPr txBox="1"/>
           <p:nvPr/>
         </p:nvSpPr>
         <p:spPr>
-          <a:xfrm rot="0">
+          <a:xfrm>
             <a:off x="9896595" y="7941436"/>
             <a:ext cx="3584108" cy="531159"/>
           </a:xfrm>
@@ -5658,7 +5884,7 @@
           </a:prstGeom>
         </p:spPr>
         <p:txBody>
-          <a:bodyPr anchor="t" rtlCol="false" tIns="0" lIns="0" bIns="0" rIns="0">
+          <a:bodyPr lIns="0" tIns="0" rIns="0" bIns="0" rtlCol="0" anchor="t">
             <a:spAutoFit/>
           </a:bodyPr>
           <a:lstStyle/>
@@ -5669,7 +5895,7 @@
               </a:lnSpc>
             </a:pPr>
             <a:r>
-              <a:rPr lang="en-US" sz="3088" b="true">
+              <a:rPr lang="en-US" sz="3088" b="1">
                 <a:solidFill>
                   <a:srgbClr val="52674B"/>
                 </a:solidFill>
@@ -5692,13 +5918,14 @@
 </file>
 
 <file path=ppt/slides/slide3.xml><?xml version="1.0" encoding="utf-8"?>
-<p:sld xmlns:p="http://schemas.openxmlformats.org/presentationml/2006/main" xmlns:a="http://schemas.openxmlformats.org/drawingml/2006/main" xmlns:r="http://schemas.openxmlformats.org/officeDocument/2006/relationships">
+<p:sld xmlns:a="http://schemas.openxmlformats.org/drawingml/2006/main" xmlns:r="http://schemas.openxmlformats.org/officeDocument/2006/relationships" xmlns:p="http://schemas.openxmlformats.org/presentationml/2006/main">
   <p:cSld>
     <p:bg>
       <p:bgPr>
         <a:solidFill>
           <a:srgbClr val="9DAC97"/>
         </a:solidFill>
+        <a:effectLst/>
       </p:bgPr>
     </p:bg>
     <p:spTree>
@@ -5717,12 +5944,12 @@
       </p:grpSpPr>
       <p:sp>
         <p:nvSpPr>
-          <p:cNvPr name="Freeform 2" id="2"/>
+          <p:cNvPr id="2" name="Freeform 2"/>
           <p:cNvSpPr/>
           <p:nvPr/>
         </p:nvSpPr>
         <p:spPr>
-          <a:xfrm flipH="false" flipV="true" rot="0">
+          <a:xfrm flipV="1">
             <a:off x="-658892" y="-1028700"/>
             <a:ext cx="3239470" cy="4114800"/>
           </a:xfrm>
@@ -5731,9 +5958,9 @@
             <a:gdLst/>
             <a:ahLst/>
             <a:cxnLst/>
-            <a:rect r="r" b="b" t="t" l="l"/>
+            <a:rect l="l" t="t" r="r" b="b"/>
             <a:pathLst>
-              <a:path h="4114800" w="3239470">
+              <a:path w="3239470" h="4114800">
                 <a:moveTo>
                   <a:pt x="0" y="4114800"/>
                 </a:moveTo>
@@ -5762,19 +5989,26 @@
               </a:extLst>
             </a:blip>
             <a:stretch>
-              <a:fillRect l="0" t="0" r="0" b="0"/>
+              <a:fillRect/>
             </a:stretch>
           </a:blipFill>
         </p:spPr>
-      </p:sp>
-      <p:sp>
-        <p:nvSpPr>
-          <p:cNvPr name="Freeform 3" id="3"/>
+        <p:txBody>
+          <a:bodyPr/>
+          <a:lstStyle/>
+          <a:p>
+            <a:endParaRPr lang="en-ZA"/>
+          </a:p>
+        </p:txBody>
+      </p:sp>
+      <p:sp>
+        <p:nvSpPr>
+          <p:cNvPr id="3" name="Freeform 3"/>
           <p:cNvSpPr/>
           <p:nvPr/>
         </p:nvSpPr>
         <p:spPr>
-          <a:xfrm flipH="false" flipV="false" rot="4971594">
+          <a:xfrm rot="4971594">
             <a:off x="14897995" y="7645040"/>
             <a:ext cx="3952307" cy="3226520"/>
           </a:xfrm>
@@ -5783,9 +6017,9 @@
             <a:gdLst/>
             <a:ahLst/>
             <a:cxnLst/>
-            <a:rect r="r" b="b" t="t" l="l"/>
+            <a:rect l="l" t="t" r="r" b="b"/>
             <a:pathLst>
-              <a:path h="3226520" w="3952307">
+              <a:path w="3952307" h="3226520">
                 <a:moveTo>
                   <a:pt x="0" y="0"/>
                 </a:moveTo>
@@ -5814,19 +6048,26 @@
               </a:extLst>
             </a:blip>
             <a:stretch>
-              <a:fillRect l="0" t="0" r="0" b="0"/>
+              <a:fillRect/>
             </a:stretch>
           </a:blipFill>
         </p:spPr>
-      </p:sp>
-      <p:sp>
-        <p:nvSpPr>
-          <p:cNvPr name="Freeform 4" id="4"/>
+        <p:txBody>
+          <a:bodyPr/>
+          <a:lstStyle/>
+          <a:p>
+            <a:endParaRPr lang="en-ZA"/>
+          </a:p>
+        </p:txBody>
+      </p:sp>
+      <p:sp>
+        <p:nvSpPr>
+          <p:cNvPr id="4" name="Freeform 4"/>
           <p:cNvSpPr/>
           <p:nvPr/>
         </p:nvSpPr>
         <p:spPr>
-          <a:xfrm flipH="false" flipV="true" rot="0">
+          <a:xfrm flipV="1">
             <a:off x="13333513" y="-733092"/>
             <a:ext cx="5772561" cy="5772561"/>
           </a:xfrm>
@@ -5835,9 +6076,9 @@
             <a:gdLst/>
             <a:ahLst/>
             <a:cxnLst/>
-            <a:rect r="r" b="b" t="t" l="l"/>
+            <a:rect l="l" t="t" r="r" b="b"/>
             <a:pathLst>
-              <a:path h="5772561" w="5772561">
+              <a:path w="5772561" h="5772561">
                 <a:moveTo>
                   <a:pt x="0" y="5772561"/>
                 </a:moveTo>
@@ -5866,19 +6107,26 @@
               </a:extLst>
             </a:blip>
             <a:stretch>
-              <a:fillRect l="0" t="0" r="0" b="0"/>
+              <a:fillRect/>
             </a:stretch>
           </a:blipFill>
         </p:spPr>
-      </p:sp>
-      <p:sp>
-        <p:nvSpPr>
-          <p:cNvPr name="Freeform 5" id="5"/>
+        <p:txBody>
+          <a:bodyPr/>
+          <a:lstStyle/>
+          <a:p>
+            <a:endParaRPr lang="en-ZA"/>
+          </a:p>
+        </p:txBody>
+      </p:sp>
+      <p:sp>
+        <p:nvSpPr>
+          <p:cNvPr id="5" name="Freeform 5"/>
           <p:cNvSpPr/>
           <p:nvPr/>
         </p:nvSpPr>
         <p:spPr>
-          <a:xfrm flipH="true" flipV="false" rot="0">
+          <a:xfrm flipH="1">
             <a:off x="-1925438" y="5143500"/>
             <a:ext cx="5772561" cy="5772561"/>
           </a:xfrm>
@@ -5887,9 +6135,9 @@
             <a:gdLst/>
             <a:ahLst/>
             <a:cxnLst/>
-            <a:rect r="r" b="b" t="t" l="l"/>
+            <a:rect l="l" t="t" r="r" b="b"/>
             <a:pathLst>
-              <a:path h="5772561" w="5772561">
+              <a:path w="5772561" h="5772561">
                 <a:moveTo>
                   <a:pt x="5772562" y="0"/>
                 </a:moveTo>
@@ -5918,19 +6166,26 @@
               </a:extLst>
             </a:blip>
             <a:stretch>
-              <a:fillRect l="0" t="0" r="0" b="0"/>
+              <a:fillRect/>
             </a:stretch>
           </a:blipFill>
         </p:spPr>
-      </p:sp>
-      <p:sp>
-        <p:nvSpPr>
-          <p:cNvPr name="Freeform 6" id="6"/>
+        <p:txBody>
+          <a:bodyPr/>
+          <a:lstStyle/>
+          <a:p>
+            <a:endParaRPr lang="en-ZA"/>
+          </a:p>
+        </p:txBody>
+      </p:sp>
+      <p:sp>
+        <p:nvSpPr>
+          <p:cNvPr id="6" name="Freeform 6"/>
           <p:cNvSpPr/>
           <p:nvPr/>
         </p:nvSpPr>
         <p:spPr>
-          <a:xfrm flipH="false" flipV="false" rot="-8649072">
+          <a:xfrm rot="-8649072">
             <a:off x="-3085338" y="8819529"/>
             <a:ext cx="5710378" cy="2934943"/>
           </a:xfrm>
@@ -5939,9 +6194,9 @@
             <a:gdLst/>
             <a:ahLst/>
             <a:cxnLst/>
-            <a:rect r="r" b="b" t="t" l="l"/>
+            <a:rect l="l" t="t" r="r" b="b"/>
             <a:pathLst>
-              <a:path h="2934943" w="5710378">
+              <a:path w="5710378" h="2934943">
                 <a:moveTo>
                   <a:pt x="0" y="0"/>
                 </a:moveTo>
@@ -5970,19 +6225,26 @@
               </a:extLst>
             </a:blip>
             <a:stretch>
-              <a:fillRect l="0" t="0" r="0" b="0"/>
+              <a:fillRect/>
             </a:stretch>
           </a:blipFill>
         </p:spPr>
-      </p:sp>
-      <p:sp>
-        <p:nvSpPr>
-          <p:cNvPr name="Freeform 7" id="7"/>
+        <p:txBody>
+          <a:bodyPr/>
+          <a:lstStyle/>
+          <a:p>
+            <a:endParaRPr lang="en-ZA"/>
+          </a:p>
+        </p:txBody>
+      </p:sp>
+      <p:sp>
+        <p:nvSpPr>
+          <p:cNvPr id="7" name="Freeform 7"/>
           <p:cNvSpPr/>
           <p:nvPr/>
         </p:nvSpPr>
         <p:spPr>
-          <a:xfrm flipH="false" flipV="false" rot="2700000">
+          <a:xfrm rot="2700000">
             <a:off x="14603655" y="-1936310"/>
             <a:ext cx="5710378" cy="2934943"/>
           </a:xfrm>
@@ -5991,9 +6253,9 @@
             <a:gdLst/>
             <a:ahLst/>
             <a:cxnLst/>
-            <a:rect r="r" b="b" t="t" l="l"/>
+            <a:rect l="l" t="t" r="r" b="b"/>
             <a:pathLst>
-              <a:path h="2934943" w="5710378">
+              <a:path w="5710378" h="2934943">
                 <a:moveTo>
                   <a:pt x="0" y="0"/>
                 </a:moveTo>
@@ -6022,19 +6284,26 @@
               </a:extLst>
             </a:blip>
             <a:stretch>
-              <a:fillRect l="0" t="0" r="0" b="0"/>
+              <a:fillRect/>
             </a:stretch>
           </a:blipFill>
         </p:spPr>
-      </p:sp>
-      <p:sp>
-        <p:nvSpPr>
-          <p:cNvPr name="TextBox 8" id="8"/>
-          <p:cNvSpPr txBox="true"/>
+        <p:txBody>
+          <a:bodyPr/>
+          <a:lstStyle/>
+          <a:p>
+            <a:endParaRPr lang="en-ZA"/>
+          </a:p>
+        </p:txBody>
+      </p:sp>
+      <p:sp>
+        <p:nvSpPr>
+          <p:cNvPr id="8" name="TextBox 8"/>
+          <p:cNvSpPr txBox="1"/>
           <p:nvPr/>
         </p:nvSpPr>
         <p:spPr>
-          <a:xfrm rot="0">
+          <a:xfrm>
             <a:off x="5063683" y="2014755"/>
             <a:ext cx="8160633" cy="2927194"/>
           </a:xfrm>
@@ -6043,7 +6312,7 @@
           </a:prstGeom>
         </p:spPr>
         <p:txBody>
-          <a:bodyPr anchor="t" rtlCol="false" tIns="0" lIns="0" bIns="0" rIns="0">
+          <a:bodyPr lIns="0" tIns="0" rIns="0" bIns="0" rtlCol="0" anchor="t">
             <a:spAutoFit/>
           </a:bodyPr>
           <a:lstStyle/>
@@ -6054,7 +6323,7 @@
               </a:lnSpc>
             </a:pPr>
             <a:r>
-              <a:rPr lang="en-US" b="true" sz="10895">
+              <a:rPr lang="en-US" sz="10895" b="1">
                 <a:solidFill>
                   <a:srgbClr val="52674B"/>
                 </a:solidFill>
@@ -6070,12 +6339,12 @@
       </p:sp>
       <p:sp>
         <p:nvSpPr>
-          <p:cNvPr name="TextBox 9" id="9"/>
-          <p:cNvSpPr txBox="true"/>
+          <p:cNvPr id="9" name="TextBox 9"/>
+          <p:cNvSpPr txBox="1"/>
           <p:nvPr/>
         </p:nvSpPr>
         <p:spPr>
-          <a:xfrm rot="0">
+          <a:xfrm>
             <a:off x="4214409" y="5074086"/>
             <a:ext cx="9859183" cy="2702859"/>
           </a:xfrm>
@@ -6084,7 +6353,7 @@
           </a:prstGeom>
         </p:spPr>
         <p:txBody>
-          <a:bodyPr anchor="t" rtlCol="false" tIns="0" lIns="0" bIns="0" rIns="0">
+          <a:bodyPr lIns="0" tIns="0" rIns="0" bIns="0" rtlCol="0" anchor="t">
             <a:spAutoFit/>
           </a:bodyPr>
           <a:lstStyle/>
@@ -6095,7 +6364,7 @@
               </a:lnSpc>
             </a:pPr>
             <a:r>
-              <a:rPr lang="en-US" sz="3088" b="true">
+              <a:rPr lang="en-US" sz="3088" b="1">
                 <a:solidFill>
                   <a:srgbClr val="52674B"/>
                 </a:solidFill>
@@ -6118,13 +6387,14 @@
 </file>
 
 <file path=ppt/slides/slide4.xml><?xml version="1.0" encoding="utf-8"?>
-<p:sld xmlns:p="http://schemas.openxmlformats.org/presentationml/2006/main" xmlns:a="http://schemas.openxmlformats.org/drawingml/2006/main" xmlns:r="http://schemas.openxmlformats.org/officeDocument/2006/relationships">
+<p:sld xmlns:a="http://schemas.openxmlformats.org/drawingml/2006/main" xmlns:r="http://schemas.openxmlformats.org/officeDocument/2006/relationships" xmlns:p="http://schemas.openxmlformats.org/presentationml/2006/main">
   <p:cSld>
     <p:bg>
       <p:bgPr>
         <a:solidFill>
           <a:srgbClr val="9DAC97"/>
         </a:solidFill>
+        <a:effectLst/>
       </p:bgPr>
     </p:bg>
     <p:spTree>
@@ -6143,12 +6413,12 @@
       </p:grpSpPr>
       <p:sp>
         <p:nvSpPr>
-          <p:cNvPr name="Freeform 2" id="2"/>
+          <p:cNvPr id="2" name="Freeform 2"/>
           <p:cNvSpPr/>
           <p:nvPr/>
         </p:nvSpPr>
         <p:spPr>
-          <a:xfrm flipH="false" flipV="true" rot="0">
+          <a:xfrm flipV="1">
             <a:off x="-658892" y="-1028700"/>
             <a:ext cx="3239470" cy="4114800"/>
           </a:xfrm>
@@ -6157,9 +6427,9 @@
             <a:gdLst/>
             <a:ahLst/>
             <a:cxnLst/>
-            <a:rect r="r" b="b" t="t" l="l"/>
+            <a:rect l="l" t="t" r="r" b="b"/>
             <a:pathLst>
-              <a:path h="4114800" w="3239470">
+              <a:path w="3239470" h="4114800">
                 <a:moveTo>
                   <a:pt x="0" y="4114800"/>
                 </a:moveTo>
@@ -6188,19 +6458,26 @@
               </a:extLst>
             </a:blip>
             <a:stretch>
-              <a:fillRect l="0" t="0" r="0" b="0"/>
+              <a:fillRect/>
             </a:stretch>
           </a:blipFill>
         </p:spPr>
-      </p:sp>
-      <p:sp>
-        <p:nvSpPr>
-          <p:cNvPr name="Freeform 3" id="3"/>
+        <p:txBody>
+          <a:bodyPr/>
+          <a:lstStyle/>
+          <a:p>
+            <a:endParaRPr lang="en-ZA"/>
+          </a:p>
+        </p:txBody>
+      </p:sp>
+      <p:sp>
+        <p:nvSpPr>
+          <p:cNvPr id="3" name="Freeform 3"/>
           <p:cNvSpPr/>
           <p:nvPr/>
         </p:nvSpPr>
         <p:spPr>
-          <a:xfrm flipH="false" flipV="false" rot="4971594">
+          <a:xfrm rot="4971594">
             <a:off x="14897995" y="7645040"/>
             <a:ext cx="3952307" cy="3226520"/>
           </a:xfrm>
@@ -6209,9 +6486,9 @@
             <a:gdLst/>
             <a:ahLst/>
             <a:cxnLst/>
-            <a:rect r="r" b="b" t="t" l="l"/>
+            <a:rect l="l" t="t" r="r" b="b"/>
             <a:pathLst>
-              <a:path h="3226520" w="3952307">
+              <a:path w="3952307" h="3226520">
                 <a:moveTo>
                   <a:pt x="0" y="0"/>
                 </a:moveTo>
@@ -6240,19 +6517,26 @@
               </a:extLst>
             </a:blip>
             <a:stretch>
-              <a:fillRect l="0" t="0" r="0" b="0"/>
+              <a:fillRect/>
             </a:stretch>
           </a:blipFill>
         </p:spPr>
-      </p:sp>
-      <p:sp>
-        <p:nvSpPr>
-          <p:cNvPr name="Freeform 4" id="4"/>
+        <p:txBody>
+          <a:bodyPr/>
+          <a:lstStyle/>
+          <a:p>
+            <a:endParaRPr lang="en-ZA"/>
+          </a:p>
+        </p:txBody>
+      </p:sp>
+      <p:sp>
+        <p:nvSpPr>
+          <p:cNvPr id="4" name="Freeform 4"/>
           <p:cNvSpPr/>
           <p:nvPr/>
         </p:nvSpPr>
         <p:spPr>
-          <a:xfrm flipH="false" flipV="true" rot="0">
+          <a:xfrm flipV="1">
             <a:off x="13333513" y="-733092"/>
             <a:ext cx="5772561" cy="5772561"/>
           </a:xfrm>
@@ -6261,9 +6545,9 @@
             <a:gdLst/>
             <a:ahLst/>
             <a:cxnLst/>
-            <a:rect r="r" b="b" t="t" l="l"/>
+            <a:rect l="l" t="t" r="r" b="b"/>
             <a:pathLst>
-              <a:path h="5772561" w="5772561">
+              <a:path w="5772561" h="5772561">
                 <a:moveTo>
                   <a:pt x="0" y="5772561"/>
                 </a:moveTo>
@@ -6292,19 +6576,26 @@
               </a:extLst>
             </a:blip>
             <a:stretch>
-              <a:fillRect l="0" t="0" r="0" b="0"/>
+              <a:fillRect/>
             </a:stretch>
           </a:blipFill>
         </p:spPr>
-      </p:sp>
-      <p:sp>
-        <p:nvSpPr>
-          <p:cNvPr name="Freeform 5" id="5"/>
+        <p:txBody>
+          <a:bodyPr/>
+          <a:lstStyle/>
+          <a:p>
+            <a:endParaRPr lang="en-ZA"/>
+          </a:p>
+        </p:txBody>
+      </p:sp>
+      <p:sp>
+        <p:nvSpPr>
+          <p:cNvPr id="5" name="Freeform 5"/>
           <p:cNvSpPr/>
           <p:nvPr/>
         </p:nvSpPr>
         <p:spPr>
-          <a:xfrm flipH="true" flipV="false" rot="0">
+          <a:xfrm flipH="1">
             <a:off x="-1925438" y="5143500"/>
             <a:ext cx="5772561" cy="5772561"/>
           </a:xfrm>
@@ -6313,9 +6604,9 @@
             <a:gdLst/>
             <a:ahLst/>
             <a:cxnLst/>
-            <a:rect r="r" b="b" t="t" l="l"/>
+            <a:rect l="l" t="t" r="r" b="b"/>
             <a:pathLst>
-              <a:path h="5772561" w="5772561">
+              <a:path w="5772561" h="5772561">
                 <a:moveTo>
                   <a:pt x="5772562" y="0"/>
                 </a:moveTo>
@@ -6344,19 +6635,26 @@
               </a:extLst>
             </a:blip>
             <a:stretch>
-              <a:fillRect l="0" t="0" r="0" b="0"/>
+              <a:fillRect/>
             </a:stretch>
           </a:blipFill>
         </p:spPr>
-      </p:sp>
-      <p:sp>
-        <p:nvSpPr>
-          <p:cNvPr name="Freeform 6" id="6"/>
+        <p:txBody>
+          <a:bodyPr/>
+          <a:lstStyle/>
+          <a:p>
+            <a:endParaRPr lang="en-ZA"/>
+          </a:p>
+        </p:txBody>
+      </p:sp>
+      <p:sp>
+        <p:nvSpPr>
+          <p:cNvPr id="6" name="Freeform 6"/>
           <p:cNvSpPr/>
           <p:nvPr/>
         </p:nvSpPr>
         <p:spPr>
-          <a:xfrm flipH="false" flipV="false" rot="-8649072">
+          <a:xfrm rot="-8649072">
             <a:off x="-3085338" y="8819529"/>
             <a:ext cx="5710378" cy="2934943"/>
           </a:xfrm>
@@ -6365,9 +6663,9 @@
             <a:gdLst/>
             <a:ahLst/>
             <a:cxnLst/>
-            <a:rect r="r" b="b" t="t" l="l"/>
+            <a:rect l="l" t="t" r="r" b="b"/>
             <a:pathLst>
-              <a:path h="2934943" w="5710378">
+              <a:path w="5710378" h="2934943">
                 <a:moveTo>
                   <a:pt x="0" y="0"/>
                 </a:moveTo>
@@ -6396,19 +6694,26 @@
               </a:extLst>
             </a:blip>
             <a:stretch>
-              <a:fillRect l="0" t="0" r="0" b="0"/>
+              <a:fillRect/>
             </a:stretch>
           </a:blipFill>
         </p:spPr>
-      </p:sp>
-      <p:sp>
-        <p:nvSpPr>
-          <p:cNvPr name="Freeform 7" id="7"/>
+        <p:txBody>
+          <a:bodyPr/>
+          <a:lstStyle/>
+          <a:p>
+            <a:endParaRPr lang="en-ZA"/>
+          </a:p>
+        </p:txBody>
+      </p:sp>
+      <p:sp>
+        <p:nvSpPr>
+          <p:cNvPr id="7" name="Freeform 7"/>
           <p:cNvSpPr/>
           <p:nvPr/>
         </p:nvSpPr>
         <p:spPr>
-          <a:xfrm flipH="false" flipV="false" rot="2700000">
+          <a:xfrm rot="2700000">
             <a:off x="14603655" y="-1936310"/>
             <a:ext cx="5710378" cy="2934943"/>
           </a:xfrm>
@@ -6417,9 +6722,9 @@
             <a:gdLst/>
             <a:ahLst/>
             <a:cxnLst/>
-            <a:rect r="r" b="b" t="t" l="l"/>
+            <a:rect l="l" t="t" r="r" b="b"/>
             <a:pathLst>
-              <a:path h="2934943" w="5710378">
+              <a:path w="5710378" h="2934943">
                 <a:moveTo>
                   <a:pt x="0" y="0"/>
                 </a:moveTo>
@@ -6448,19 +6753,26 @@
               </a:extLst>
             </a:blip>
             <a:stretch>
-              <a:fillRect l="0" t="0" r="0" b="0"/>
+              <a:fillRect/>
             </a:stretch>
           </a:blipFill>
         </p:spPr>
-      </p:sp>
-      <p:sp>
-        <p:nvSpPr>
-          <p:cNvPr name="TextBox 8" id="8"/>
-          <p:cNvSpPr txBox="true"/>
+        <p:txBody>
+          <a:bodyPr/>
+          <a:lstStyle/>
+          <a:p>
+            <a:endParaRPr lang="en-ZA"/>
+          </a:p>
+        </p:txBody>
+      </p:sp>
+      <p:sp>
+        <p:nvSpPr>
+          <p:cNvPr id="8" name="TextBox 8"/>
+          <p:cNvSpPr txBox="1"/>
           <p:nvPr/>
         </p:nvSpPr>
         <p:spPr>
-          <a:xfrm rot="0">
+          <a:xfrm>
             <a:off x="4399925" y="2417991"/>
             <a:ext cx="9488151" cy="2079163"/>
           </a:xfrm>
@@ -6469,7 +6781,7 @@
           </a:prstGeom>
         </p:spPr>
         <p:txBody>
-          <a:bodyPr anchor="t" rtlCol="false" tIns="0" lIns="0" bIns="0" rIns="0">
+          <a:bodyPr lIns="0" tIns="0" rIns="0" bIns="0" rtlCol="0" anchor="t">
             <a:spAutoFit/>
           </a:bodyPr>
           <a:lstStyle/>
@@ -6480,7 +6792,7 @@
               </a:lnSpc>
             </a:pPr>
             <a:r>
-              <a:rPr lang="en-US" b="true" sz="10895">
+              <a:rPr lang="en-US" sz="10895" b="1">
                 <a:solidFill>
                   <a:srgbClr val="52674B"/>
                 </a:solidFill>
@@ -6496,12 +6808,12 @@
       </p:sp>
       <p:sp>
         <p:nvSpPr>
-          <p:cNvPr name="TextBox 9" id="9"/>
-          <p:cNvSpPr txBox="true"/>
+          <p:cNvPr id="9" name="TextBox 9"/>
+          <p:cNvSpPr txBox="1"/>
           <p:nvPr/>
         </p:nvSpPr>
         <p:spPr>
-          <a:xfrm rot="0">
+          <a:xfrm>
             <a:off x="4158044" y="4747050"/>
             <a:ext cx="9971913" cy="2702859"/>
           </a:xfrm>
@@ -6510,7 +6822,7 @@
           </a:prstGeom>
         </p:spPr>
         <p:txBody>
-          <a:bodyPr anchor="t" rtlCol="false" tIns="0" lIns="0" bIns="0" rIns="0">
+          <a:bodyPr lIns="0" tIns="0" rIns="0" bIns="0" rtlCol="0" anchor="t">
             <a:spAutoFit/>
           </a:bodyPr>
           <a:lstStyle/>
@@ -6521,7 +6833,7 @@
               </a:lnSpc>
             </a:pPr>
             <a:r>
-              <a:rPr lang="en-US" sz="3088" b="true">
+              <a:rPr lang="en-US" sz="3088" b="1">
                 <a:solidFill>
                   <a:srgbClr val="52674B"/>
                 </a:solidFill>
@@ -6544,13 +6856,14 @@
 </file>
 
 <file path=ppt/slides/slide5.xml><?xml version="1.0" encoding="utf-8"?>
-<p:sld xmlns:p="http://schemas.openxmlformats.org/presentationml/2006/main" xmlns:a="http://schemas.openxmlformats.org/drawingml/2006/main" xmlns:r="http://schemas.openxmlformats.org/officeDocument/2006/relationships">
+<p:sld xmlns:a="http://schemas.openxmlformats.org/drawingml/2006/main" xmlns:r="http://schemas.openxmlformats.org/officeDocument/2006/relationships" xmlns:p="http://schemas.openxmlformats.org/presentationml/2006/main">
   <p:cSld>
     <p:bg>
       <p:bgPr>
         <a:solidFill>
           <a:srgbClr val="9DAC97"/>
         </a:solidFill>
+        <a:effectLst/>
       </p:bgPr>
     </p:bg>
     <p:spTree>
@@ -6569,12 +6882,12 @@
       </p:grpSpPr>
       <p:sp>
         <p:nvSpPr>
-          <p:cNvPr name="Freeform 2" id="2"/>
+          <p:cNvPr id="2" name="Freeform 2"/>
           <p:cNvSpPr/>
           <p:nvPr/>
         </p:nvSpPr>
         <p:spPr>
-          <a:xfrm flipH="false" flipV="true" rot="0">
+          <a:xfrm flipV="1">
             <a:off x="-658892" y="-1028700"/>
             <a:ext cx="3239470" cy="4114800"/>
           </a:xfrm>
@@ -6583,9 +6896,9 @@
             <a:gdLst/>
             <a:ahLst/>
             <a:cxnLst/>
-            <a:rect r="r" b="b" t="t" l="l"/>
+            <a:rect l="l" t="t" r="r" b="b"/>
             <a:pathLst>
-              <a:path h="4114800" w="3239470">
+              <a:path w="3239470" h="4114800">
                 <a:moveTo>
                   <a:pt x="0" y="4114800"/>
                 </a:moveTo>
@@ -6614,19 +6927,26 @@
               </a:extLst>
             </a:blip>
             <a:stretch>
-              <a:fillRect l="0" t="0" r="0" b="0"/>
+              <a:fillRect/>
             </a:stretch>
           </a:blipFill>
         </p:spPr>
-      </p:sp>
-      <p:sp>
-        <p:nvSpPr>
-          <p:cNvPr name="Freeform 3" id="3"/>
+        <p:txBody>
+          <a:bodyPr/>
+          <a:lstStyle/>
+          <a:p>
+            <a:endParaRPr lang="en-ZA"/>
+          </a:p>
+        </p:txBody>
+      </p:sp>
+      <p:sp>
+        <p:nvSpPr>
+          <p:cNvPr id="3" name="Freeform 3"/>
           <p:cNvSpPr/>
           <p:nvPr/>
         </p:nvSpPr>
         <p:spPr>
-          <a:xfrm flipH="false" flipV="false" rot="4971594">
+          <a:xfrm rot="4971594">
             <a:off x="14897995" y="7645040"/>
             <a:ext cx="3952307" cy="3226520"/>
           </a:xfrm>
@@ -6635,9 +6955,9 @@
             <a:gdLst/>
             <a:ahLst/>
             <a:cxnLst/>
-            <a:rect r="r" b="b" t="t" l="l"/>
+            <a:rect l="l" t="t" r="r" b="b"/>
             <a:pathLst>
-              <a:path h="3226520" w="3952307">
+              <a:path w="3952307" h="3226520">
                 <a:moveTo>
                   <a:pt x="0" y="0"/>
                 </a:moveTo>
@@ -6666,19 +6986,26 @@
               </a:extLst>
             </a:blip>
             <a:stretch>
-              <a:fillRect l="0" t="0" r="0" b="0"/>
+              <a:fillRect/>
             </a:stretch>
           </a:blipFill>
         </p:spPr>
-      </p:sp>
-      <p:sp>
-        <p:nvSpPr>
-          <p:cNvPr name="Freeform 4" id="4"/>
+        <p:txBody>
+          <a:bodyPr/>
+          <a:lstStyle/>
+          <a:p>
+            <a:endParaRPr lang="en-ZA"/>
+          </a:p>
+        </p:txBody>
+      </p:sp>
+      <p:sp>
+        <p:nvSpPr>
+          <p:cNvPr id="4" name="Freeform 4"/>
           <p:cNvSpPr/>
           <p:nvPr/>
         </p:nvSpPr>
         <p:spPr>
-          <a:xfrm flipH="false" flipV="true" rot="0">
+          <a:xfrm flipV="1">
             <a:off x="13333513" y="-733092"/>
             <a:ext cx="5772561" cy="5772561"/>
           </a:xfrm>
@@ -6687,9 +7014,9 @@
             <a:gdLst/>
             <a:ahLst/>
             <a:cxnLst/>
-            <a:rect r="r" b="b" t="t" l="l"/>
+            <a:rect l="l" t="t" r="r" b="b"/>
             <a:pathLst>
-              <a:path h="5772561" w="5772561">
+              <a:path w="5772561" h="5772561">
                 <a:moveTo>
                   <a:pt x="0" y="5772561"/>
                 </a:moveTo>
@@ -6718,19 +7045,26 @@
               </a:extLst>
             </a:blip>
             <a:stretch>
-              <a:fillRect l="0" t="0" r="0" b="0"/>
+              <a:fillRect/>
             </a:stretch>
           </a:blipFill>
         </p:spPr>
-      </p:sp>
-      <p:sp>
-        <p:nvSpPr>
-          <p:cNvPr name="Freeform 5" id="5"/>
+        <p:txBody>
+          <a:bodyPr/>
+          <a:lstStyle/>
+          <a:p>
+            <a:endParaRPr lang="en-ZA"/>
+          </a:p>
+        </p:txBody>
+      </p:sp>
+      <p:sp>
+        <p:nvSpPr>
+          <p:cNvPr id="5" name="Freeform 5"/>
           <p:cNvSpPr/>
           <p:nvPr/>
         </p:nvSpPr>
         <p:spPr>
-          <a:xfrm flipH="true" flipV="false" rot="0">
+          <a:xfrm flipH="1">
             <a:off x="-1925438" y="5143500"/>
             <a:ext cx="5772561" cy="5772561"/>
           </a:xfrm>
@@ -6739,9 +7073,9 @@
             <a:gdLst/>
             <a:ahLst/>
             <a:cxnLst/>
-            <a:rect r="r" b="b" t="t" l="l"/>
+            <a:rect l="l" t="t" r="r" b="b"/>
             <a:pathLst>
-              <a:path h="5772561" w="5772561">
+              <a:path w="5772561" h="5772561">
                 <a:moveTo>
                   <a:pt x="5772562" y="0"/>
                 </a:moveTo>
@@ -6770,19 +7104,26 @@
               </a:extLst>
             </a:blip>
             <a:stretch>
-              <a:fillRect l="0" t="0" r="0" b="0"/>
+              <a:fillRect/>
             </a:stretch>
           </a:blipFill>
         </p:spPr>
-      </p:sp>
-      <p:sp>
-        <p:nvSpPr>
-          <p:cNvPr name="Freeform 6" id="6"/>
+        <p:txBody>
+          <a:bodyPr/>
+          <a:lstStyle/>
+          <a:p>
+            <a:endParaRPr lang="en-ZA"/>
+          </a:p>
+        </p:txBody>
+      </p:sp>
+      <p:sp>
+        <p:nvSpPr>
+          <p:cNvPr id="6" name="Freeform 6"/>
           <p:cNvSpPr/>
           <p:nvPr/>
         </p:nvSpPr>
         <p:spPr>
-          <a:xfrm flipH="false" flipV="false" rot="-8649072">
+          <a:xfrm rot="-8649072">
             <a:off x="-3085338" y="8819529"/>
             <a:ext cx="5710378" cy="2934943"/>
           </a:xfrm>
@@ -6791,9 +7132,9 @@
             <a:gdLst/>
             <a:ahLst/>
             <a:cxnLst/>
-            <a:rect r="r" b="b" t="t" l="l"/>
+            <a:rect l="l" t="t" r="r" b="b"/>
             <a:pathLst>
-              <a:path h="2934943" w="5710378">
+              <a:path w="5710378" h="2934943">
                 <a:moveTo>
                   <a:pt x="0" y="0"/>
                 </a:moveTo>
@@ -6822,19 +7163,26 @@
               </a:extLst>
             </a:blip>
             <a:stretch>
-              <a:fillRect l="0" t="0" r="0" b="0"/>
+              <a:fillRect/>
             </a:stretch>
           </a:blipFill>
         </p:spPr>
-      </p:sp>
-      <p:sp>
-        <p:nvSpPr>
-          <p:cNvPr name="Freeform 7" id="7"/>
+        <p:txBody>
+          <a:bodyPr/>
+          <a:lstStyle/>
+          <a:p>
+            <a:endParaRPr lang="en-ZA"/>
+          </a:p>
+        </p:txBody>
+      </p:sp>
+      <p:sp>
+        <p:nvSpPr>
+          <p:cNvPr id="7" name="Freeform 7"/>
           <p:cNvSpPr/>
           <p:nvPr/>
         </p:nvSpPr>
         <p:spPr>
-          <a:xfrm flipH="false" flipV="false" rot="2700000">
+          <a:xfrm rot="2700000">
             <a:off x="14603655" y="-1936310"/>
             <a:ext cx="5710378" cy="2934943"/>
           </a:xfrm>
@@ -6843,9 +7191,9 @@
             <a:gdLst/>
             <a:ahLst/>
             <a:cxnLst/>
-            <a:rect r="r" b="b" t="t" l="l"/>
+            <a:rect l="l" t="t" r="r" b="b"/>
             <a:pathLst>
-              <a:path h="2934943" w="5710378">
+              <a:path w="5710378" h="2934943">
                 <a:moveTo>
                   <a:pt x="0" y="0"/>
                 </a:moveTo>
@@ -6874,19 +7222,26 @@
               </a:extLst>
             </a:blip>
             <a:stretch>
-              <a:fillRect l="0" t="0" r="0" b="0"/>
+              <a:fillRect/>
             </a:stretch>
           </a:blipFill>
         </p:spPr>
-      </p:sp>
-      <p:sp>
-        <p:nvSpPr>
-          <p:cNvPr name="TextBox 8" id="8"/>
-          <p:cNvSpPr txBox="true"/>
+        <p:txBody>
+          <a:bodyPr/>
+          <a:lstStyle/>
+          <a:p>
+            <a:endParaRPr lang="en-ZA"/>
+          </a:p>
+        </p:txBody>
+      </p:sp>
+      <p:sp>
+        <p:nvSpPr>
+          <p:cNvPr id="8" name="TextBox 8"/>
+          <p:cNvSpPr txBox="1"/>
           <p:nvPr/>
         </p:nvSpPr>
         <p:spPr>
-          <a:xfrm rot="0">
+          <a:xfrm>
             <a:off x="4399925" y="1920986"/>
             <a:ext cx="9488151" cy="2079163"/>
           </a:xfrm>
@@ -6895,7 +7250,7 @@
           </a:prstGeom>
         </p:spPr>
         <p:txBody>
-          <a:bodyPr anchor="t" rtlCol="false" tIns="0" lIns="0" bIns="0" rIns="0">
+          <a:bodyPr lIns="0" tIns="0" rIns="0" bIns="0" rtlCol="0" anchor="t">
             <a:spAutoFit/>
           </a:bodyPr>
           <a:lstStyle/>
@@ -6906,7 +7261,7 @@
               </a:lnSpc>
             </a:pPr>
             <a:r>
-              <a:rPr lang="en-US" b="true" sz="10895">
+              <a:rPr lang="en-US" sz="10895" b="1">
                 <a:solidFill>
                   <a:srgbClr val="52674B"/>
                 </a:solidFill>
@@ -6922,12 +7277,12 @@
       </p:sp>
       <p:sp>
         <p:nvSpPr>
-          <p:cNvPr name="TextBox 9" id="9"/>
-          <p:cNvSpPr txBox="true"/>
+          <p:cNvPr id="9" name="TextBox 9"/>
+          <p:cNvSpPr txBox="1"/>
           <p:nvPr/>
         </p:nvSpPr>
         <p:spPr>
-          <a:xfrm rot="0">
+          <a:xfrm>
             <a:off x="3505590" y="4217596"/>
             <a:ext cx="11276820" cy="1617009"/>
           </a:xfrm>
@@ -6936,12 +7291,12 @@
           </a:prstGeom>
         </p:spPr>
         <p:txBody>
-          <a:bodyPr anchor="t" rtlCol="false" tIns="0" lIns="0" bIns="0" rIns="0">
+          <a:bodyPr lIns="0" tIns="0" rIns="0" bIns="0" rtlCol="0" anchor="t">
             <a:spAutoFit/>
           </a:bodyPr>
           <a:lstStyle/>
           <a:p>
-            <a:pPr algn="l" marL="666749" indent="-333374" lvl="1">
+            <a:pPr marL="666749" lvl="1" indent="-333374" algn="l">
               <a:lnSpc>
                 <a:spcPts val="4323"/>
               </a:lnSpc>
@@ -6949,7 +7304,7 @@
               <a:buChar char="•"/>
             </a:pPr>
             <a:r>
-              <a:rPr lang="en-US" b="true" sz="3088">
+              <a:rPr lang="en-US" sz="3088" b="1">
                 <a:solidFill>
                   <a:srgbClr val="52674B"/>
                 </a:solidFill>
@@ -6965,12 +7320,12 @@
       </p:sp>
       <p:sp>
         <p:nvSpPr>
-          <p:cNvPr name="TextBox 10" id="10"/>
-          <p:cNvSpPr txBox="true"/>
+          <p:cNvPr id="10" name="TextBox 10"/>
+          <p:cNvSpPr txBox="1"/>
           <p:nvPr/>
         </p:nvSpPr>
         <p:spPr>
-          <a:xfrm rot="0">
+          <a:xfrm>
             <a:off x="3505590" y="6329905"/>
             <a:ext cx="11276820" cy="1617009"/>
           </a:xfrm>
@@ -6979,12 +7334,12 @@
           </a:prstGeom>
         </p:spPr>
         <p:txBody>
-          <a:bodyPr anchor="t" rtlCol="false" tIns="0" lIns="0" bIns="0" rIns="0">
+          <a:bodyPr lIns="0" tIns="0" rIns="0" bIns="0" rtlCol="0" anchor="t">
             <a:spAutoFit/>
           </a:bodyPr>
           <a:lstStyle/>
           <a:p>
-            <a:pPr algn="l" marL="666749" indent="-333374" lvl="1">
+            <a:pPr marL="666749" lvl="1" indent="-333374" algn="l">
               <a:lnSpc>
                 <a:spcPts val="4323"/>
               </a:lnSpc>
@@ -6992,7 +7347,7 @@
               <a:buChar char="•"/>
             </a:pPr>
             <a:r>
-              <a:rPr lang="en-US" b="true" sz="3088">
+              <a:rPr lang="en-US" sz="3088" b="1">
                 <a:solidFill>
                   <a:srgbClr val="52674B"/>
                 </a:solidFill>
@@ -7015,13 +7370,14 @@
 </file>
 
 <file path=ppt/slides/slide6.xml><?xml version="1.0" encoding="utf-8"?>
-<p:sld xmlns:p="http://schemas.openxmlformats.org/presentationml/2006/main" xmlns:a="http://schemas.openxmlformats.org/drawingml/2006/main" xmlns:r="http://schemas.openxmlformats.org/officeDocument/2006/relationships">
+<p:sld xmlns:a="http://schemas.openxmlformats.org/drawingml/2006/main" xmlns:r="http://schemas.openxmlformats.org/officeDocument/2006/relationships" xmlns:p="http://schemas.openxmlformats.org/presentationml/2006/main">
   <p:cSld>
     <p:bg>
       <p:bgPr>
         <a:solidFill>
           <a:srgbClr val="9DAC97"/>
         </a:solidFill>
+        <a:effectLst/>
       </p:bgPr>
     </p:bg>
     <p:spTree>
@@ -7040,12 +7396,12 @@
       </p:grpSpPr>
       <p:sp>
         <p:nvSpPr>
-          <p:cNvPr name="Freeform 2" id="2"/>
+          <p:cNvPr id="2" name="Freeform 2"/>
           <p:cNvSpPr/>
           <p:nvPr/>
         </p:nvSpPr>
         <p:spPr>
-          <a:xfrm flipH="false" flipV="true" rot="0">
+          <a:xfrm flipV="1">
             <a:off x="-658892" y="-1028700"/>
             <a:ext cx="3239470" cy="4114800"/>
           </a:xfrm>
@@ -7054,9 +7410,9 @@
             <a:gdLst/>
             <a:ahLst/>
             <a:cxnLst/>
-            <a:rect r="r" b="b" t="t" l="l"/>
+            <a:rect l="l" t="t" r="r" b="b"/>
             <a:pathLst>
-              <a:path h="4114800" w="3239470">
+              <a:path w="3239470" h="4114800">
                 <a:moveTo>
                   <a:pt x="0" y="4114800"/>
                 </a:moveTo>
@@ -7085,19 +7441,26 @@
               </a:extLst>
             </a:blip>
             <a:stretch>
-              <a:fillRect l="0" t="0" r="0" b="0"/>
+              <a:fillRect/>
             </a:stretch>
           </a:blipFill>
         </p:spPr>
-      </p:sp>
-      <p:sp>
-        <p:nvSpPr>
-          <p:cNvPr name="Freeform 3" id="3"/>
+        <p:txBody>
+          <a:bodyPr/>
+          <a:lstStyle/>
+          <a:p>
+            <a:endParaRPr lang="en-ZA"/>
+          </a:p>
+        </p:txBody>
+      </p:sp>
+      <p:sp>
+        <p:nvSpPr>
+          <p:cNvPr id="3" name="Freeform 3"/>
           <p:cNvSpPr/>
           <p:nvPr/>
         </p:nvSpPr>
         <p:spPr>
-          <a:xfrm flipH="false" flipV="false" rot="4971594">
+          <a:xfrm rot="4971594">
             <a:off x="14897995" y="7645040"/>
             <a:ext cx="3952307" cy="3226520"/>
           </a:xfrm>
@@ -7106,9 +7469,9 @@
             <a:gdLst/>
             <a:ahLst/>
             <a:cxnLst/>
-            <a:rect r="r" b="b" t="t" l="l"/>
+            <a:rect l="l" t="t" r="r" b="b"/>
             <a:pathLst>
-              <a:path h="3226520" w="3952307">
+              <a:path w="3952307" h="3226520">
                 <a:moveTo>
                   <a:pt x="0" y="0"/>
                 </a:moveTo>
@@ -7137,19 +7500,26 @@
               </a:extLst>
             </a:blip>
             <a:stretch>
-              <a:fillRect l="0" t="0" r="0" b="0"/>
+              <a:fillRect/>
             </a:stretch>
           </a:blipFill>
         </p:spPr>
-      </p:sp>
-      <p:sp>
-        <p:nvSpPr>
-          <p:cNvPr name="Freeform 4" id="4"/>
+        <p:txBody>
+          <a:bodyPr/>
+          <a:lstStyle/>
+          <a:p>
+            <a:endParaRPr lang="en-ZA"/>
+          </a:p>
+        </p:txBody>
+      </p:sp>
+      <p:sp>
+        <p:nvSpPr>
+          <p:cNvPr id="4" name="Freeform 4"/>
           <p:cNvSpPr/>
           <p:nvPr/>
         </p:nvSpPr>
         <p:spPr>
-          <a:xfrm flipH="false" flipV="true" rot="0">
+          <a:xfrm flipV="1">
             <a:off x="13333513" y="-733092"/>
             <a:ext cx="5772561" cy="5772561"/>
           </a:xfrm>
@@ -7158,9 +7528,9 @@
             <a:gdLst/>
             <a:ahLst/>
             <a:cxnLst/>
-            <a:rect r="r" b="b" t="t" l="l"/>
+            <a:rect l="l" t="t" r="r" b="b"/>
             <a:pathLst>
-              <a:path h="5772561" w="5772561">
+              <a:path w="5772561" h="5772561">
                 <a:moveTo>
                   <a:pt x="0" y="5772561"/>
                 </a:moveTo>
@@ -7189,19 +7559,26 @@
               </a:extLst>
             </a:blip>
             <a:stretch>
-              <a:fillRect l="0" t="0" r="0" b="0"/>
+              <a:fillRect/>
             </a:stretch>
           </a:blipFill>
         </p:spPr>
-      </p:sp>
-      <p:sp>
-        <p:nvSpPr>
-          <p:cNvPr name="Freeform 5" id="5"/>
+        <p:txBody>
+          <a:bodyPr/>
+          <a:lstStyle/>
+          <a:p>
+            <a:endParaRPr lang="en-ZA"/>
+          </a:p>
+        </p:txBody>
+      </p:sp>
+      <p:sp>
+        <p:nvSpPr>
+          <p:cNvPr id="5" name="Freeform 5"/>
           <p:cNvSpPr/>
           <p:nvPr/>
         </p:nvSpPr>
         <p:spPr>
-          <a:xfrm flipH="true" flipV="false" rot="0">
+          <a:xfrm flipH="1">
             <a:off x="-1925438" y="5143500"/>
             <a:ext cx="5772561" cy="5772561"/>
           </a:xfrm>
@@ -7210,9 +7587,9 @@
             <a:gdLst/>
             <a:ahLst/>
             <a:cxnLst/>
-            <a:rect r="r" b="b" t="t" l="l"/>
+            <a:rect l="l" t="t" r="r" b="b"/>
             <a:pathLst>
-              <a:path h="5772561" w="5772561">
+              <a:path w="5772561" h="5772561">
                 <a:moveTo>
                   <a:pt x="5772562" y="0"/>
                 </a:moveTo>
@@ -7241,19 +7618,26 @@
               </a:extLst>
             </a:blip>
             <a:stretch>
-              <a:fillRect l="0" t="0" r="0" b="0"/>
+              <a:fillRect/>
             </a:stretch>
           </a:blipFill>
         </p:spPr>
-      </p:sp>
-      <p:sp>
-        <p:nvSpPr>
-          <p:cNvPr name="Freeform 6" id="6"/>
+        <p:txBody>
+          <a:bodyPr/>
+          <a:lstStyle/>
+          <a:p>
+            <a:endParaRPr lang="en-ZA"/>
+          </a:p>
+        </p:txBody>
+      </p:sp>
+      <p:sp>
+        <p:nvSpPr>
+          <p:cNvPr id="6" name="Freeform 6"/>
           <p:cNvSpPr/>
           <p:nvPr/>
         </p:nvSpPr>
         <p:spPr>
-          <a:xfrm flipH="false" flipV="false" rot="-8649072">
+          <a:xfrm rot="-8649072">
             <a:off x="-3085338" y="8819529"/>
             <a:ext cx="5710378" cy="2934943"/>
           </a:xfrm>
@@ -7262,9 +7646,9 @@
             <a:gdLst/>
             <a:ahLst/>
             <a:cxnLst/>
-            <a:rect r="r" b="b" t="t" l="l"/>
+            <a:rect l="l" t="t" r="r" b="b"/>
             <a:pathLst>
-              <a:path h="2934943" w="5710378">
+              <a:path w="5710378" h="2934943">
                 <a:moveTo>
                   <a:pt x="0" y="0"/>
                 </a:moveTo>
@@ -7293,19 +7677,26 @@
               </a:extLst>
             </a:blip>
             <a:stretch>
-              <a:fillRect l="0" t="0" r="0" b="0"/>
+              <a:fillRect/>
             </a:stretch>
           </a:blipFill>
         </p:spPr>
-      </p:sp>
-      <p:sp>
-        <p:nvSpPr>
-          <p:cNvPr name="Freeform 7" id="7"/>
+        <p:txBody>
+          <a:bodyPr/>
+          <a:lstStyle/>
+          <a:p>
+            <a:endParaRPr lang="en-ZA"/>
+          </a:p>
+        </p:txBody>
+      </p:sp>
+      <p:sp>
+        <p:nvSpPr>
+          <p:cNvPr id="7" name="Freeform 7"/>
           <p:cNvSpPr/>
           <p:nvPr/>
         </p:nvSpPr>
         <p:spPr>
-          <a:xfrm flipH="false" flipV="false" rot="2700000">
+          <a:xfrm rot="2700000">
             <a:off x="14603655" y="-1936310"/>
             <a:ext cx="5710378" cy="2934943"/>
           </a:xfrm>
@@ -7314,9 +7705,9 @@
             <a:gdLst/>
             <a:ahLst/>
             <a:cxnLst/>
-            <a:rect r="r" b="b" t="t" l="l"/>
+            <a:rect l="l" t="t" r="r" b="b"/>
             <a:pathLst>
-              <a:path h="2934943" w="5710378">
+              <a:path w="5710378" h="2934943">
                 <a:moveTo>
                   <a:pt x="0" y="0"/>
                 </a:moveTo>
@@ -7345,19 +7736,26 @@
               </a:extLst>
             </a:blip>
             <a:stretch>
-              <a:fillRect l="0" t="0" r="0" b="0"/>
+              <a:fillRect/>
             </a:stretch>
           </a:blipFill>
         </p:spPr>
-      </p:sp>
-      <p:sp>
-        <p:nvSpPr>
-          <p:cNvPr name="TextBox 8" id="8"/>
-          <p:cNvSpPr txBox="true"/>
+        <p:txBody>
+          <a:bodyPr/>
+          <a:lstStyle/>
+          <a:p>
+            <a:endParaRPr lang="en-ZA"/>
+          </a:p>
+        </p:txBody>
+      </p:sp>
+      <p:sp>
+        <p:nvSpPr>
+          <p:cNvPr id="8" name="TextBox 8"/>
+          <p:cNvSpPr txBox="1"/>
           <p:nvPr/>
         </p:nvSpPr>
         <p:spPr>
-          <a:xfrm rot="0">
+          <a:xfrm>
             <a:off x="2265139" y="2347144"/>
             <a:ext cx="8160633" cy="1612744"/>
           </a:xfrm>
@@ -7366,7 +7764,7 @@
           </a:prstGeom>
         </p:spPr>
         <p:txBody>
-          <a:bodyPr anchor="t" rtlCol="false" tIns="0" lIns="0" bIns="0" rIns="0">
+          <a:bodyPr lIns="0" tIns="0" rIns="0" bIns="0" rtlCol="0" anchor="t">
             <a:spAutoFit/>
           </a:bodyPr>
           <a:lstStyle/>
@@ -7377,7 +7775,7 @@
               </a:lnSpc>
             </a:pPr>
             <a:r>
-              <a:rPr lang="en-US" sz="10895" b="true">
+              <a:rPr lang="en-US" sz="10895" b="1">
                 <a:solidFill>
                   <a:srgbClr val="52674B"/>
                 </a:solidFill>
@@ -7393,12 +7791,12 @@
       </p:sp>
       <p:sp>
         <p:nvSpPr>
-          <p:cNvPr name="TextBox 9" id="9"/>
-          <p:cNvSpPr txBox="true"/>
+          <p:cNvPr id="9" name="TextBox 9"/>
+          <p:cNvSpPr txBox="1"/>
           <p:nvPr/>
         </p:nvSpPr>
         <p:spPr>
-          <a:xfrm rot="0">
+          <a:xfrm>
             <a:off x="2344883" y="4232060"/>
             <a:ext cx="7102210" cy="3788709"/>
           </a:xfrm>
@@ -7407,7 +7805,7 @@
           </a:prstGeom>
         </p:spPr>
         <p:txBody>
-          <a:bodyPr anchor="t" rtlCol="false" tIns="0" lIns="0" bIns="0" rIns="0">
+          <a:bodyPr lIns="0" tIns="0" rIns="0" bIns="0" rtlCol="0" anchor="t">
             <a:spAutoFit/>
           </a:bodyPr>
           <a:lstStyle/>
@@ -7418,7 +7816,7 @@
               </a:lnSpc>
             </a:pPr>
             <a:r>
-              <a:rPr lang="en-US" sz="3088" b="true">
+              <a:rPr lang="en-US" sz="3088" b="1">
                 <a:solidFill>
                   <a:srgbClr val="52674B"/>
                 </a:solidFill>
@@ -7434,9 +7832,9 @@
       </p:sp>
       <p:pic>
         <p:nvPicPr>
-          <p:cNvPr name="Picture 10" id="10"/>
+          <p:cNvPr id="10" name="Picture 10"/>
           <p:cNvPicPr>
-            <a:picLocks noChangeAspect="true"/>
+            <a:picLocks noChangeAspect="1"/>
           </p:cNvPicPr>
           <p:nvPr/>
         </p:nvPicPr>
@@ -7447,7 +7845,7 @@
           </a:stretch>
         </p:blipFill>
         <p:spPr>
-          <a:xfrm rot="0">
+          <a:xfrm>
             <a:off x="9948901" y="1690777"/>
             <a:ext cx="6649414" cy="6905446"/>
           </a:xfrm>
@@ -7465,13 +7863,14 @@
 </file>
 
 <file path=ppt/slides/slide7.xml><?xml version="1.0" encoding="utf-8"?>
-<p:sld xmlns:p="http://schemas.openxmlformats.org/presentationml/2006/main" xmlns:a="http://schemas.openxmlformats.org/drawingml/2006/main" xmlns:r="http://schemas.openxmlformats.org/officeDocument/2006/relationships">
+<p:sld xmlns:a="http://schemas.openxmlformats.org/drawingml/2006/main" xmlns:r="http://schemas.openxmlformats.org/officeDocument/2006/relationships" xmlns:p="http://schemas.openxmlformats.org/presentationml/2006/main">
   <p:cSld>
     <p:bg>
       <p:bgPr>
         <a:solidFill>
           <a:srgbClr val="9DAC97"/>
         </a:solidFill>
+        <a:effectLst/>
       </p:bgPr>
     </p:bg>
     <p:spTree>
@@ -7490,12 +7889,12 @@
       </p:grpSpPr>
       <p:sp>
         <p:nvSpPr>
-          <p:cNvPr name="Freeform 2" id="2"/>
+          <p:cNvPr id="2" name="Freeform 2"/>
           <p:cNvSpPr/>
           <p:nvPr/>
         </p:nvSpPr>
         <p:spPr>
-          <a:xfrm flipH="false" flipV="true" rot="0">
+          <a:xfrm flipV="1">
             <a:off x="-658892" y="-1028700"/>
             <a:ext cx="3239470" cy="4114800"/>
           </a:xfrm>
@@ -7504,9 +7903,9 @@
             <a:gdLst/>
             <a:ahLst/>
             <a:cxnLst/>
-            <a:rect r="r" b="b" t="t" l="l"/>
+            <a:rect l="l" t="t" r="r" b="b"/>
             <a:pathLst>
-              <a:path h="4114800" w="3239470">
+              <a:path w="3239470" h="4114800">
                 <a:moveTo>
                   <a:pt x="0" y="4114800"/>
                 </a:moveTo>
@@ -7535,19 +7934,26 @@
               </a:extLst>
             </a:blip>
             <a:stretch>
-              <a:fillRect l="0" t="0" r="0" b="0"/>
+              <a:fillRect/>
             </a:stretch>
           </a:blipFill>
         </p:spPr>
-      </p:sp>
-      <p:sp>
-        <p:nvSpPr>
-          <p:cNvPr name="Freeform 3" id="3"/>
+        <p:txBody>
+          <a:bodyPr/>
+          <a:lstStyle/>
+          <a:p>
+            <a:endParaRPr lang="en-ZA"/>
+          </a:p>
+        </p:txBody>
+      </p:sp>
+      <p:sp>
+        <p:nvSpPr>
+          <p:cNvPr id="3" name="Freeform 3"/>
           <p:cNvSpPr/>
           <p:nvPr/>
         </p:nvSpPr>
         <p:spPr>
-          <a:xfrm flipH="false" flipV="false" rot="4971594">
+          <a:xfrm rot="4971594">
             <a:off x="14897995" y="7645040"/>
             <a:ext cx="3952307" cy="3226520"/>
           </a:xfrm>
@@ -7556,9 +7962,9 @@
             <a:gdLst/>
             <a:ahLst/>
             <a:cxnLst/>
-            <a:rect r="r" b="b" t="t" l="l"/>
+            <a:rect l="l" t="t" r="r" b="b"/>
             <a:pathLst>
-              <a:path h="3226520" w="3952307">
+              <a:path w="3952307" h="3226520">
                 <a:moveTo>
                   <a:pt x="0" y="0"/>
                 </a:moveTo>
@@ -7587,19 +7993,26 @@
               </a:extLst>
             </a:blip>
             <a:stretch>
-              <a:fillRect l="0" t="0" r="0" b="0"/>
+              <a:fillRect/>
             </a:stretch>
           </a:blipFill>
         </p:spPr>
-      </p:sp>
-      <p:sp>
-        <p:nvSpPr>
-          <p:cNvPr name="Freeform 4" id="4"/>
+        <p:txBody>
+          <a:bodyPr/>
+          <a:lstStyle/>
+          <a:p>
+            <a:endParaRPr lang="en-ZA"/>
+          </a:p>
+        </p:txBody>
+      </p:sp>
+      <p:sp>
+        <p:nvSpPr>
+          <p:cNvPr id="4" name="Freeform 4"/>
           <p:cNvSpPr/>
           <p:nvPr/>
         </p:nvSpPr>
         <p:spPr>
-          <a:xfrm flipH="false" flipV="true" rot="0">
+          <a:xfrm flipV="1">
             <a:off x="13333513" y="-733092"/>
             <a:ext cx="5772561" cy="5772561"/>
           </a:xfrm>
@@ -7608,9 +8021,9 @@
             <a:gdLst/>
             <a:ahLst/>
             <a:cxnLst/>
-            <a:rect r="r" b="b" t="t" l="l"/>
+            <a:rect l="l" t="t" r="r" b="b"/>
             <a:pathLst>
-              <a:path h="5772561" w="5772561">
+              <a:path w="5772561" h="5772561">
                 <a:moveTo>
                   <a:pt x="0" y="5772561"/>
                 </a:moveTo>
@@ -7639,19 +8052,26 @@
               </a:extLst>
             </a:blip>
             <a:stretch>
-              <a:fillRect l="0" t="0" r="0" b="0"/>
+              <a:fillRect/>
             </a:stretch>
           </a:blipFill>
         </p:spPr>
-      </p:sp>
-      <p:sp>
-        <p:nvSpPr>
-          <p:cNvPr name="Freeform 5" id="5"/>
+        <p:txBody>
+          <a:bodyPr/>
+          <a:lstStyle/>
+          <a:p>
+            <a:endParaRPr lang="en-ZA"/>
+          </a:p>
+        </p:txBody>
+      </p:sp>
+      <p:sp>
+        <p:nvSpPr>
+          <p:cNvPr id="5" name="Freeform 5"/>
           <p:cNvSpPr/>
           <p:nvPr/>
         </p:nvSpPr>
         <p:spPr>
-          <a:xfrm flipH="true" flipV="false" rot="0">
+          <a:xfrm flipH="1">
             <a:off x="-1925438" y="5143500"/>
             <a:ext cx="5772561" cy="5772561"/>
           </a:xfrm>
@@ -7660,9 +8080,9 @@
             <a:gdLst/>
             <a:ahLst/>
             <a:cxnLst/>
-            <a:rect r="r" b="b" t="t" l="l"/>
+            <a:rect l="l" t="t" r="r" b="b"/>
             <a:pathLst>
-              <a:path h="5772561" w="5772561">
+              <a:path w="5772561" h="5772561">
                 <a:moveTo>
                   <a:pt x="5772562" y="0"/>
                 </a:moveTo>
@@ -7691,19 +8111,26 @@
               </a:extLst>
             </a:blip>
             <a:stretch>
-              <a:fillRect l="0" t="0" r="0" b="0"/>
+              <a:fillRect/>
             </a:stretch>
           </a:blipFill>
         </p:spPr>
-      </p:sp>
-      <p:sp>
-        <p:nvSpPr>
-          <p:cNvPr name="Freeform 6" id="6"/>
+        <p:txBody>
+          <a:bodyPr/>
+          <a:lstStyle/>
+          <a:p>
+            <a:endParaRPr lang="en-ZA"/>
+          </a:p>
+        </p:txBody>
+      </p:sp>
+      <p:sp>
+        <p:nvSpPr>
+          <p:cNvPr id="6" name="Freeform 6"/>
           <p:cNvSpPr/>
           <p:nvPr/>
         </p:nvSpPr>
         <p:spPr>
-          <a:xfrm flipH="false" flipV="false" rot="-8649072">
+          <a:xfrm rot="-8649072">
             <a:off x="-3085338" y="8819529"/>
             <a:ext cx="5710378" cy="2934943"/>
           </a:xfrm>
@@ -7712,9 +8139,9 @@
             <a:gdLst/>
             <a:ahLst/>
             <a:cxnLst/>
-            <a:rect r="r" b="b" t="t" l="l"/>
+            <a:rect l="l" t="t" r="r" b="b"/>
             <a:pathLst>
-              <a:path h="2934943" w="5710378">
+              <a:path w="5710378" h="2934943">
                 <a:moveTo>
                   <a:pt x="0" y="0"/>
                 </a:moveTo>
@@ -7743,19 +8170,26 @@
               </a:extLst>
             </a:blip>
             <a:stretch>
-              <a:fillRect l="0" t="0" r="0" b="0"/>
+              <a:fillRect/>
             </a:stretch>
           </a:blipFill>
         </p:spPr>
-      </p:sp>
-      <p:sp>
-        <p:nvSpPr>
-          <p:cNvPr name="Freeform 7" id="7"/>
+        <p:txBody>
+          <a:bodyPr/>
+          <a:lstStyle/>
+          <a:p>
+            <a:endParaRPr lang="en-ZA"/>
+          </a:p>
+        </p:txBody>
+      </p:sp>
+      <p:sp>
+        <p:nvSpPr>
+          <p:cNvPr id="7" name="Freeform 7"/>
           <p:cNvSpPr/>
           <p:nvPr/>
         </p:nvSpPr>
         <p:spPr>
-          <a:xfrm flipH="false" flipV="false" rot="2700000">
+          <a:xfrm rot="2700000">
             <a:off x="14603655" y="-1936310"/>
             <a:ext cx="5710378" cy="2934943"/>
           </a:xfrm>
@@ -7764,9 +8198,9 @@
             <a:gdLst/>
             <a:ahLst/>
             <a:cxnLst/>
-            <a:rect r="r" b="b" t="t" l="l"/>
+            <a:rect l="l" t="t" r="r" b="b"/>
             <a:pathLst>
-              <a:path h="2934943" w="5710378">
+              <a:path w="5710378" h="2934943">
                 <a:moveTo>
                   <a:pt x="0" y="0"/>
                 </a:moveTo>
@@ -7795,19 +8229,26 @@
               </a:extLst>
             </a:blip>
             <a:stretch>
-              <a:fillRect l="0" t="0" r="0" b="0"/>
+              <a:fillRect/>
             </a:stretch>
           </a:blipFill>
         </p:spPr>
-      </p:sp>
-      <p:sp>
-        <p:nvSpPr>
-          <p:cNvPr name="TextBox 8" id="8"/>
-          <p:cNvSpPr txBox="true"/>
+        <p:txBody>
+          <a:bodyPr/>
+          <a:lstStyle/>
+          <a:p>
+            <a:endParaRPr lang="en-ZA"/>
+          </a:p>
+        </p:txBody>
+      </p:sp>
+      <p:sp>
+        <p:nvSpPr>
+          <p:cNvPr id="8" name="TextBox 8"/>
+          <p:cNvSpPr txBox="1"/>
           <p:nvPr/>
         </p:nvSpPr>
         <p:spPr>
-          <a:xfrm rot="0">
+          <a:xfrm>
             <a:off x="8562463" y="2330500"/>
             <a:ext cx="7500588" cy="1612744"/>
           </a:xfrm>
@@ -7816,7 +8257,7 @@
           </a:prstGeom>
         </p:spPr>
         <p:txBody>
-          <a:bodyPr anchor="t" rtlCol="false" tIns="0" lIns="0" bIns="0" rIns="0">
+          <a:bodyPr lIns="0" tIns="0" rIns="0" bIns="0" rtlCol="0" anchor="t">
             <a:spAutoFit/>
           </a:bodyPr>
           <a:lstStyle/>
@@ -7827,7 +8268,7 @@
               </a:lnSpc>
             </a:pPr>
             <a:r>
-              <a:rPr lang="en-US" sz="10895" b="true">
+              <a:rPr lang="en-US" sz="10895" b="1">
                 <a:solidFill>
                   <a:srgbClr val="52674B"/>
                 </a:solidFill>
@@ -7843,12 +8284,12 @@
       </p:sp>
       <p:sp>
         <p:nvSpPr>
-          <p:cNvPr name="TextBox 9" id="9"/>
-          <p:cNvSpPr txBox="true"/>
+          <p:cNvPr id="9" name="TextBox 9"/>
+          <p:cNvSpPr txBox="1"/>
           <p:nvPr/>
         </p:nvSpPr>
         <p:spPr>
-          <a:xfrm rot="0">
+          <a:xfrm>
             <a:off x="8642206" y="4215416"/>
             <a:ext cx="7102210" cy="3788709"/>
           </a:xfrm>
@@ -7857,7 +8298,7 @@
           </a:prstGeom>
         </p:spPr>
         <p:txBody>
-          <a:bodyPr anchor="t" rtlCol="false" tIns="0" lIns="0" bIns="0" rIns="0">
+          <a:bodyPr lIns="0" tIns="0" rIns="0" bIns="0" rtlCol="0" anchor="t">
             <a:spAutoFit/>
           </a:bodyPr>
           <a:lstStyle/>
@@ -7868,7 +8309,7 @@
               </a:lnSpc>
             </a:pPr>
             <a:r>
-              <a:rPr lang="en-US" sz="3088" b="true">
+              <a:rPr lang="en-US" sz="3088" b="1" dirty="0">
                 <a:solidFill>
                   <a:srgbClr val="52674B"/>
                 </a:solidFill>
@@ -7877,16 +8318,496 @@
                 <a:cs typeface="Open Sauce Medium"/>
                 <a:sym typeface="Open Sauce Medium"/>
               </a:rPr>
-              <a:t>Lorem ipsum dolor sit amet, consectetur adipiscing elit. Cras arcu metus, feugiat vitae ante ac, aliquet tempus ante. In euismod nibh eget lacinia imperdiet. Maecenas tristique risus felis, ut ultrices lectus ultrices lobortis.</a:t>
+              <a:t>Lorem ipsum dolor sit </a:t>
+            </a:r>
+            <a:r>
+              <a:rPr lang="en-US" sz="3088" b="1" dirty="0" err="1">
+                <a:solidFill>
+                  <a:srgbClr val="52674B"/>
+                </a:solidFill>
+                <a:latin typeface="Open Sauce Medium"/>
+                <a:ea typeface="Open Sauce Medium"/>
+                <a:cs typeface="Open Sauce Medium"/>
+                <a:sym typeface="Open Sauce Medium"/>
+              </a:rPr>
+              <a:t>amet</a:t>
+            </a:r>
+            <a:r>
+              <a:rPr lang="en-US" sz="3088" b="1" dirty="0">
+                <a:solidFill>
+                  <a:srgbClr val="52674B"/>
+                </a:solidFill>
+                <a:latin typeface="Open Sauce Medium"/>
+                <a:ea typeface="Open Sauce Medium"/>
+                <a:cs typeface="Open Sauce Medium"/>
+                <a:sym typeface="Open Sauce Medium"/>
+              </a:rPr>
+              <a:t>, </a:t>
+            </a:r>
+            <a:r>
+              <a:rPr lang="en-US" sz="3088" b="1" dirty="0" err="1">
+                <a:solidFill>
+                  <a:srgbClr val="52674B"/>
+                </a:solidFill>
+                <a:latin typeface="Open Sauce Medium"/>
+                <a:ea typeface="Open Sauce Medium"/>
+                <a:cs typeface="Open Sauce Medium"/>
+                <a:sym typeface="Open Sauce Medium"/>
+              </a:rPr>
+              <a:t>consectetur</a:t>
+            </a:r>
+            <a:r>
+              <a:rPr lang="en-US" sz="3088" b="1" dirty="0">
+                <a:solidFill>
+                  <a:srgbClr val="52674B"/>
+                </a:solidFill>
+                <a:latin typeface="Open Sauce Medium"/>
+                <a:ea typeface="Open Sauce Medium"/>
+                <a:cs typeface="Open Sauce Medium"/>
+                <a:sym typeface="Open Sauce Medium"/>
+              </a:rPr>
+              <a:t> </a:t>
+            </a:r>
+            <a:r>
+              <a:rPr lang="en-US" sz="3088" b="1" dirty="0" err="1">
+                <a:solidFill>
+                  <a:srgbClr val="52674B"/>
+                </a:solidFill>
+                <a:latin typeface="Open Sauce Medium"/>
+                <a:ea typeface="Open Sauce Medium"/>
+                <a:cs typeface="Open Sauce Medium"/>
+                <a:sym typeface="Open Sauce Medium"/>
+              </a:rPr>
+              <a:t>adipiscing</a:t>
+            </a:r>
+            <a:r>
+              <a:rPr lang="en-US" sz="3088" b="1" dirty="0">
+                <a:solidFill>
+                  <a:srgbClr val="52674B"/>
+                </a:solidFill>
+                <a:latin typeface="Open Sauce Medium"/>
+                <a:ea typeface="Open Sauce Medium"/>
+                <a:cs typeface="Open Sauce Medium"/>
+                <a:sym typeface="Open Sauce Medium"/>
+              </a:rPr>
+              <a:t> </a:t>
+            </a:r>
+            <a:r>
+              <a:rPr lang="en-US" sz="3088" b="1" dirty="0" err="1">
+                <a:solidFill>
+                  <a:srgbClr val="52674B"/>
+                </a:solidFill>
+                <a:latin typeface="Open Sauce Medium"/>
+                <a:ea typeface="Open Sauce Medium"/>
+                <a:cs typeface="Open Sauce Medium"/>
+                <a:sym typeface="Open Sauce Medium"/>
+              </a:rPr>
+              <a:t>elit</a:t>
+            </a:r>
+            <a:r>
+              <a:rPr lang="en-US" sz="3088" b="1" dirty="0">
+                <a:solidFill>
+                  <a:srgbClr val="52674B"/>
+                </a:solidFill>
+                <a:latin typeface="Open Sauce Medium"/>
+                <a:ea typeface="Open Sauce Medium"/>
+                <a:cs typeface="Open Sauce Medium"/>
+                <a:sym typeface="Open Sauce Medium"/>
+              </a:rPr>
+              <a:t>. Cras </a:t>
+            </a:r>
+            <a:r>
+              <a:rPr lang="en-US" sz="3088" b="1" dirty="0" err="1">
+                <a:solidFill>
+                  <a:srgbClr val="52674B"/>
+                </a:solidFill>
+                <a:latin typeface="Open Sauce Medium"/>
+                <a:ea typeface="Open Sauce Medium"/>
+                <a:cs typeface="Open Sauce Medium"/>
+                <a:sym typeface="Open Sauce Medium"/>
+              </a:rPr>
+              <a:t>arcu</a:t>
+            </a:r>
+            <a:r>
+              <a:rPr lang="en-US" sz="3088" b="1" dirty="0">
+                <a:solidFill>
+                  <a:srgbClr val="52674B"/>
+                </a:solidFill>
+                <a:latin typeface="Open Sauce Medium"/>
+                <a:ea typeface="Open Sauce Medium"/>
+                <a:cs typeface="Open Sauce Medium"/>
+                <a:sym typeface="Open Sauce Medium"/>
+              </a:rPr>
+              <a:t> </a:t>
+            </a:r>
+            <a:r>
+              <a:rPr lang="en-US" sz="3088" b="1" dirty="0" err="1">
+                <a:solidFill>
+                  <a:srgbClr val="52674B"/>
+                </a:solidFill>
+                <a:latin typeface="Open Sauce Medium"/>
+                <a:ea typeface="Open Sauce Medium"/>
+                <a:cs typeface="Open Sauce Medium"/>
+                <a:sym typeface="Open Sauce Medium"/>
+              </a:rPr>
+              <a:t>metus</a:t>
+            </a:r>
+            <a:r>
+              <a:rPr lang="en-US" sz="3088" b="1" dirty="0">
+                <a:solidFill>
+                  <a:srgbClr val="52674B"/>
+                </a:solidFill>
+                <a:latin typeface="Open Sauce Medium"/>
+                <a:ea typeface="Open Sauce Medium"/>
+                <a:cs typeface="Open Sauce Medium"/>
+                <a:sym typeface="Open Sauce Medium"/>
+              </a:rPr>
+              <a:t>, </a:t>
+            </a:r>
+            <a:r>
+              <a:rPr lang="en-US" sz="3088" b="1" dirty="0" err="1">
+                <a:solidFill>
+                  <a:srgbClr val="52674B"/>
+                </a:solidFill>
+                <a:latin typeface="Open Sauce Medium"/>
+                <a:ea typeface="Open Sauce Medium"/>
+                <a:cs typeface="Open Sauce Medium"/>
+                <a:sym typeface="Open Sauce Medium"/>
+              </a:rPr>
+              <a:t>feugiat</a:t>
+            </a:r>
+            <a:r>
+              <a:rPr lang="en-US" sz="3088" b="1" dirty="0">
+                <a:solidFill>
+                  <a:srgbClr val="52674B"/>
+                </a:solidFill>
+                <a:latin typeface="Open Sauce Medium"/>
+                <a:ea typeface="Open Sauce Medium"/>
+                <a:cs typeface="Open Sauce Medium"/>
+                <a:sym typeface="Open Sauce Medium"/>
+              </a:rPr>
+              <a:t> vitae ante ac, </a:t>
+            </a:r>
+            <a:r>
+              <a:rPr lang="en-US" sz="3088" b="1" dirty="0" err="1">
+                <a:solidFill>
+                  <a:srgbClr val="52674B"/>
+                </a:solidFill>
+                <a:latin typeface="Open Sauce Medium"/>
+                <a:ea typeface="Open Sauce Medium"/>
+                <a:cs typeface="Open Sauce Medium"/>
+                <a:sym typeface="Open Sauce Medium"/>
+              </a:rPr>
+              <a:t>aliquet</a:t>
+            </a:r>
+            <a:r>
+              <a:rPr lang="en-US" sz="3088" b="1" dirty="0">
+                <a:solidFill>
+                  <a:srgbClr val="52674B"/>
+                </a:solidFill>
+                <a:latin typeface="Open Sauce Medium"/>
+                <a:ea typeface="Open Sauce Medium"/>
+                <a:cs typeface="Open Sauce Medium"/>
+                <a:sym typeface="Open Sauce Medium"/>
+              </a:rPr>
+              <a:t> tempus ante. In </a:t>
+            </a:r>
+            <a:r>
+              <a:rPr lang="en-US" sz="3088" b="1" dirty="0" err="1">
+                <a:solidFill>
+                  <a:srgbClr val="52674B"/>
+                </a:solidFill>
+                <a:latin typeface="Open Sauce Medium"/>
+                <a:ea typeface="Open Sauce Medium"/>
+                <a:cs typeface="Open Sauce Medium"/>
+                <a:sym typeface="Open Sauce Medium"/>
+              </a:rPr>
+              <a:t>euismod</a:t>
+            </a:r>
+            <a:r>
+              <a:rPr lang="en-US" sz="3088" b="1" dirty="0">
+                <a:solidFill>
+                  <a:srgbClr val="52674B"/>
+                </a:solidFill>
+                <a:latin typeface="Open Sauce Medium"/>
+                <a:ea typeface="Open Sauce Medium"/>
+                <a:cs typeface="Open Sauce Medium"/>
+                <a:sym typeface="Open Sauce Medium"/>
+              </a:rPr>
+              <a:t> </a:t>
+            </a:r>
+            <a:r>
+              <a:rPr lang="en-US" sz="3088" b="1" dirty="0" err="1">
+                <a:solidFill>
+                  <a:srgbClr val="52674B"/>
+                </a:solidFill>
+                <a:latin typeface="Open Sauce Medium"/>
+                <a:ea typeface="Open Sauce Medium"/>
+                <a:cs typeface="Open Sauce Medium"/>
+                <a:sym typeface="Open Sauce Medium"/>
+              </a:rPr>
+              <a:t>nibh</a:t>
+            </a:r>
+            <a:r>
+              <a:rPr lang="en-US" sz="3088" b="1" dirty="0">
+                <a:solidFill>
+                  <a:srgbClr val="52674B"/>
+                </a:solidFill>
+                <a:latin typeface="Open Sauce Medium"/>
+                <a:ea typeface="Open Sauce Medium"/>
+                <a:cs typeface="Open Sauce Medium"/>
+                <a:sym typeface="Open Sauce Medium"/>
+              </a:rPr>
+              <a:t> </a:t>
+            </a:r>
+            <a:r>
+              <a:rPr lang="en-US" sz="3088" b="1" dirty="0" err="1">
+                <a:solidFill>
+                  <a:srgbClr val="52674B"/>
+                </a:solidFill>
+                <a:latin typeface="Open Sauce Medium"/>
+                <a:ea typeface="Open Sauce Medium"/>
+                <a:cs typeface="Open Sauce Medium"/>
+                <a:sym typeface="Open Sauce Medium"/>
+              </a:rPr>
+              <a:t>eget</a:t>
+            </a:r>
+            <a:r>
+              <a:rPr lang="en-US" sz="3088" b="1" dirty="0">
+                <a:solidFill>
+                  <a:srgbClr val="52674B"/>
+                </a:solidFill>
+                <a:latin typeface="Open Sauce Medium"/>
+                <a:ea typeface="Open Sauce Medium"/>
+                <a:cs typeface="Open Sauce Medium"/>
+                <a:sym typeface="Open Sauce Medium"/>
+              </a:rPr>
+              <a:t> lacinia </a:t>
+            </a:r>
+            <a:r>
+              <a:rPr lang="en-US" sz="3088" b="1" dirty="0" err="1">
+                <a:solidFill>
+                  <a:srgbClr val="52674B"/>
+                </a:solidFill>
+                <a:latin typeface="Open Sauce Medium"/>
+                <a:ea typeface="Open Sauce Medium"/>
+                <a:cs typeface="Open Sauce Medium"/>
+                <a:sym typeface="Open Sauce Medium"/>
+              </a:rPr>
+              <a:t>imperdiet</a:t>
+            </a:r>
+            <a:r>
+              <a:rPr lang="en-US" sz="3088" b="1" dirty="0">
+                <a:solidFill>
+                  <a:srgbClr val="52674B"/>
+                </a:solidFill>
+                <a:latin typeface="Open Sauce Medium"/>
+                <a:ea typeface="Open Sauce Medium"/>
+                <a:cs typeface="Open Sauce Medium"/>
+                <a:sym typeface="Open Sauce Medium"/>
+              </a:rPr>
+              <a:t>. Maecenas </a:t>
+            </a:r>
+            <a:r>
+              <a:rPr lang="en-US" sz="3088" b="1" dirty="0" err="1">
+                <a:solidFill>
+                  <a:srgbClr val="52674B"/>
+                </a:solidFill>
+                <a:latin typeface="Open Sauce Medium"/>
+                <a:ea typeface="Open Sauce Medium"/>
+                <a:cs typeface="Open Sauce Medium"/>
+                <a:sym typeface="Open Sauce Medium"/>
+              </a:rPr>
+              <a:t>tristique</a:t>
+            </a:r>
+            <a:r>
+              <a:rPr lang="en-US" sz="3088" b="1" dirty="0">
+                <a:solidFill>
+                  <a:srgbClr val="52674B"/>
+                </a:solidFill>
+                <a:latin typeface="Open Sauce Medium"/>
+                <a:ea typeface="Open Sauce Medium"/>
+                <a:cs typeface="Open Sauce Medium"/>
+                <a:sym typeface="Open Sauce Medium"/>
+              </a:rPr>
+              <a:t> </a:t>
+            </a:r>
+            <a:r>
+              <a:rPr lang="en-US" sz="3088" b="1" dirty="0" err="1">
+                <a:solidFill>
+                  <a:srgbClr val="52674B"/>
+                </a:solidFill>
+                <a:latin typeface="Open Sauce Medium"/>
+                <a:ea typeface="Open Sauce Medium"/>
+                <a:cs typeface="Open Sauce Medium"/>
+                <a:sym typeface="Open Sauce Medium"/>
+              </a:rPr>
+              <a:t>risus</a:t>
+            </a:r>
+            <a:r>
+              <a:rPr lang="en-US" sz="3088" b="1" dirty="0">
+                <a:solidFill>
+                  <a:srgbClr val="52674B"/>
+                </a:solidFill>
+                <a:latin typeface="Open Sauce Medium"/>
+                <a:ea typeface="Open Sauce Medium"/>
+                <a:cs typeface="Open Sauce Medium"/>
+                <a:sym typeface="Open Sauce Medium"/>
+              </a:rPr>
+              <a:t> </a:t>
+            </a:r>
+            <a:r>
+              <a:rPr lang="en-US" sz="3088" b="1" dirty="0" err="1">
+                <a:solidFill>
+                  <a:srgbClr val="52674B"/>
+                </a:solidFill>
+                <a:latin typeface="Open Sauce Medium"/>
+                <a:ea typeface="Open Sauce Medium"/>
+                <a:cs typeface="Open Sauce Medium"/>
+                <a:sym typeface="Open Sauce Medium"/>
+              </a:rPr>
+              <a:t>felis</a:t>
+            </a:r>
+            <a:r>
+              <a:rPr lang="en-US" sz="3088" b="1" dirty="0">
+                <a:solidFill>
+                  <a:srgbClr val="52674B"/>
+                </a:solidFill>
+                <a:latin typeface="Open Sauce Medium"/>
+                <a:ea typeface="Open Sauce Medium"/>
+                <a:cs typeface="Open Sauce Medium"/>
+                <a:sym typeface="Open Sauce Medium"/>
+              </a:rPr>
+              <a:t>, </a:t>
+            </a:r>
+            <a:r>
+              <a:rPr lang="en-US" sz="3088" b="1" dirty="0" err="1">
+                <a:solidFill>
+                  <a:srgbClr val="52674B"/>
+                </a:solidFill>
+                <a:latin typeface="Open Sauce Medium"/>
+                <a:ea typeface="Open Sauce Medium"/>
+                <a:cs typeface="Open Sauce Medium"/>
+                <a:sym typeface="Open Sauce Medium"/>
+              </a:rPr>
+              <a:t>ut</a:t>
+            </a:r>
+            <a:r>
+              <a:rPr lang="en-US" sz="3088" b="1" dirty="0">
+                <a:solidFill>
+                  <a:srgbClr val="52674B"/>
+                </a:solidFill>
+                <a:latin typeface="Open Sauce Medium"/>
+                <a:ea typeface="Open Sauce Medium"/>
+                <a:cs typeface="Open Sauce Medium"/>
+                <a:sym typeface="Open Sauce Medium"/>
+              </a:rPr>
+              <a:t> </a:t>
+            </a:r>
+            <a:r>
+              <a:rPr lang="en-US" sz="3088" b="1" dirty="0" err="1">
+                <a:solidFill>
+                  <a:srgbClr val="52674B"/>
+                </a:solidFill>
+                <a:latin typeface="Open Sauce Medium"/>
+                <a:ea typeface="Open Sauce Medium"/>
+                <a:cs typeface="Open Sauce Medium"/>
+                <a:sym typeface="Open Sauce Medium"/>
+              </a:rPr>
+              <a:t>ultrices</a:t>
+            </a:r>
+            <a:r>
+              <a:rPr lang="en-US" sz="3088" b="1" dirty="0">
+                <a:solidFill>
+                  <a:srgbClr val="52674B"/>
+                </a:solidFill>
+                <a:latin typeface="Open Sauce Medium"/>
+                <a:ea typeface="Open Sauce Medium"/>
+                <a:cs typeface="Open Sauce Medium"/>
+                <a:sym typeface="Open Sauce Medium"/>
+              </a:rPr>
+              <a:t> </a:t>
+            </a:r>
+            <a:r>
+              <a:rPr lang="en-US" sz="3088" b="1" dirty="0" err="1">
+                <a:solidFill>
+                  <a:srgbClr val="52674B"/>
+                </a:solidFill>
+                <a:latin typeface="Open Sauce Medium"/>
+                <a:ea typeface="Open Sauce Medium"/>
+                <a:cs typeface="Open Sauce Medium"/>
+                <a:sym typeface="Open Sauce Medium"/>
+              </a:rPr>
+              <a:t>lectus</a:t>
+            </a:r>
+            <a:r>
+              <a:rPr lang="en-US" sz="3088" b="1" dirty="0">
+                <a:solidFill>
+                  <a:srgbClr val="52674B"/>
+                </a:solidFill>
+                <a:latin typeface="Open Sauce Medium"/>
+                <a:ea typeface="Open Sauce Medium"/>
+                <a:cs typeface="Open Sauce Medium"/>
+                <a:sym typeface="Open Sauce Medium"/>
+              </a:rPr>
+              <a:t> </a:t>
+            </a:r>
+            <a:r>
+              <a:rPr lang="en-US" sz="3088" b="1" dirty="0" err="1">
+                <a:solidFill>
+                  <a:srgbClr val="52674B"/>
+                </a:solidFill>
+                <a:latin typeface="Open Sauce Medium"/>
+                <a:ea typeface="Open Sauce Medium"/>
+                <a:cs typeface="Open Sauce Medium"/>
+                <a:sym typeface="Open Sauce Medium"/>
+              </a:rPr>
+              <a:t>ultrices</a:t>
+            </a:r>
+            <a:r>
+              <a:rPr lang="en-US" sz="3088" b="1" dirty="0">
+                <a:solidFill>
+                  <a:srgbClr val="52674B"/>
+                </a:solidFill>
+                <a:latin typeface="Open Sauce Medium"/>
+                <a:ea typeface="Open Sauce Medium"/>
+                <a:cs typeface="Open Sauce Medium"/>
+                <a:sym typeface="Open Sauce Medium"/>
+              </a:rPr>
+              <a:t> </a:t>
+            </a:r>
+            <a:r>
+              <a:rPr lang="en-US" sz="3088" b="1" dirty="0" err="1">
+                <a:solidFill>
+                  <a:srgbClr val="52674B"/>
+                </a:solidFill>
+                <a:latin typeface="Open Sauce Medium"/>
+                <a:ea typeface="Open Sauce Medium"/>
+                <a:cs typeface="Open Sauce Medium"/>
+                <a:sym typeface="Open Sauce Medium"/>
+              </a:rPr>
+              <a:t>lobortis</a:t>
+            </a:r>
+            <a:r>
+              <a:rPr lang="en-US" sz="3088" b="1" dirty="0">
+                <a:solidFill>
+                  <a:srgbClr val="52674B"/>
+                </a:solidFill>
+                <a:latin typeface="Open Sauce Medium"/>
+                <a:ea typeface="Open Sauce Medium"/>
+                <a:cs typeface="Open Sauce Medium"/>
+                <a:sym typeface="Open Sauce Medium"/>
+              </a:rPr>
+              <a:t>.</a:t>
             </a:r>
           </a:p>
         </p:txBody>
       </p:sp>
       <p:pic>
         <p:nvPicPr>
-          <p:cNvPr name="Picture 10" id="10"/>
+          <p:cNvPr id="10" name="Picture 10"/>
           <p:cNvPicPr>
-            <a:picLocks noChangeAspect="true"/>
+            <a:picLocks noChangeAspect="1"/>
           </p:cNvPicPr>
           <p:nvPr/>
         </p:nvPicPr>
@@ -7897,7 +8818,7 @@
           </a:stretch>
         </p:blipFill>
         <p:spPr>
-          <a:xfrm rot="0">
+          <a:xfrm>
             <a:off x="1533105" y="2527804"/>
             <a:ext cx="6536998" cy="6009819"/>
           </a:xfrm>
@@ -7906,6 +8827,2505 @@
           </a:prstGeom>
         </p:spPr>
       </p:pic>
+      <p:graphicFrame>
+        <p:nvGraphicFramePr>
+          <p:cNvPr id="11" name="Table 10">
+            <a:extLst>
+              <a:ext uri="{FF2B5EF4-FFF2-40B4-BE49-F238E27FC236}">
+                <a16:creationId xmlns:a16="http://schemas.microsoft.com/office/drawing/2014/main" id="{4E7E8553-394D-A6BC-CB42-0FEF3906D3D1}"/>
+              </a:ext>
+            </a:extLst>
+          </p:cNvPr>
+          <p:cNvGraphicFramePr>
+            <a:graphicFrameLocks noGrp="1"/>
+          </p:cNvGraphicFramePr>
+          <p:nvPr>
+            <p:extLst>
+              <p:ext uri="{D42A27DB-BD31-4B8C-83A1-F6EECF244321}">
+                <p14:modId xmlns:p14="http://schemas.microsoft.com/office/powerpoint/2010/main" val="3289599041"/>
+              </p:ext>
+            </p:extLst>
+          </p:nvPr>
+        </p:nvGraphicFramePr>
+        <p:xfrm>
+          <a:off x="2636520" y="2331561"/>
+          <a:ext cx="7879080" cy="2727960"/>
+        </p:xfrm>
+        <a:graphic>
+          <a:graphicData uri="http://schemas.openxmlformats.org/drawingml/2006/table">
+            <a:tbl>
+              <a:tblPr/>
+              <a:tblGrid>
+                <a:gridCol w="3893010">
+                  <a:extLst>
+                    <a:ext uri="{9D8B030D-6E8A-4147-A177-3AD203B41FA5}">
+                      <a16:colId xmlns:a16="http://schemas.microsoft.com/office/drawing/2014/main" val="4166950279"/>
+                    </a:ext>
+                  </a:extLst>
+                </a:gridCol>
+                <a:gridCol w="884070">
+                  <a:extLst>
+                    <a:ext uri="{9D8B030D-6E8A-4147-A177-3AD203B41FA5}">
+                      <a16:colId xmlns:a16="http://schemas.microsoft.com/office/drawing/2014/main" val="1723546286"/>
+                    </a:ext>
+                  </a:extLst>
+                </a:gridCol>
+                <a:gridCol w="1551000">
+                  <a:extLst>
+                    <a:ext uri="{9D8B030D-6E8A-4147-A177-3AD203B41FA5}">
+                      <a16:colId xmlns:a16="http://schemas.microsoft.com/office/drawing/2014/main" val="1964514182"/>
+                    </a:ext>
+                  </a:extLst>
+                </a:gridCol>
+                <a:gridCol w="1551000">
+                  <a:extLst>
+                    <a:ext uri="{9D8B030D-6E8A-4147-A177-3AD203B41FA5}">
+                      <a16:colId xmlns:a16="http://schemas.microsoft.com/office/drawing/2014/main" val="3118813914"/>
+                    </a:ext>
+                  </a:extLst>
+                </a:gridCol>
+              </a:tblGrid>
+              <a:tr h="200025">
+                <a:tc>
+                  <a:txBody>
+                    <a:bodyPr/>
+                    <a:lstStyle/>
+                    <a:p>
+                      <a:pPr rtl="0" fontAlgn="b">
+                        <a:buNone/>
+                      </a:pPr>
+                      <a:r>
+                        <a:rPr lang="en-ZA" sz="1100" b="0" i="0" u="none" strike="noStrike">
+                          <a:solidFill>
+                            <a:srgbClr val="000000"/>
+                          </a:solidFill>
+                          <a:effectLst/>
+                          <a:latin typeface="Arial" panose="020B0604020202020204" pitchFamily="34" charset="0"/>
+                        </a:rPr>
+                        <a:t>Budget</a:t>
+                      </a:r>
+                      <a:endParaRPr lang="en-ZA">
+                        <a:effectLst/>
+                      </a:endParaRPr>
+                    </a:p>
+                  </a:txBody>
+                  <a:tcPr marL="25400" marR="25400" marT="25400" marB="25400" anchor="b">
+                    <a:lnL w="7620" cap="flat" cmpd="sng" algn="ctr">
+                      <a:solidFill>
+                        <a:srgbClr val="000000"/>
+                      </a:solidFill>
+                      <a:prstDash val="solid"/>
+                      <a:round/>
+                      <a:headEnd type="none" w="med" len="med"/>
+                      <a:tailEnd type="none" w="med" len="med"/>
+                    </a:lnL>
+                    <a:lnR w="7620" cap="flat" cmpd="sng" algn="ctr">
+                      <a:solidFill>
+                        <a:srgbClr val="000000"/>
+                      </a:solidFill>
+                      <a:prstDash val="solid"/>
+                      <a:round/>
+                      <a:headEnd type="none" w="med" len="med"/>
+                      <a:tailEnd type="none" w="med" len="med"/>
+                    </a:lnR>
+                    <a:lnT w="7620" cap="flat" cmpd="sng" algn="ctr">
+                      <a:solidFill>
+                        <a:srgbClr val="000000"/>
+                      </a:solidFill>
+                      <a:prstDash val="solid"/>
+                      <a:round/>
+                      <a:headEnd type="none" w="med" len="med"/>
+                      <a:tailEnd type="none" w="med" len="med"/>
+                    </a:lnT>
+                    <a:lnB w="7620" cap="flat" cmpd="sng" algn="ctr">
+                      <a:solidFill>
+                        <a:srgbClr val="000000"/>
+                      </a:solidFill>
+                      <a:prstDash val="solid"/>
+                      <a:round/>
+                      <a:headEnd type="none" w="med" len="med"/>
+                      <a:tailEnd type="none" w="med" len="med"/>
+                    </a:lnB>
+                    <a:solidFill>
+                      <a:srgbClr val="CFD096"/>
+                    </a:solidFill>
+                  </a:tcPr>
+                </a:tc>
+                <a:tc>
+                  <a:txBody>
+                    <a:bodyPr/>
+                    <a:lstStyle/>
+                    <a:p>
+                      <a:pPr fontAlgn="b"/>
+                      <a:br>
+                        <a:rPr lang="en-ZA">
+                          <a:effectLst/>
+                        </a:rPr>
+                      </a:br>
+                      <a:endParaRPr lang="en-ZA">
+                        <a:effectLst/>
+                      </a:endParaRPr>
+                    </a:p>
+                  </a:txBody>
+                  <a:tcPr marL="25400" marR="25400" marT="25400" marB="25400" anchor="b">
+                    <a:lnL w="7620" cap="flat" cmpd="sng" algn="ctr">
+                      <a:solidFill>
+                        <a:srgbClr val="000000"/>
+                      </a:solidFill>
+                      <a:prstDash val="solid"/>
+                      <a:round/>
+                      <a:headEnd type="none" w="med" len="med"/>
+                      <a:tailEnd type="none" w="med" len="med"/>
+                    </a:lnL>
+                    <a:lnR w="7620" cap="flat" cmpd="sng" algn="ctr">
+                      <a:solidFill>
+                        <a:srgbClr val="000000"/>
+                      </a:solidFill>
+                      <a:prstDash val="solid"/>
+                      <a:round/>
+                      <a:headEnd type="none" w="med" len="med"/>
+                      <a:tailEnd type="none" w="med" len="med"/>
+                    </a:lnR>
+                    <a:lnT w="7620" cap="flat" cmpd="sng" algn="ctr">
+                      <a:solidFill>
+                        <a:srgbClr val="000000"/>
+                      </a:solidFill>
+                      <a:prstDash val="solid"/>
+                      <a:round/>
+                      <a:headEnd type="none" w="med" len="med"/>
+                      <a:tailEnd type="none" w="med" len="med"/>
+                    </a:lnT>
+                    <a:lnB w="7620" cap="flat" cmpd="sng" algn="ctr">
+                      <a:solidFill>
+                        <a:srgbClr val="000000"/>
+                      </a:solidFill>
+                      <a:prstDash val="solid"/>
+                      <a:round/>
+                      <a:headEnd type="none" w="med" len="med"/>
+                      <a:tailEnd type="none" w="med" len="med"/>
+                    </a:lnB>
+                    <a:solidFill>
+                      <a:srgbClr val="CFD096"/>
+                    </a:solidFill>
+                  </a:tcPr>
+                </a:tc>
+                <a:tc>
+                  <a:txBody>
+                    <a:bodyPr/>
+                    <a:lstStyle/>
+                    <a:p>
+                      <a:pPr fontAlgn="b"/>
+                      <a:br>
+                        <a:rPr lang="en-ZA">
+                          <a:effectLst/>
+                        </a:rPr>
+                      </a:br>
+                      <a:endParaRPr lang="en-ZA">
+                        <a:effectLst/>
+                      </a:endParaRPr>
+                    </a:p>
+                  </a:txBody>
+                  <a:tcPr marL="25400" marR="25400" marT="25400" marB="25400" anchor="b">
+                    <a:lnL w="7620" cap="flat" cmpd="sng" algn="ctr">
+                      <a:solidFill>
+                        <a:srgbClr val="000000"/>
+                      </a:solidFill>
+                      <a:prstDash val="solid"/>
+                      <a:round/>
+                      <a:headEnd type="none" w="med" len="med"/>
+                      <a:tailEnd type="none" w="med" len="med"/>
+                    </a:lnL>
+                    <a:lnR w="7620" cap="flat" cmpd="sng" algn="ctr">
+                      <a:solidFill>
+                        <a:srgbClr val="000000"/>
+                      </a:solidFill>
+                      <a:prstDash val="solid"/>
+                      <a:round/>
+                      <a:headEnd type="none" w="med" len="med"/>
+                      <a:tailEnd type="none" w="med" len="med"/>
+                    </a:lnR>
+                    <a:lnT w="7620" cap="flat" cmpd="sng" algn="ctr">
+                      <a:solidFill>
+                        <a:srgbClr val="000000"/>
+                      </a:solidFill>
+                      <a:prstDash val="solid"/>
+                      <a:round/>
+                      <a:headEnd type="none" w="med" len="med"/>
+                      <a:tailEnd type="none" w="med" len="med"/>
+                    </a:lnT>
+                    <a:lnB w="7620" cap="flat" cmpd="sng" algn="ctr">
+                      <a:solidFill>
+                        <a:srgbClr val="000000"/>
+                      </a:solidFill>
+                      <a:prstDash val="solid"/>
+                      <a:round/>
+                      <a:headEnd type="none" w="med" len="med"/>
+                      <a:tailEnd type="none" w="med" len="med"/>
+                    </a:lnB>
+                    <a:solidFill>
+                      <a:srgbClr val="CFD096"/>
+                    </a:solidFill>
+                  </a:tcPr>
+                </a:tc>
+                <a:tc>
+                  <a:txBody>
+                    <a:bodyPr/>
+                    <a:lstStyle/>
+                    <a:p>
+                      <a:pPr fontAlgn="b"/>
+                      <a:br>
+                        <a:rPr lang="en-ZA">
+                          <a:effectLst/>
+                        </a:rPr>
+                      </a:br>
+                      <a:endParaRPr lang="en-ZA">
+                        <a:effectLst/>
+                      </a:endParaRPr>
+                    </a:p>
+                  </a:txBody>
+                  <a:tcPr marL="25400" marR="25400" marT="25400" marB="25400" anchor="b">
+                    <a:lnL w="7620" cap="flat" cmpd="sng" algn="ctr">
+                      <a:solidFill>
+                        <a:srgbClr val="000000"/>
+                      </a:solidFill>
+                      <a:prstDash val="solid"/>
+                      <a:round/>
+                      <a:headEnd type="none" w="med" len="med"/>
+                      <a:tailEnd type="none" w="med" len="med"/>
+                    </a:lnL>
+                    <a:lnR w="7620" cap="flat" cmpd="sng" algn="ctr">
+                      <a:solidFill>
+                        <a:srgbClr val="000000"/>
+                      </a:solidFill>
+                      <a:prstDash val="solid"/>
+                      <a:round/>
+                      <a:headEnd type="none" w="med" len="med"/>
+                      <a:tailEnd type="none" w="med" len="med"/>
+                    </a:lnR>
+                    <a:lnT w="7620" cap="flat" cmpd="sng" algn="ctr">
+                      <a:solidFill>
+                        <a:srgbClr val="000000"/>
+                      </a:solidFill>
+                      <a:prstDash val="solid"/>
+                      <a:round/>
+                      <a:headEnd type="none" w="med" len="med"/>
+                      <a:tailEnd type="none" w="med" len="med"/>
+                    </a:lnT>
+                    <a:lnB w="7620" cap="flat" cmpd="sng" algn="ctr">
+                      <a:solidFill>
+                        <a:srgbClr val="000000"/>
+                      </a:solidFill>
+                      <a:prstDash val="solid"/>
+                      <a:round/>
+                      <a:headEnd type="none" w="med" len="med"/>
+                      <a:tailEnd type="none" w="med" len="med"/>
+                    </a:lnB>
+                    <a:solidFill>
+                      <a:srgbClr val="CFD096"/>
+                    </a:solidFill>
+                  </a:tcPr>
+                </a:tc>
+                <a:extLst>
+                  <a:ext uri="{0D108BD9-81ED-4DB2-BD59-A6C34878D82A}">
+                    <a16:rowId xmlns:a16="http://schemas.microsoft.com/office/drawing/2014/main" val="1828263142"/>
+                  </a:ext>
+                </a:extLst>
+              </a:tr>
+              <a:tr h="200025">
+                <a:tc>
+                  <a:txBody>
+                    <a:bodyPr/>
+                    <a:lstStyle/>
+                    <a:p>
+                      <a:pPr rtl="0" fontAlgn="b">
+                        <a:buNone/>
+                      </a:pPr>
+                      <a:r>
+                        <a:rPr lang="en-ZA" sz="1100" b="0" i="0" u="none" strike="noStrike">
+                          <a:solidFill>
+                            <a:srgbClr val="000000"/>
+                          </a:solidFill>
+                          <a:effectLst/>
+                          <a:latin typeface="Arial" panose="020B0604020202020204" pitchFamily="34" charset="0"/>
+                        </a:rPr>
+                        <a:t>Device</a:t>
+                      </a:r>
+                      <a:endParaRPr lang="en-ZA">
+                        <a:effectLst/>
+                      </a:endParaRPr>
+                    </a:p>
+                  </a:txBody>
+                  <a:tcPr marL="25400" marR="25400" marT="25400" marB="25400" anchor="b">
+                    <a:lnL w="7620" cap="flat" cmpd="sng" algn="ctr">
+                      <a:solidFill>
+                        <a:srgbClr val="000000"/>
+                      </a:solidFill>
+                      <a:prstDash val="solid"/>
+                      <a:round/>
+                      <a:headEnd type="none" w="med" len="med"/>
+                      <a:tailEnd type="none" w="med" len="med"/>
+                    </a:lnL>
+                    <a:lnR w="7620" cap="flat" cmpd="sng" algn="ctr">
+                      <a:solidFill>
+                        <a:srgbClr val="000000"/>
+                      </a:solidFill>
+                      <a:prstDash val="solid"/>
+                      <a:round/>
+                      <a:headEnd type="none" w="med" len="med"/>
+                      <a:tailEnd type="none" w="med" len="med"/>
+                    </a:lnR>
+                    <a:lnT w="7620" cap="flat" cmpd="sng" algn="ctr">
+                      <a:solidFill>
+                        <a:srgbClr val="000000"/>
+                      </a:solidFill>
+                      <a:prstDash val="solid"/>
+                      <a:round/>
+                      <a:headEnd type="none" w="med" len="med"/>
+                      <a:tailEnd type="none" w="med" len="med"/>
+                    </a:lnT>
+                    <a:lnB w="7620" cap="flat" cmpd="sng" algn="ctr">
+                      <a:solidFill>
+                        <a:srgbClr val="000000"/>
+                      </a:solidFill>
+                      <a:prstDash val="solid"/>
+                      <a:round/>
+                      <a:headEnd type="none" w="med" len="med"/>
+                      <a:tailEnd type="none" w="med" len="med"/>
+                    </a:lnB>
+                    <a:solidFill>
+                      <a:srgbClr val="CFD096"/>
+                    </a:solidFill>
+                  </a:tcPr>
+                </a:tc>
+                <a:tc>
+                  <a:txBody>
+                    <a:bodyPr/>
+                    <a:lstStyle/>
+                    <a:p>
+                      <a:pPr rtl="0" fontAlgn="b">
+                        <a:buNone/>
+                      </a:pPr>
+                      <a:r>
+                        <a:rPr lang="en-ZA" sz="1100" b="0" i="0" u="none" strike="noStrike">
+                          <a:solidFill>
+                            <a:srgbClr val="000000"/>
+                          </a:solidFill>
+                          <a:effectLst/>
+                          <a:latin typeface="Arial" panose="020B0604020202020204" pitchFamily="34" charset="0"/>
+                        </a:rPr>
+                        <a:t>Quantity</a:t>
+                      </a:r>
+                      <a:endParaRPr lang="en-ZA">
+                        <a:effectLst/>
+                      </a:endParaRPr>
+                    </a:p>
+                  </a:txBody>
+                  <a:tcPr marL="25400" marR="25400" marT="25400" marB="25400" anchor="b">
+                    <a:lnL w="7620" cap="flat" cmpd="sng" algn="ctr">
+                      <a:solidFill>
+                        <a:srgbClr val="000000"/>
+                      </a:solidFill>
+                      <a:prstDash val="solid"/>
+                      <a:round/>
+                      <a:headEnd type="none" w="med" len="med"/>
+                      <a:tailEnd type="none" w="med" len="med"/>
+                    </a:lnL>
+                    <a:lnR w="7620" cap="flat" cmpd="sng" algn="ctr">
+                      <a:solidFill>
+                        <a:srgbClr val="000000"/>
+                      </a:solidFill>
+                      <a:prstDash val="solid"/>
+                      <a:round/>
+                      <a:headEnd type="none" w="med" len="med"/>
+                      <a:tailEnd type="none" w="med" len="med"/>
+                    </a:lnR>
+                    <a:lnT w="7620" cap="flat" cmpd="sng" algn="ctr">
+                      <a:solidFill>
+                        <a:srgbClr val="000000"/>
+                      </a:solidFill>
+                      <a:prstDash val="solid"/>
+                      <a:round/>
+                      <a:headEnd type="none" w="med" len="med"/>
+                      <a:tailEnd type="none" w="med" len="med"/>
+                    </a:lnT>
+                    <a:lnB w="7620" cap="flat" cmpd="sng" algn="ctr">
+                      <a:solidFill>
+                        <a:srgbClr val="000000"/>
+                      </a:solidFill>
+                      <a:prstDash val="solid"/>
+                      <a:round/>
+                      <a:headEnd type="none" w="med" len="med"/>
+                      <a:tailEnd type="none" w="med" len="med"/>
+                    </a:lnB>
+                    <a:solidFill>
+                      <a:srgbClr val="CFD096"/>
+                    </a:solidFill>
+                  </a:tcPr>
+                </a:tc>
+                <a:tc>
+                  <a:txBody>
+                    <a:bodyPr/>
+                    <a:lstStyle/>
+                    <a:p>
+                      <a:pPr rtl="0" fontAlgn="b">
+                        <a:buNone/>
+                      </a:pPr>
+                      <a:r>
+                        <a:rPr lang="en-ZA" sz="1100" b="0" i="0" u="none" strike="noStrike">
+                          <a:solidFill>
+                            <a:srgbClr val="000000"/>
+                          </a:solidFill>
+                          <a:effectLst/>
+                          <a:latin typeface="Arial" panose="020B0604020202020204" pitchFamily="34" charset="0"/>
+                        </a:rPr>
+                        <a:t>Price (R)</a:t>
+                      </a:r>
+                      <a:endParaRPr lang="en-ZA">
+                        <a:effectLst/>
+                      </a:endParaRPr>
+                    </a:p>
+                  </a:txBody>
+                  <a:tcPr marL="25400" marR="25400" marT="25400" marB="25400" anchor="b">
+                    <a:lnL w="7620" cap="flat" cmpd="sng" algn="ctr">
+                      <a:solidFill>
+                        <a:srgbClr val="000000"/>
+                      </a:solidFill>
+                      <a:prstDash val="solid"/>
+                      <a:round/>
+                      <a:headEnd type="none" w="med" len="med"/>
+                      <a:tailEnd type="none" w="med" len="med"/>
+                    </a:lnL>
+                    <a:lnR w="7620" cap="flat" cmpd="sng" algn="ctr">
+                      <a:solidFill>
+                        <a:srgbClr val="000000"/>
+                      </a:solidFill>
+                      <a:prstDash val="solid"/>
+                      <a:round/>
+                      <a:headEnd type="none" w="med" len="med"/>
+                      <a:tailEnd type="none" w="med" len="med"/>
+                    </a:lnR>
+                    <a:lnT w="7620" cap="flat" cmpd="sng" algn="ctr">
+                      <a:solidFill>
+                        <a:srgbClr val="000000"/>
+                      </a:solidFill>
+                      <a:prstDash val="solid"/>
+                      <a:round/>
+                      <a:headEnd type="none" w="med" len="med"/>
+                      <a:tailEnd type="none" w="med" len="med"/>
+                    </a:lnT>
+                    <a:lnB w="7620" cap="flat" cmpd="sng" algn="ctr">
+                      <a:solidFill>
+                        <a:srgbClr val="000000"/>
+                      </a:solidFill>
+                      <a:prstDash val="solid"/>
+                      <a:round/>
+                      <a:headEnd type="none" w="med" len="med"/>
+                      <a:tailEnd type="none" w="med" len="med"/>
+                    </a:lnB>
+                    <a:solidFill>
+                      <a:srgbClr val="CFD096"/>
+                    </a:solidFill>
+                  </a:tcPr>
+                </a:tc>
+                <a:tc>
+                  <a:txBody>
+                    <a:bodyPr/>
+                    <a:lstStyle/>
+                    <a:p>
+                      <a:pPr rtl="0" fontAlgn="b">
+                        <a:buNone/>
+                      </a:pPr>
+                      <a:r>
+                        <a:rPr lang="en-ZA" sz="1100" b="0" i="0" u="none" strike="noStrike">
+                          <a:solidFill>
+                            <a:srgbClr val="000000"/>
+                          </a:solidFill>
+                          <a:effectLst/>
+                          <a:latin typeface="Arial" panose="020B0604020202020204" pitchFamily="34" charset="0"/>
+                        </a:rPr>
+                        <a:t>Total (R)</a:t>
+                      </a:r>
+                      <a:endParaRPr lang="en-ZA">
+                        <a:effectLst/>
+                      </a:endParaRPr>
+                    </a:p>
+                  </a:txBody>
+                  <a:tcPr marL="25400" marR="25400" marT="25400" marB="25400" anchor="b">
+                    <a:lnL w="7620" cap="flat" cmpd="sng" algn="ctr">
+                      <a:solidFill>
+                        <a:srgbClr val="000000"/>
+                      </a:solidFill>
+                      <a:prstDash val="solid"/>
+                      <a:round/>
+                      <a:headEnd type="none" w="med" len="med"/>
+                      <a:tailEnd type="none" w="med" len="med"/>
+                    </a:lnL>
+                    <a:lnR w="7620" cap="flat" cmpd="sng" algn="ctr">
+                      <a:solidFill>
+                        <a:srgbClr val="000000"/>
+                      </a:solidFill>
+                      <a:prstDash val="solid"/>
+                      <a:round/>
+                      <a:headEnd type="none" w="med" len="med"/>
+                      <a:tailEnd type="none" w="med" len="med"/>
+                    </a:lnR>
+                    <a:lnT w="7620" cap="flat" cmpd="sng" algn="ctr">
+                      <a:solidFill>
+                        <a:srgbClr val="000000"/>
+                      </a:solidFill>
+                      <a:prstDash val="solid"/>
+                      <a:round/>
+                      <a:headEnd type="none" w="med" len="med"/>
+                      <a:tailEnd type="none" w="med" len="med"/>
+                    </a:lnT>
+                    <a:lnB w="7620" cap="flat" cmpd="sng" algn="ctr">
+                      <a:solidFill>
+                        <a:srgbClr val="000000"/>
+                      </a:solidFill>
+                      <a:prstDash val="solid"/>
+                      <a:round/>
+                      <a:headEnd type="none" w="med" len="med"/>
+                      <a:tailEnd type="none" w="med" len="med"/>
+                    </a:lnB>
+                    <a:solidFill>
+                      <a:srgbClr val="CFD096"/>
+                    </a:solidFill>
+                  </a:tcPr>
+                </a:tc>
+                <a:extLst>
+                  <a:ext uri="{0D108BD9-81ED-4DB2-BD59-A6C34878D82A}">
+                    <a16:rowId xmlns:a16="http://schemas.microsoft.com/office/drawing/2014/main" val="786389416"/>
+                  </a:ext>
+                </a:extLst>
+              </a:tr>
+              <a:tr h="200025">
+                <a:tc>
+                  <a:txBody>
+                    <a:bodyPr/>
+                    <a:lstStyle/>
+                    <a:p>
+                      <a:pPr rtl="0" fontAlgn="b">
+                        <a:buNone/>
+                      </a:pPr>
+                      <a:r>
+                        <a:rPr lang="en-ZA" sz="1100" b="0" i="0" u="none" strike="noStrike">
+                          <a:solidFill>
+                            <a:srgbClr val="000000"/>
+                          </a:solidFill>
+                          <a:effectLst/>
+                          <a:latin typeface="Arial" panose="020B0604020202020204" pitchFamily="34" charset="0"/>
+                        </a:rPr>
+                        <a:t>Switches (3650-24PS)</a:t>
+                      </a:r>
+                      <a:endParaRPr lang="en-ZA">
+                        <a:effectLst/>
+                      </a:endParaRPr>
+                    </a:p>
+                  </a:txBody>
+                  <a:tcPr marL="25400" marR="25400" marT="25400" marB="25400" anchor="b">
+                    <a:lnL w="7620" cap="flat" cmpd="sng" algn="ctr">
+                      <a:solidFill>
+                        <a:srgbClr val="000000"/>
+                      </a:solidFill>
+                      <a:prstDash val="solid"/>
+                      <a:round/>
+                      <a:headEnd type="none" w="med" len="med"/>
+                      <a:tailEnd type="none" w="med" len="med"/>
+                    </a:lnL>
+                    <a:lnR w="7620" cap="flat" cmpd="sng" algn="ctr">
+                      <a:solidFill>
+                        <a:srgbClr val="000000"/>
+                      </a:solidFill>
+                      <a:prstDash val="solid"/>
+                      <a:round/>
+                      <a:headEnd type="none" w="med" len="med"/>
+                      <a:tailEnd type="none" w="med" len="med"/>
+                    </a:lnR>
+                    <a:lnT w="7620" cap="flat" cmpd="sng" algn="ctr">
+                      <a:solidFill>
+                        <a:srgbClr val="000000"/>
+                      </a:solidFill>
+                      <a:prstDash val="solid"/>
+                      <a:round/>
+                      <a:headEnd type="none" w="med" len="med"/>
+                      <a:tailEnd type="none" w="med" len="med"/>
+                    </a:lnT>
+                    <a:lnB w="7620" cap="flat" cmpd="sng" algn="ctr">
+                      <a:solidFill>
+                        <a:srgbClr val="000000"/>
+                      </a:solidFill>
+                      <a:prstDash val="solid"/>
+                      <a:round/>
+                      <a:headEnd type="none" w="med" len="med"/>
+                      <a:tailEnd type="none" w="med" len="med"/>
+                    </a:lnB>
+                    <a:solidFill>
+                      <a:srgbClr val="CFD096"/>
+                    </a:solidFill>
+                  </a:tcPr>
+                </a:tc>
+                <a:tc>
+                  <a:txBody>
+                    <a:bodyPr/>
+                    <a:lstStyle/>
+                    <a:p>
+                      <a:pPr rtl="0" fontAlgn="b">
+                        <a:buNone/>
+                      </a:pPr>
+                      <a:r>
+                        <a:rPr lang="en-ZA" sz="1100" b="0" i="0" u="none" strike="noStrike">
+                          <a:solidFill>
+                            <a:srgbClr val="000000"/>
+                          </a:solidFill>
+                          <a:effectLst/>
+                          <a:latin typeface="Arial" panose="020B0604020202020204" pitchFamily="34" charset="0"/>
+                        </a:rPr>
+                        <a:t>12</a:t>
+                      </a:r>
+                      <a:endParaRPr lang="en-ZA">
+                        <a:effectLst/>
+                      </a:endParaRPr>
+                    </a:p>
+                  </a:txBody>
+                  <a:tcPr marL="25400" marR="25400" marT="25400" marB="25400" anchor="b">
+                    <a:lnL w="7620" cap="flat" cmpd="sng" algn="ctr">
+                      <a:solidFill>
+                        <a:srgbClr val="000000"/>
+                      </a:solidFill>
+                      <a:prstDash val="solid"/>
+                      <a:round/>
+                      <a:headEnd type="none" w="med" len="med"/>
+                      <a:tailEnd type="none" w="med" len="med"/>
+                    </a:lnL>
+                    <a:lnR w="7620" cap="flat" cmpd="sng" algn="ctr">
+                      <a:solidFill>
+                        <a:srgbClr val="000000"/>
+                      </a:solidFill>
+                      <a:prstDash val="solid"/>
+                      <a:round/>
+                      <a:headEnd type="none" w="med" len="med"/>
+                      <a:tailEnd type="none" w="med" len="med"/>
+                    </a:lnR>
+                    <a:lnT w="7620" cap="flat" cmpd="sng" algn="ctr">
+                      <a:solidFill>
+                        <a:srgbClr val="000000"/>
+                      </a:solidFill>
+                      <a:prstDash val="solid"/>
+                      <a:round/>
+                      <a:headEnd type="none" w="med" len="med"/>
+                      <a:tailEnd type="none" w="med" len="med"/>
+                    </a:lnT>
+                    <a:lnB w="7620" cap="flat" cmpd="sng" algn="ctr">
+                      <a:solidFill>
+                        <a:srgbClr val="000000"/>
+                      </a:solidFill>
+                      <a:prstDash val="solid"/>
+                      <a:round/>
+                      <a:headEnd type="none" w="med" len="med"/>
+                      <a:tailEnd type="none" w="med" len="med"/>
+                    </a:lnB>
+                    <a:solidFill>
+                      <a:srgbClr val="CFD096"/>
+                    </a:solidFill>
+                  </a:tcPr>
+                </a:tc>
+                <a:tc>
+                  <a:txBody>
+                    <a:bodyPr/>
+                    <a:lstStyle/>
+                    <a:p>
+                      <a:pPr rtl="0" fontAlgn="b">
+                        <a:buNone/>
+                      </a:pPr>
+                      <a:r>
+                        <a:rPr lang="en-ZA" sz="1100" b="0" i="0" u="none" strike="noStrike">
+                          <a:solidFill>
+                            <a:srgbClr val="000000"/>
+                          </a:solidFill>
+                          <a:effectLst/>
+                          <a:latin typeface="Arial" panose="020B0604020202020204" pitchFamily="34" charset="0"/>
+                        </a:rPr>
+                        <a:t>2,000.00</a:t>
+                      </a:r>
+                      <a:endParaRPr lang="en-ZA">
+                        <a:effectLst/>
+                      </a:endParaRPr>
+                    </a:p>
+                  </a:txBody>
+                  <a:tcPr marL="25400" marR="25400" marT="25400" marB="25400" anchor="b">
+                    <a:lnL w="7620" cap="flat" cmpd="sng" algn="ctr">
+                      <a:solidFill>
+                        <a:srgbClr val="000000"/>
+                      </a:solidFill>
+                      <a:prstDash val="solid"/>
+                      <a:round/>
+                      <a:headEnd type="none" w="med" len="med"/>
+                      <a:tailEnd type="none" w="med" len="med"/>
+                    </a:lnL>
+                    <a:lnR w="7620" cap="flat" cmpd="sng" algn="ctr">
+                      <a:solidFill>
+                        <a:srgbClr val="000000"/>
+                      </a:solidFill>
+                      <a:prstDash val="solid"/>
+                      <a:round/>
+                      <a:headEnd type="none" w="med" len="med"/>
+                      <a:tailEnd type="none" w="med" len="med"/>
+                    </a:lnR>
+                    <a:lnT w="7620" cap="flat" cmpd="sng" algn="ctr">
+                      <a:solidFill>
+                        <a:srgbClr val="000000"/>
+                      </a:solidFill>
+                      <a:prstDash val="solid"/>
+                      <a:round/>
+                      <a:headEnd type="none" w="med" len="med"/>
+                      <a:tailEnd type="none" w="med" len="med"/>
+                    </a:lnT>
+                    <a:lnB w="7620" cap="flat" cmpd="sng" algn="ctr">
+                      <a:solidFill>
+                        <a:srgbClr val="000000"/>
+                      </a:solidFill>
+                      <a:prstDash val="solid"/>
+                      <a:round/>
+                      <a:headEnd type="none" w="med" len="med"/>
+                      <a:tailEnd type="none" w="med" len="med"/>
+                    </a:lnB>
+                    <a:solidFill>
+                      <a:srgbClr val="CFD096"/>
+                    </a:solidFill>
+                  </a:tcPr>
+                </a:tc>
+                <a:tc>
+                  <a:txBody>
+                    <a:bodyPr/>
+                    <a:lstStyle/>
+                    <a:p>
+                      <a:pPr rtl="0" fontAlgn="b">
+                        <a:buNone/>
+                      </a:pPr>
+                      <a:r>
+                        <a:rPr lang="en-ZA" sz="1100" b="0" i="0" u="none" strike="noStrike">
+                          <a:solidFill>
+                            <a:srgbClr val="000000"/>
+                          </a:solidFill>
+                          <a:effectLst/>
+                          <a:latin typeface="Arial" panose="020B0604020202020204" pitchFamily="34" charset="0"/>
+                        </a:rPr>
+                        <a:t>24,000.00</a:t>
+                      </a:r>
+                      <a:endParaRPr lang="en-ZA">
+                        <a:effectLst/>
+                      </a:endParaRPr>
+                    </a:p>
+                  </a:txBody>
+                  <a:tcPr marL="25400" marR="25400" marT="25400" marB="25400" anchor="b">
+                    <a:lnL w="7620" cap="flat" cmpd="sng" algn="ctr">
+                      <a:solidFill>
+                        <a:srgbClr val="000000"/>
+                      </a:solidFill>
+                      <a:prstDash val="solid"/>
+                      <a:round/>
+                      <a:headEnd type="none" w="med" len="med"/>
+                      <a:tailEnd type="none" w="med" len="med"/>
+                    </a:lnL>
+                    <a:lnR w="7620" cap="flat" cmpd="sng" algn="ctr">
+                      <a:solidFill>
+                        <a:srgbClr val="000000"/>
+                      </a:solidFill>
+                      <a:prstDash val="solid"/>
+                      <a:round/>
+                      <a:headEnd type="none" w="med" len="med"/>
+                      <a:tailEnd type="none" w="med" len="med"/>
+                    </a:lnR>
+                    <a:lnT w="7620" cap="flat" cmpd="sng" algn="ctr">
+                      <a:solidFill>
+                        <a:srgbClr val="000000"/>
+                      </a:solidFill>
+                      <a:prstDash val="solid"/>
+                      <a:round/>
+                      <a:headEnd type="none" w="med" len="med"/>
+                      <a:tailEnd type="none" w="med" len="med"/>
+                    </a:lnT>
+                    <a:lnB w="7620" cap="flat" cmpd="sng" algn="ctr">
+                      <a:solidFill>
+                        <a:srgbClr val="000000"/>
+                      </a:solidFill>
+                      <a:prstDash val="solid"/>
+                      <a:round/>
+                      <a:headEnd type="none" w="med" len="med"/>
+                      <a:tailEnd type="none" w="med" len="med"/>
+                    </a:lnB>
+                    <a:solidFill>
+                      <a:srgbClr val="CFD096"/>
+                    </a:solidFill>
+                  </a:tcPr>
+                </a:tc>
+                <a:extLst>
+                  <a:ext uri="{0D108BD9-81ED-4DB2-BD59-A6C34878D82A}">
+                    <a16:rowId xmlns:a16="http://schemas.microsoft.com/office/drawing/2014/main" val="1741584863"/>
+                  </a:ext>
+                </a:extLst>
+              </a:tr>
+              <a:tr h="200025">
+                <a:tc>
+                  <a:txBody>
+                    <a:bodyPr/>
+                    <a:lstStyle/>
+                    <a:p>
+                      <a:pPr rtl="0" fontAlgn="b">
+                        <a:buNone/>
+                      </a:pPr>
+                      <a:r>
+                        <a:rPr lang="en-ZA" sz="1100" b="0" i="0" u="none" strike="noStrike">
+                          <a:solidFill>
+                            <a:srgbClr val="000000"/>
+                          </a:solidFill>
+                          <a:effectLst/>
+                          <a:latin typeface="Arial" panose="020B0604020202020204" pitchFamily="34" charset="0"/>
+                        </a:rPr>
+                        <a:t>Router (2911)</a:t>
+                      </a:r>
+                      <a:endParaRPr lang="en-ZA">
+                        <a:effectLst/>
+                      </a:endParaRPr>
+                    </a:p>
+                  </a:txBody>
+                  <a:tcPr marL="25400" marR="25400" marT="25400" marB="25400" anchor="b">
+                    <a:lnL w="7620" cap="flat" cmpd="sng" algn="ctr">
+                      <a:solidFill>
+                        <a:srgbClr val="000000"/>
+                      </a:solidFill>
+                      <a:prstDash val="solid"/>
+                      <a:round/>
+                      <a:headEnd type="none" w="med" len="med"/>
+                      <a:tailEnd type="none" w="med" len="med"/>
+                    </a:lnL>
+                    <a:lnR w="7620" cap="flat" cmpd="sng" algn="ctr">
+                      <a:solidFill>
+                        <a:srgbClr val="000000"/>
+                      </a:solidFill>
+                      <a:prstDash val="solid"/>
+                      <a:round/>
+                      <a:headEnd type="none" w="med" len="med"/>
+                      <a:tailEnd type="none" w="med" len="med"/>
+                    </a:lnR>
+                    <a:lnT w="7620" cap="flat" cmpd="sng" algn="ctr">
+                      <a:solidFill>
+                        <a:srgbClr val="000000"/>
+                      </a:solidFill>
+                      <a:prstDash val="solid"/>
+                      <a:round/>
+                      <a:headEnd type="none" w="med" len="med"/>
+                      <a:tailEnd type="none" w="med" len="med"/>
+                    </a:lnT>
+                    <a:lnB w="7620" cap="flat" cmpd="sng" algn="ctr">
+                      <a:solidFill>
+                        <a:srgbClr val="000000"/>
+                      </a:solidFill>
+                      <a:prstDash val="solid"/>
+                      <a:round/>
+                      <a:headEnd type="none" w="med" len="med"/>
+                      <a:tailEnd type="none" w="med" len="med"/>
+                    </a:lnB>
+                    <a:solidFill>
+                      <a:srgbClr val="CFD096"/>
+                    </a:solidFill>
+                  </a:tcPr>
+                </a:tc>
+                <a:tc>
+                  <a:txBody>
+                    <a:bodyPr/>
+                    <a:lstStyle/>
+                    <a:p>
+                      <a:pPr rtl="0" fontAlgn="b">
+                        <a:buNone/>
+                      </a:pPr>
+                      <a:r>
+                        <a:rPr lang="en-ZA" sz="1100" b="0" i="0" u="none" strike="noStrike">
+                          <a:solidFill>
+                            <a:srgbClr val="000000"/>
+                          </a:solidFill>
+                          <a:effectLst/>
+                          <a:latin typeface="Arial" panose="020B0604020202020204" pitchFamily="34" charset="0"/>
+                        </a:rPr>
+                        <a:t>1</a:t>
+                      </a:r>
+                      <a:endParaRPr lang="en-ZA">
+                        <a:effectLst/>
+                      </a:endParaRPr>
+                    </a:p>
+                  </a:txBody>
+                  <a:tcPr marL="25400" marR="25400" marT="25400" marB="25400" anchor="b">
+                    <a:lnL w="7620" cap="flat" cmpd="sng" algn="ctr">
+                      <a:solidFill>
+                        <a:srgbClr val="000000"/>
+                      </a:solidFill>
+                      <a:prstDash val="solid"/>
+                      <a:round/>
+                      <a:headEnd type="none" w="med" len="med"/>
+                      <a:tailEnd type="none" w="med" len="med"/>
+                    </a:lnL>
+                    <a:lnR w="7620" cap="flat" cmpd="sng" algn="ctr">
+                      <a:solidFill>
+                        <a:srgbClr val="000000"/>
+                      </a:solidFill>
+                      <a:prstDash val="solid"/>
+                      <a:round/>
+                      <a:headEnd type="none" w="med" len="med"/>
+                      <a:tailEnd type="none" w="med" len="med"/>
+                    </a:lnR>
+                    <a:lnT w="7620" cap="flat" cmpd="sng" algn="ctr">
+                      <a:solidFill>
+                        <a:srgbClr val="000000"/>
+                      </a:solidFill>
+                      <a:prstDash val="solid"/>
+                      <a:round/>
+                      <a:headEnd type="none" w="med" len="med"/>
+                      <a:tailEnd type="none" w="med" len="med"/>
+                    </a:lnT>
+                    <a:lnB w="7620" cap="flat" cmpd="sng" algn="ctr">
+                      <a:solidFill>
+                        <a:srgbClr val="000000"/>
+                      </a:solidFill>
+                      <a:prstDash val="solid"/>
+                      <a:round/>
+                      <a:headEnd type="none" w="med" len="med"/>
+                      <a:tailEnd type="none" w="med" len="med"/>
+                    </a:lnB>
+                    <a:solidFill>
+                      <a:srgbClr val="CFD096"/>
+                    </a:solidFill>
+                  </a:tcPr>
+                </a:tc>
+                <a:tc>
+                  <a:txBody>
+                    <a:bodyPr/>
+                    <a:lstStyle/>
+                    <a:p>
+                      <a:pPr rtl="0" fontAlgn="b">
+                        <a:buNone/>
+                      </a:pPr>
+                      <a:r>
+                        <a:rPr lang="en-ZA" sz="1100" b="0" i="0" u="none" strike="noStrike">
+                          <a:solidFill>
+                            <a:srgbClr val="000000"/>
+                          </a:solidFill>
+                          <a:effectLst/>
+                          <a:latin typeface="Arial" panose="020B0604020202020204" pitchFamily="34" charset="0"/>
+                        </a:rPr>
+                        <a:t>1,500.00</a:t>
+                      </a:r>
+                      <a:endParaRPr lang="en-ZA">
+                        <a:effectLst/>
+                      </a:endParaRPr>
+                    </a:p>
+                  </a:txBody>
+                  <a:tcPr marL="25400" marR="25400" marT="25400" marB="25400" anchor="b">
+                    <a:lnL w="7620" cap="flat" cmpd="sng" algn="ctr">
+                      <a:solidFill>
+                        <a:srgbClr val="000000"/>
+                      </a:solidFill>
+                      <a:prstDash val="solid"/>
+                      <a:round/>
+                      <a:headEnd type="none" w="med" len="med"/>
+                      <a:tailEnd type="none" w="med" len="med"/>
+                    </a:lnL>
+                    <a:lnR w="7620" cap="flat" cmpd="sng" algn="ctr">
+                      <a:solidFill>
+                        <a:srgbClr val="000000"/>
+                      </a:solidFill>
+                      <a:prstDash val="solid"/>
+                      <a:round/>
+                      <a:headEnd type="none" w="med" len="med"/>
+                      <a:tailEnd type="none" w="med" len="med"/>
+                    </a:lnR>
+                    <a:lnT w="7620" cap="flat" cmpd="sng" algn="ctr">
+                      <a:solidFill>
+                        <a:srgbClr val="000000"/>
+                      </a:solidFill>
+                      <a:prstDash val="solid"/>
+                      <a:round/>
+                      <a:headEnd type="none" w="med" len="med"/>
+                      <a:tailEnd type="none" w="med" len="med"/>
+                    </a:lnT>
+                    <a:lnB w="7620" cap="flat" cmpd="sng" algn="ctr">
+                      <a:solidFill>
+                        <a:srgbClr val="000000"/>
+                      </a:solidFill>
+                      <a:prstDash val="solid"/>
+                      <a:round/>
+                      <a:headEnd type="none" w="med" len="med"/>
+                      <a:tailEnd type="none" w="med" len="med"/>
+                    </a:lnB>
+                    <a:solidFill>
+                      <a:srgbClr val="CFD096"/>
+                    </a:solidFill>
+                  </a:tcPr>
+                </a:tc>
+                <a:tc>
+                  <a:txBody>
+                    <a:bodyPr/>
+                    <a:lstStyle/>
+                    <a:p>
+                      <a:pPr rtl="0" fontAlgn="b">
+                        <a:buNone/>
+                      </a:pPr>
+                      <a:r>
+                        <a:rPr lang="en-ZA" sz="1100" b="0" i="0" u="none" strike="noStrike">
+                          <a:solidFill>
+                            <a:srgbClr val="000000"/>
+                          </a:solidFill>
+                          <a:effectLst/>
+                          <a:latin typeface="Arial" panose="020B0604020202020204" pitchFamily="34" charset="0"/>
+                        </a:rPr>
+                        <a:t>1,500.00</a:t>
+                      </a:r>
+                      <a:endParaRPr lang="en-ZA">
+                        <a:effectLst/>
+                      </a:endParaRPr>
+                    </a:p>
+                  </a:txBody>
+                  <a:tcPr marL="25400" marR="25400" marT="25400" marB="25400" anchor="b">
+                    <a:lnL w="7620" cap="flat" cmpd="sng" algn="ctr">
+                      <a:solidFill>
+                        <a:srgbClr val="000000"/>
+                      </a:solidFill>
+                      <a:prstDash val="solid"/>
+                      <a:round/>
+                      <a:headEnd type="none" w="med" len="med"/>
+                      <a:tailEnd type="none" w="med" len="med"/>
+                    </a:lnL>
+                    <a:lnR w="7620" cap="flat" cmpd="sng" algn="ctr">
+                      <a:solidFill>
+                        <a:srgbClr val="000000"/>
+                      </a:solidFill>
+                      <a:prstDash val="solid"/>
+                      <a:round/>
+                      <a:headEnd type="none" w="med" len="med"/>
+                      <a:tailEnd type="none" w="med" len="med"/>
+                    </a:lnR>
+                    <a:lnT w="7620" cap="flat" cmpd="sng" algn="ctr">
+                      <a:solidFill>
+                        <a:srgbClr val="000000"/>
+                      </a:solidFill>
+                      <a:prstDash val="solid"/>
+                      <a:round/>
+                      <a:headEnd type="none" w="med" len="med"/>
+                      <a:tailEnd type="none" w="med" len="med"/>
+                    </a:lnT>
+                    <a:lnB w="7620" cap="flat" cmpd="sng" algn="ctr">
+                      <a:solidFill>
+                        <a:srgbClr val="000000"/>
+                      </a:solidFill>
+                      <a:prstDash val="solid"/>
+                      <a:round/>
+                      <a:headEnd type="none" w="med" len="med"/>
+                      <a:tailEnd type="none" w="med" len="med"/>
+                    </a:lnB>
+                    <a:solidFill>
+                      <a:srgbClr val="CFD096"/>
+                    </a:solidFill>
+                  </a:tcPr>
+                </a:tc>
+                <a:extLst>
+                  <a:ext uri="{0D108BD9-81ED-4DB2-BD59-A6C34878D82A}">
+                    <a16:rowId xmlns:a16="http://schemas.microsoft.com/office/drawing/2014/main" val="377977236"/>
+                  </a:ext>
+                </a:extLst>
+              </a:tr>
+              <a:tr h="200025">
+                <a:tc>
+                  <a:txBody>
+                    <a:bodyPr/>
+                    <a:lstStyle/>
+                    <a:p>
+                      <a:pPr rtl="0" fontAlgn="b">
+                        <a:buNone/>
+                      </a:pPr>
+                      <a:r>
+                        <a:rPr lang="en-GB" sz="1100" b="0" i="0" u="none" strike="noStrike">
+                          <a:solidFill>
+                            <a:srgbClr val="000000"/>
+                          </a:solidFill>
+                          <a:effectLst/>
+                          <a:latin typeface="Arial" panose="020B0604020202020204" pitchFamily="34" charset="0"/>
+                        </a:rPr>
+                        <a:t>Copper Straight Through Cable (100m)</a:t>
+                      </a:r>
+                      <a:endParaRPr lang="en-GB">
+                        <a:effectLst/>
+                      </a:endParaRPr>
+                    </a:p>
+                  </a:txBody>
+                  <a:tcPr marL="25400" marR="25400" marT="25400" marB="25400" anchor="b">
+                    <a:lnL w="7620" cap="flat" cmpd="sng" algn="ctr">
+                      <a:solidFill>
+                        <a:srgbClr val="000000"/>
+                      </a:solidFill>
+                      <a:prstDash val="solid"/>
+                      <a:round/>
+                      <a:headEnd type="none" w="med" len="med"/>
+                      <a:tailEnd type="none" w="med" len="med"/>
+                    </a:lnL>
+                    <a:lnR w="7620" cap="flat" cmpd="sng" algn="ctr">
+                      <a:solidFill>
+                        <a:srgbClr val="000000"/>
+                      </a:solidFill>
+                      <a:prstDash val="solid"/>
+                      <a:round/>
+                      <a:headEnd type="none" w="med" len="med"/>
+                      <a:tailEnd type="none" w="med" len="med"/>
+                    </a:lnR>
+                    <a:lnT w="7620" cap="flat" cmpd="sng" algn="ctr">
+                      <a:solidFill>
+                        <a:srgbClr val="000000"/>
+                      </a:solidFill>
+                      <a:prstDash val="solid"/>
+                      <a:round/>
+                      <a:headEnd type="none" w="med" len="med"/>
+                      <a:tailEnd type="none" w="med" len="med"/>
+                    </a:lnT>
+                    <a:lnB w="7620" cap="flat" cmpd="sng" algn="ctr">
+                      <a:solidFill>
+                        <a:srgbClr val="000000"/>
+                      </a:solidFill>
+                      <a:prstDash val="solid"/>
+                      <a:round/>
+                      <a:headEnd type="none" w="med" len="med"/>
+                      <a:tailEnd type="none" w="med" len="med"/>
+                    </a:lnB>
+                    <a:solidFill>
+                      <a:srgbClr val="CFD096"/>
+                    </a:solidFill>
+                  </a:tcPr>
+                </a:tc>
+                <a:tc>
+                  <a:txBody>
+                    <a:bodyPr/>
+                    <a:lstStyle/>
+                    <a:p>
+                      <a:pPr rtl="0" fontAlgn="b">
+                        <a:buNone/>
+                      </a:pPr>
+                      <a:r>
+                        <a:rPr lang="en-ZA" sz="1100" b="0" i="0" u="none" strike="noStrike">
+                          <a:solidFill>
+                            <a:srgbClr val="000000"/>
+                          </a:solidFill>
+                          <a:effectLst/>
+                          <a:latin typeface="Arial" panose="020B0604020202020204" pitchFamily="34" charset="0"/>
+                        </a:rPr>
+                        <a:t>6</a:t>
+                      </a:r>
+                      <a:endParaRPr lang="en-ZA">
+                        <a:effectLst/>
+                      </a:endParaRPr>
+                    </a:p>
+                  </a:txBody>
+                  <a:tcPr marL="25400" marR="25400" marT="25400" marB="25400" anchor="b">
+                    <a:lnL w="7620" cap="flat" cmpd="sng" algn="ctr">
+                      <a:solidFill>
+                        <a:srgbClr val="000000"/>
+                      </a:solidFill>
+                      <a:prstDash val="solid"/>
+                      <a:round/>
+                      <a:headEnd type="none" w="med" len="med"/>
+                      <a:tailEnd type="none" w="med" len="med"/>
+                    </a:lnL>
+                    <a:lnR w="7620" cap="flat" cmpd="sng" algn="ctr">
+                      <a:solidFill>
+                        <a:srgbClr val="000000"/>
+                      </a:solidFill>
+                      <a:prstDash val="solid"/>
+                      <a:round/>
+                      <a:headEnd type="none" w="med" len="med"/>
+                      <a:tailEnd type="none" w="med" len="med"/>
+                    </a:lnR>
+                    <a:lnT w="7620" cap="flat" cmpd="sng" algn="ctr">
+                      <a:solidFill>
+                        <a:srgbClr val="000000"/>
+                      </a:solidFill>
+                      <a:prstDash val="solid"/>
+                      <a:round/>
+                      <a:headEnd type="none" w="med" len="med"/>
+                      <a:tailEnd type="none" w="med" len="med"/>
+                    </a:lnT>
+                    <a:lnB w="7620" cap="flat" cmpd="sng" algn="ctr">
+                      <a:solidFill>
+                        <a:srgbClr val="000000"/>
+                      </a:solidFill>
+                      <a:prstDash val="solid"/>
+                      <a:round/>
+                      <a:headEnd type="none" w="med" len="med"/>
+                      <a:tailEnd type="none" w="med" len="med"/>
+                    </a:lnB>
+                    <a:solidFill>
+                      <a:srgbClr val="CFD096"/>
+                    </a:solidFill>
+                  </a:tcPr>
+                </a:tc>
+                <a:tc>
+                  <a:txBody>
+                    <a:bodyPr/>
+                    <a:lstStyle/>
+                    <a:p>
+                      <a:pPr rtl="0" fontAlgn="b">
+                        <a:buNone/>
+                      </a:pPr>
+                      <a:r>
+                        <a:rPr lang="en-ZA" sz="1100" b="0" i="0" u="none" strike="noStrike">
+                          <a:solidFill>
+                            <a:srgbClr val="000000"/>
+                          </a:solidFill>
+                          <a:effectLst/>
+                          <a:latin typeface="Arial" panose="020B0604020202020204" pitchFamily="34" charset="0"/>
+                        </a:rPr>
+                        <a:t>300.00</a:t>
+                      </a:r>
+                      <a:endParaRPr lang="en-ZA">
+                        <a:effectLst/>
+                      </a:endParaRPr>
+                    </a:p>
+                  </a:txBody>
+                  <a:tcPr marL="25400" marR="25400" marT="25400" marB="25400" anchor="b">
+                    <a:lnL w="7620" cap="flat" cmpd="sng" algn="ctr">
+                      <a:solidFill>
+                        <a:srgbClr val="000000"/>
+                      </a:solidFill>
+                      <a:prstDash val="solid"/>
+                      <a:round/>
+                      <a:headEnd type="none" w="med" len="med"/>
+                      <a:tailEnd type="none" w="med" len="med"/>
+                    </a:lnL>
+                    <a:lnR w="7620" cap="flat" cmpd="sng" algn="ctr">
+                      <a:solidFill>
+                        <a:srgbClr val="000000"/>
+                      </a:solidFill>
+                      <a:prstDash val="solid"/>
+                      <a:round/>
+                      <a:headEnd type="none" w="med" len="med"/>
+                      <a:tailEnd type="none" w="med" len="med"/>
+                    </a:lnR>
+                    <a:lnT w="7620" cap="flat" cmpd="sng" algn="ctr">
+                      <a:solidFill>
+                        <a:srgbClr val="000000"/>
+                      </a:solidFill>
+                      <a:prstDash val="solid"/>
+                      <a:round/>
+                      <a:headEnd type="none" w="med" len="med"/>
+                      <a:tailEnd type="none" w="med" len="med"/>
+                    </a:lnT>
+                    <a:lnB w="7620" cap="flat" cmpd="sng" algn="ctr">
+                      <a:solidFill>
+                        <a:srgbClr val="000000"/>
+                      </a:solidFill>
+                      <a:prstDash val="solid"/>
+                      <a:round/>
+                      <a:headEnd type="none" w="med" len="med"/>
+                      <a:tailEnd type="none" w="med" len="med"/>
+                    </a:lnB>
+                    <a:solidFill>
+                      <a:srgbClr val="CFD096"/>
+                    </a:solidFill>
+                  </a:tcPr>
+                </a:tc>
+                <a:tc>
+                  <a:txBody>
+                    <a:bodyPr/>
+                    <a:lstStyle/>
+                    <a:p>
+                      <a:pPr rtl="0" fontAlgn="b">
+                        <a:buNone/>
+                      </a:pPr>
+                      <a:r>
+                        <a:rPr lang="en-ZA" sz="1100" b="0" i="0" u="none" strike="noStrike">
+                          <a:solidFill>
+                            <a:srgbClr val="000000"/>
+                          </a:solidFill>
+                          <a:effectLst/>
+                          <a:latin typeface="Arial" panose="020B0604020202020204" pitchFamily="34" charset="0"/>
+                        </a:rPr>
+                        <a:t>1,800.00</a:t>
+                      </a:r>
+                      <a:endParaRPr lang="en-ZA">
+                        <a:effectLst/>
+                      </a:endParaRPr>
+                    </a:p>
+                  </a:txBody>
+                  <a:tcPr marL="25400" marR="25400" marT="25400" marB="25400" anchor="b">
+                    <a:lnL w="7620" cap="flat" cmpd="sng" algn="ctr">
+                      <a:solidFill>
+                        <a:srgbClr val="000000"/>
+                      </a:solidFill>
+                      <a:prstDash val="solid"/>
+                      <a:round/>
+                      <a:headEnd type="none" w="med" len="med"/>
+                      <a:tailEnd type="none" w="med" len="med"/>
+                    </a:lnL>
+                    <a:lnR w="7620" cap="flat" cmpd="sng" algn="ctr">
+                      <a:solidFill>
+                        <a:srgbClr val="000000"/>
+                      </a:solidFill>
+                      <a:prstDash val="solid"/>
+                      <a:round/>
+                      <a:headEnd type="none" w="med" len="med"/>
+                      <a:tailEnd type="none" w="med" len="med"/>
+                    </a:lnR>
+                    <a:lnT w="7620" cap="flat" cmpd="sng" algn="ctr">
+                      <a:solidFill>
+                        <a:srgbClr val="000000"/>
+                      </a:solidFill>
+                      <a:prstDash val="solid"/>
+                      <a:round/>
+                      <a:headEnd type="none" w="med" len="med"/>
+                      <a:tailEnd type="none" w="med" len="med"/>
+                    </a:lnT>
+                    <a:lnB w="7620" cap="flat" cmpd="sng" algn="ctr">
+                      <a:solidFill>
+                        <a:srgbClr val="000000"/>
+                      </a:solidFill>
+                      <a:prstDash val="solid"/>
+                      <a:round/>
+                      <a:headEnd type="none" w="med" len="med"/>
+                      <a:tailEnd type="none" w="med" len="med"/>
+                    </a:lnB>
+                    <a:solidFill>
+                      <a:srgbClr val="CFD096"/>
+                    </a:solidFill>
+                  </a:tcPr>
+                </a:tc>
+                <a:extLst>
+                  <a:ext uri="{0D108BD9-81ED-4DB2-BD59-A6C34878D82A}">
+                    <a16:rowId xmlns:a16="http://schemas.microsoft.com/office/drawing/2014/main" val="2075436995"/>
+                  </a:ext>
+                </a:extLst>
+              </a:tr>
+              <a:tr h="200025">
+                <a:tc>
+                  <a:txBody>
+                    <a:bodyPr/>
+                    <a:lstStyle/>
+                    <a:p>
+                      <a:pPr rtl="0" fontAlgn="b">
+                        <a:buNone/>
+                      </a:pPr>
+                      <a:r>
+                        <a:rPr lang="en-ZA" sz="1100" b="0" i="0" u="none" strike="noStrike">
+                          <a:solidFill>
+                            <a:srgbClr val="000000"/>
+                          </a:solidFill>
+                          <a:effectLst/>
+                          <a:latin typeface="Arial" panose="020B0604020202020204" pitchFamily="34" charset="0"/>
+                        </a:rPr>
+                        <a:t>Access Point</a:t>
+                      </a:r>
+                      <a:endParaRPr lang="en-ZA">
+                        <a:effectLst/>
+                      </a:endParaRPr>
+                    </a:p>
+                  </a:txBody>
+                  <a:tcPr marL="25400" marR="25400" marT="25400" marB="25400" anchor="b">
+                    <a:lnL w="7620" cap="flat" cmpd="sng" algn="ctr">
+                      <a:solidFill>
+                        <a:srgbClr val="000000"/>
+                      </a:solidFill>
+                      <a:prstDash val="solid"/>
+                      <a:round/>
+                      <a:headEnd type="none" w="med" len="med"/>
+                      <a:tailEnd type="none" w="med" len="med"/>
+                    </a:lnL>
+                    <a:lnR w="7620" cap="flat" cmpd="sng" algn="ctr">
+                      <a:solidFill>
+                        <a:srgbClr val="000000"/>
+                      </a:solidFill>
+                      <a:prstDash val="solid"/>
+                      <a:round/>
+                      <a:headEnd type="none" w="med" len="med"/>
+                      <a:tailEnd type="none" w="med" len="med"/>
+                    </a:lnR>
+                    <a:lnT w="7620" cap="flat" cmpd="sng" algn="ctr">
+                      <a:solidFill>
+                        <a:srgbClr val="000000"/>
+                      </a:solidFill>
+                      <a:prstDash val="solid"/>
+                      <a:round/>
+                      <a:headEnd type="none" w="med" len="med"/>
+                      <a:tailEnd type="none" w="med" len="med"/>
+                    </a:lnT>
+                    <a:lnB w="7620" cap="flat" cmpd="sng" algn="ctr">
+                      <a:solidFill>
+                        <a:srgbClr val="000000"/>
+                      </a:solidFill>
+                      <a:prstDash val="solid"/>
+                      <a:round/>
+                      <a:headEnd type="none" w="med" len="med"/>
+                      <a:tailEnd type="none" w="med" len="med"/>
+                    </a:lnB>
+                    <a:solidFill>
+                      <a:srgbClr val="CFD096"/>
+                    </a:solidFill>
+                  </a:tcPr>
+                </a:tc>
+                <a:tc>
+                  <a:txBody>
+                    <a:bodyPr/>
+                    <a:lstStyle/>
+                    <a:p>
+                      <a:pPr rtl="0" fontAlgn="b">
+                        <a:buNone/>
+                      </a:pPr>
+                      <a:r>
+                        <a:rPr lang="en-ZA" sz="1100" b="0" i="0" u="none" strike="noStrike">
+                          <a:solidFill>
+                            <a:srgbClr val="000000"/>
+                          </a:solidFill>
+                          <a:effectLst/>
+                          <a:latin typeface="Arial" panose="020B0604020202020204" pitchFamily="34" charset="0"/>
+                        </a:rPr>
+                        <a:t>15</a:t>
+                      </a:r>
+                      <a:endParaRPr lang="en-ZA">
+                        <a:effectLst/>
+                      </a:endParaRPr>
+                    </a:p>
+                  </a:txBody>
+                  <a:tcPr marL="25400" marR="25400" marT="25400" marB="25400" anchor="b">
+                    <a:lnL w="7620" cap="flat" cmpd="sng" algn="ctr">
+                      <a:solidFill>
+                        <a:srgbClr val="000000"/>
+                      </a:solidFill>
+                      <a:prstDash val="solid"/>
+                      <a:round/>
+                      <a:headEnd type="none" w="med" len="med"/>
+                      <a:tailEnd type="none" w="med" len="med"/>
+                    </a:lnL>
+                    <a:lnR w="7620" cap="flat" cmpd="sng" algn="ctr">
+                      <a:solidFill>
+                        <a:srgbClr val="000000"/>
+                      </a:solidFill>
+                      <a:prstDash val="solid"/>
+                      <a:round/>
+                      <a:headEnd type="none" w="med" len="med"/>
+                      <a:tailEnd type="none" w="med" len="med"/>
+                    </a:lnR>
+                    <a:lnT w="7620" cap="flat" cmpd="sng" algn="ctr">
+                      <a:solidFill>
+                        <a:srgbClr val="000000"/>
+                      </a:solidFill>
+                      <a:prstDash val="solid"/>
+                      <a:round/>
+                      <a:headEnd type="none" w="med" len="med"/>
+                      <a:tailEnd type="none" w="med" len="med"/>
+                    </a:lnT>
+                    <a:lnB w="7620" cap="flat" cmpd="sng" algn="ctr">
+                      <a:solidFill>
+                        <a:srgbClr val="000000"/>
+                      </a:solidFill>
+                      <a:prstDash val="solid"/>
+                      <a:round/>
+                      <a:headEnd type="none" w="med" len="med"/>
+                      <a:tailEnd type="none" w="med" len="med"/>
+                    </a:lnB>
+                    <a:solidFill>
+                      <a:srgbClr val="CFD096"/>
+                    </a:solidFill>
+                  </a:tcPr>
+                </a:tc>
+                <a:tc>
+                  <a:txBody>
+                    <a:bodyPr/>
+                    <a:lstStyle/>
+                    <a:p>
+                      <a:pPr rtl="0" fontAlgn="b">
+                        <a:buNone/>
+                      </a:pPr>
+                      <a:r>
+                        <a:rPr lang="en-ZA" sz="1100" b="0" i="0" u="none" strike="noStrike">
+                          <a:solidFill>
+                            <a:srgbClr val="000000"/>
+                          </a:solidFill>
+                          <a:effectLst/>
+                          <a:latin typeface="Arial" panose="020B0604020202020204" pitchFamily="34" charset="0"/>
+                        </a:rPr>
+                        <a:t>2,500.00</a:t>
+                      </a:r>
+                      <a:endParaRPr lang="en-ZA">
+                        <a:effectLst/>
+                      </a:endParaRPr>
+                    </a:p>
+                  </a:txBody>
+                  <a:tcPr marL="25400" marR="25400" marT="25400" marB="25400" anchor="b">
+                    <a:lnL w="7620" cap="flat" cmpd="sng" algn="ctr">
+                      <a:solidFill>
+                        <a:srgbClr val="000000"/>
+                      </a:solidFill>
+                      <a:prstDash val="solid"/>
+                      <a:round/>
+                      <a:headEnd type="none" w="med" len="med"/>
+                      <a:tailEnd type="none" w="med" len="med"/>
+                    </a:lnL>
+                    <a:lnR w="7620" cap="flat" cmpd="sng" algn="ctr">
+                      <a:solidFill>
+                        <a:srgbClr val="000000"/>
+                      </a:solidFill>
+                      <a:prstDash val="solid"/>
+                      <a:round/>
+                      <a:headEnd type="none" w="med" len="med"/>
+                      <a:tailEnd type="none" w="med" len="med"/>
+                    </a:lnR>
+                    <a:lnT w="7620" cap="flat" cmpd="sng" algn="ctr">
+                      <a:solidFill>
+                        <a:srgbClr val="000000"/>
+                      </a:solidFill>
+                      <a:prstDash val="solid"/>
+                      <a:round/>
+                      <a:headEnd type="none" w="med" len="med"/>
+                      <a:tailEnd type="none" w="med" len="med"/>
+                    </a:lnT>
+                    <a:lnB w="7620" cap="flat" cmpd="sng" algn="ctr">
+                      <a:solidFill>
+                        <a:srgbClr val="000000"/>
+                      </a:solidFill>
+                      <a:prstDash val="solid"/>
+                      <a:round/>
+                      <a:headEnd type="none" w="med" len="med"/>
+                      <a:tailEnd type="none" w="med" len="med"/>
+                    </a:lnB>
+                    <a:solidFill>
+                      <a:srgbClr val="CFD096"/>
+                    </a:solidFill>
+                  </a:tcPr>
+                </a:tc>
+                <a:tc>
+                  <a:txBody>
+                    <a:bodyPr/>
+                    <a:lstStyle/>
+                    <a:p>
+                      <a:pPr rtl="0" fontAlgn="b">
+                        <a:buNone/>
+                      </a:pPr>
+                      <a:r>
+                        <a:rPr lang="en-ZA" sz="1100" b="0" i="0" u="none" strike="noStrike">
+                          <a:solidFill>
+                            <a:srgbClr val="000000"/>
+                          </a:solidFill>
+                          <a:effectLst/>
+                          <a:latin typeface="Arial" panose="020B0604020202020204" pitchFamily="34" charset="0"/>
+                        </a:rPr>
+                        <a:t>37,500.00</a:t>
+                      </a:r>
+                      <a:endParaRPr lang="en-ZA">
+                        <a:effectLst/>
+                      </a:endParaRPr>
+                    </a:p>
+                  </a:txBody>
+                  <a:tcPr marL="25400" marR="25400" marT="25400" marB="25400" anchor="b">
+                    <a:lnL w="7620" cap="flat" cmpd="sng" algn="ctr">
+                      <a:solidFill>
+                        <a:srgbClr val="000000"/>
+                      </a:solidFill>
+                      <a:prstDash val="solid"/>
+                      <a:round/>
+                      <a:headEnd type="none" w="med" len="med"/>
+                      <a:tailEnd type="none" w="med" len="med"/>
+                    </a:lnL>
+                    <a:lnR w="7620" cap="flat" cmpd="sng" algn="ctr">
+                      <a:solidFill>
+                        <a:srgbClr val="000000"/>
+                      </a:solidFill>
+                      <a:prstDash val="solid"/>
+                      <a:round/>
+                      <a:headEnd type="none" w="med" len="med"/>
+                      <a:tailEnd type="none" w="med" len="med"/>
+                    </a:lnR>
+                    <a:lnT w="7620" cap="flat" cmpd="sng" algn="ctr">
+                      <a:solidFill>
+                        <a:srgbClr val="000000"/>
+                      </a:solidFill>
+                      <a:prstDash val="solid"/>
+                      <a:round/>
+                      <a:headEnd type="none" w="med" len="med"/>
+                      <a:tailEnd type="none" w="med" len="med"/>
+                    </a:lnT>
+                    <a:lnB w="7620" cap="flat" cmpd="sng" algn="ctr">
+                      <a:solidFill>
+                        <a:srgbClr val="000000"/>
+                      </a:solidFill>
+                      <a:prstDash val="solid"/>
+                      <a:round/>
+                      <a:headEnd type="none" w="med" len="med"/>
+                      <a:tailEnd type="none" w="med" len="med"/>
+                    </a:lnB>
+                    <a:solidFill>
+                      <a:srgbClr val="CFD096"/>
+                    </a:solidFill>
+                  </a:tcPr>
+                </a:tc>
+                <a:extLst>
+                  <a:ext uri="{0D108BD9-81ED-4DB2-BD59-A6C34878D82A}">
+                    <a16:rowId xmlns:a16="http://schemas.microsoft.com/office/drawing/2014/main" val="3519326407"/>
+                  </a:ext>
+                </a:extLst>
+              </a:tr>
+              <a:tr h="200025">
+                <a:tc>
+                  <a:txBody>
+                    <a:bodyPr/>
+                    <a:lstStyle/>
+                    <a:p>
+                      <a:pPr rtl="0" fontAlgn="b">
+                        <a:buNone/>
+                      </a:pPr>
+                      <a:r>
+                        <a:rPr lang="en-ZA" sz="1100" b="0" i="0" u="none" strike="noStrike">
+                          <a:solidFill>
+                            <a:srgbClr val="000000"/>
+                          </a:solidFill>
+                          <a:effectLst/>
+                          <a:latin typeface="Arial" panose="020B0604020202020204" pitchFamily="34" charset="0"/>
+                        </a:rPr>
+                        <a:t>Labour</a:t>
+                      </a:r>
+                      <a:endParaRPr lang="en-ZA">
+                        <a:effectLst/>
+                      </a:endParaRPr>
+                    </a:p>
+                  </a:txBody>
+                  <a:tcPr marL="25400" marR="25400" marT="25400" marB="25400" anchor="b">
+                    <a:lnL w="7620" cap="flat" cmpd="sng" algn="ctr">
+                      <a:solidFill>
+                        <a:srgbClr val="000000"/>
+                      </a:solidFill>
+                      <a:prstDash val="solid"/>
+                      <a:round/>
+                      <a:headEnd type="none" w="med" len="med"/>
+                      <a:tailEnd type="none" w="med" len="med"/>
+                    </a:lnL>
+                    <a:lnR w="7620" cap="flat" cmpd="sng" algn="ctr">
+                      <a:solidFill>
+                        <a:srgbClr val="000000"/>
+                      </a:solidFill>
+                      <a:prstDash val="solid"/>
+                      <a:round/>
+                      <a:headEnd type="none" w="med" len="med"/>
+                      <a:tailEnd type="none" w="med" len="med"/>
+                    </a:lnR>
+                    <a:lnT w="7620" cap="flat" cmpd="sng" algn="ctr">
+                      <a:solidFill>
+                        <a:srgbClr val="000000"/>
+                      </a:solidFill>
+                      <a:prstDash val="solid"/>
+                      <a:round/>
+                      <a:headEnd type="none" w="med" len="med"/>
+                      <a:tailEnd type="none" w="med" len="med"/>
+                    </a:lnT>
+                    <a:lnB w="7620" cap="flat" cmpd="sng" algn="ctr">
+                      <a:solidFill>
+                        <a:srgbClr val="000000"/>
+                      </a:solidFill>
+                      <a:prstDash val="solid"/>
+                      <a:round/>
+                      <a:headEnd type="none" w="med" len="med"/>
+                      <a:tailEnd type="none" w="med" len="med"/>
+                    </a:lnB>
+                    <a:solidFill>
+                      <a:srgbClr val="CFD096"/>
+                    </a:solidFill>
+                  </a:tcPr>
+                </a:tc>
+                <a:tc>
+                  <a:txBody>
+                    <a:bodyPr/>
+                    <a:lstStyle/>
+                    <a:p>
+                      <a:pPr rtl="0" fontAlgn="b">
+                        <a:buNone/>
+                      </a:pPr>
+                      <a:r>
+                        <a:rPr lang="en-ZA" sz="1100" b="0" i="0" u="none" strike="noStrike">
+                          <a:solidFill>
+                            <a:srgbClr val="000000"/>
+                          </a:solidFill>
+                          <a:effectLst/>
+                          <a:latin typeface="Arial" panose="020B0604020202020204" pitchFamily="34" charset="0"/>
+                        </a:rPr>
+                        <a:t>126</a:t>
+                      </a:r>
+                      <a:endParaRPr lang="en-ZA">
+                        <a:effectLst/>
+                      </a:endParaRPr>
+                    </a:p>
+                  </a:txBody>
+                  <a:tcPr marL="25400" marR="25400" marT="25400" marB="25400" anchor="b">
+                    <a:lnL w="7620" cap="flat" cmpd="sng" algn="ctr">
+                      <a:solidFill>
+                        <a:srgbClr val="000000"/>
+                      </a:solidFill>
+                      <a:prstDash val="solid"/>
+                      <a:round/>
+                      <a:headEnd type="none" w="med" len="med"/>
+                      <a:tailEnd type="none" w="med" len="med"/>
+                    </a:lnL>
+                    <a:lnR w="7620" cap="flat" cmpd="sng" algn="ctr">
+                      <a:solidFill>
+                        <a:srgbClr val="000000"/>
+                      </a:solidFill>
+                      <a:prstDash val="solid"/>
+                      <a:round/>
+                      <a:headEnd type="none" w="med" len="med"/>
+                      <a:tailEnd type="none" w="med" len="med"/>
+                    </a:lnR>
+                    <a:lnT w="7620" cap="flat" cmpd="sng" algn="ctr">
+                      <a:solidFill>
+                        <a:srgbClr val="000000"/>
+                      </a:solidFill>
+                      <a:prstDash val="solid"/>
+                      <a:round/>
+                      <a:headEnd type="none" w="med" len="med"/>
+                      <a:tailEnd type="none" w="med" len="med"/>
+                    </a:lnT>
+                    <a:lnB w="7620" cap="flat" cmpd="sng" algn="ctr">
+                      <a:solidFill>
+                        <a:srgbClr val="000000"/>
+                      </a:solidFill>
+                      <a:prstDash val="solid"/>
+                      <a:round/>
+                      <a:headEnd type="none" w="med" len="med"/>
+                      <a:tailEnd type="none" w="med" len="med"/>
+                    </a:lnB>
+                    <a:solidFill>
+                      <a:srgbClr val="CFD096"/>
+                    </a:solidFill>
+                  </a:tcPr>
+                </a:tc>
+                <a:tc>
+                  <a:txBody>
+                    <a:bodyPr/>
+                    <a:lstStyle/>
+                    <a:p>
+                      <a:pPr rtl="0" fontAlgn="b">
+                        <a:buNone/>
+                      </a:pPr>
+                      <a:r>
+                        <a:rPr lang="en-ZA" sz="1100" b="0" i="0" u="none" strike="noStrike">
+                          <a:solidFill>
+                            <a:srgbClr val="000000"/>
+                          </a:solidFill>
+                          <a:effectLst/>
+                          <a:latin typeface="Arial" panose="020B0604020202020204" pitchFamily="34" charset="0"/>
+                        </a:rPr>
+                        <a:t>450.00</a:t>
+                      </a:r>
+                      <a:endParaRPr lang="en-ZA">
+                        <a:effectLst/>
+                      </a:endParaRPr>
+                    </a:p>
+                  </a:txBody>
+                  <a:tcPr marL="25400" marR="25400" marT="25400" marB="25400" anchor="b">
+                    <a:lnL w="7620" cap="flat" cmpd="sng" algn="ctr">
+                      <a:solidFill>
+                        <a:srgbClr val="000000"/>
+                      </a:solidFill>
+                      <a:prstDash val="solid"/>
+                      <a:round/>
+                      <a:headEnd type="none" w="med" len="med"/>
+                      <a:tailEnd type="none" w="med" len="med"/>
+                    </a:lnL>
+                    <a:lnR w="7620" cap="flat" cmpd="sng" algn="ctr">
+                      <a:solidFill>
+                        <a:srgbClr val="000000"/>
+                      </a:solidFill>
+                      <a:prstDash val="solid"/>
+                      <a:round/>
+                      <a:headEnd type="none" w="med" len="med"/>
+                      <a:tailEnd type="none" w="med" len="med"/>
+                    </a:lnR>
+                    <a:lnT w="7620" cap="flat" cmpd="sng" algn="ctr">
+                      <a:solidFill>
+                        <a:srgbClr val="000000"/>
+                      </a:solidFill>
+                      <a:prstDash val="solid"/>
+                      <a:round/>
+                      <a:headEnd type="none" w="med" len="med"/>
+                      <a:tailEnd type="none" w="med" len="med"/>
+                    </a:lnT>
+                    <a:lnB w="7620" cap="flat" cmpd="sng" algn="ctr">
+                      <a:solidFill>
+                        <a:srgbClr val="000000"/>
+                      </a:solidFill>
+                      <a:prstDash val="solid"/>
+                      <a:round/>
+                      <a:headEnd type="none" w="med" len="med"/>
+                      <a:tailEnd type="none" w="med" len="med"/>
+                    </a:lnB>
+                    <a:solidFill>
+                      <a:srgbClr val="CFD096"/>
+                    </a:solidFill>
+                  </a:tcPr>
+                </a:tc>
+                <a:tc>
+                  <a:txBody>
+                    <a:bodyPr/>
+                    <a:lstStyle/>
+                    <a:p>
+                      <a:pPr rtl="0" fontAlgn="b">
+                        <a:buNone/>
+                      </a:pPr>
+                      <a:r>
+                        <a:rPr lang="en-ZA" sz="1100" b="0" i="0" u="none" strike="noStrike">
+                          <a:solidFill>
+                            <a:srgbClr val="000000"/>
+                          </a:solidFill>
+                          <a:effectLst/>
+                          <a:latin typeface="Arial" panose="020B0604020202020204" pitchFamily="34" charset="0"/>
+                        </a:rPr>
+                        <a:t>56,700.00</a:t>
+                      </a:r>
+                      <a:endParaRPr lang="en-ZA">
+                        <a:effectLst/>
+                      </a:endParaRPr>
+                    </a:p>
+                  </a:txBody>
+                  <a:tcPr marL="25400" marR="25400" marT="25400" marB="25400" anchor="b">
+                    <a:lnL w="7620" cap="flat" cmpd="sng" algn="ctr">
+                      <a:solidFill>
+                        <a:srgbClr val="000000"/>
+                      </a:solidFill>
+                      <a:prstDash val="solid"/>
+                      <a:round/>
+                      <a:headEnd type="none" w="med" len="med"/>
+                      <a:tailEnd type="none" w="med" len="med"/>
+                    </a:lnL>
+                    <a:lnR w="7620" cap="flat" cmpd="sng" algn="ctr">
+                      <a:solidFill>
+                        <a:srgbClr val="000000"/>
+                      </a:solidFill>
+                      <a:prstDash val="solid"/>
+                      <a:round/>
+                      <a:headEnd type="none" w="med" len="med"/>
+                      <a:tailEnd type="none" w="med" len="med"/>
+                    </a:lnR>
+                    <a:lnT w="7620" cap="flat" cmpd="sng" algn="ctr">
+                      <a:solidFill>
+                        <a:srgbClr val="000000"/>
+                      </a:solidFill>
+                      <a:prstDash val="solid"/>
+                      <a:round/>
+                      <a:headEnd type="none" w="med" len="med"/>
+                      <a:tailEnd type="none" w="med" len="med"/>
+                    </a:lnT>
+                    <a:lnB w="7620" cap="flat" cmpd="sng" algn="ctr">
+                      <a:solidFill>
+                        <a:srgbClr val="000000"/>
+                      </a:solidFill>
+                      <a:prstDash val="solid"/>
+                      <a:round/>
+                      <a:headEnd type="none" w="med" len="med"/>
+                      <a:tailEnd type="none" w="med" len="med"/>
+                    </a:lnB>
+                    <a:solidFill>
+                      <a:srgbClr val="CFD096"/>
+                    </a:solidFill>
+                  </a:tcPr>
+                </a:tc>
+                <a:extLst>
+                  <a:ext uri="{0D108BD9-81ED-4DB2-BD59-A6C34878D82A}">
+                    <a16:rowId xmlns:a16="http://schemas.microsoft.com/office/drawing/2014/main" val="2228835084"/>
+                  </a:ext>
+                </a:extLst>
+              </a:tr>
+              <a:tr h="200025">
+                <a:tc>
+                  <a:txBody>
+                    <a:bodyPr/>
+                    <a:lstStyle/>
+                    <a:p>
+                      <a:pPr rtl="0" fontAlgn="b">
+                        <a:buNone/>
+                      </a:pPr>
+                      <a:r>
+                        <a:rPr lang="en-ZA" sz="1100" b="0" i="0" u="none" strike="noStrike">
+                          <a:solidFill>
+                            <a:srgbClr val="000000"/>
+                          </a:solidFill>
+                          <a:effectLst/>
+                          <a:latin typeface="Arial" panose="020B0604020202020204" pitchFamily="34" charset="0"/>
+                        </a:rPr>
+                        <a:t>AnyDesk</a:t>
+                      </a:r>
+                      <a:endParaRPr lang="en-ZA">
+                        <a:effectLst/>
+                      </a:endParaRPr>
+                    </a:p>
+                  </a:txBody>
+                  <a:tcPr marL="25400" marR="25400" marT="25400" marB="25400" anchor="b">
+                    <a:lnL w="7620" cap="flat" cmpd="sng" algn="ctr">
+                      <a:solidFill>
+                        <a:srgbClr val="000000"/>
+                      </a:solidFill>
+                      <a:prstDash val="solid"/>
+                      <a:round/>
+                      <a:headEnd type="none" w="med" len="med"/>
+                      <a:tailEnd type="none" w="med" len="med"/>
+                    </a:lnL>
+                    <a:lnR w="7620" cap="flat" cmpd="sng" algn="ctr">
+                      <a:solidFill>
+                        <a:srgbClr val="000000"/>
+                      </a:solidFill>
+                      <a:prstDash val="solid"/>
+                      <a:round/>
+                      <a:headEnd type="none" w="med" len="med"/>
+                      <a:tailEnd type="none" w="med" len="med"/>
+                    </a:lnR>
+                    <a:lnT w="7620" cap="flat" cmpd="sng" algn="ctr">
+                      <a:solidFill>
+                        <a:srgbClr val="000000"/>
+                      </a:solidFill>
+                      <a:prstDash val="solid"/>
+                      <a:round/>
+                      <a:headEnd type="none" w="med" len="med"/>
+                      <a:tailEnd type="none" w="med" len="med"/>
+                    </a:lnT>
+                    <a:lnB w="7620" cap="flat" cmpd="sng" algn="ctr">
+                      <a:solidFill>
+                        <a:srgbClr val="000000"/>
+                      </a:solidFill>
+                      <a:prstDash val="solid"/>
+                      <a:round/>
+                      <a:headEnd type="none" w="med" len="med"/>
+                      <a:tailEnd type="none" w="med" len="med"/>
+                    </a:lnB>
+                    <a:solidFill>
+                      <a:srgbClr val="CFD096"/>
+                    </a:solidFill>
+                  </a:tcPr>
+                </a:tc>
+                <a:tc>
+                  <a:txBody>
+                    <a:bodyPr/>
+                    <a:lstStyle/>
+                    <a:p>
+                      <a:pPr rtl="0" fontAlgn="b">
+                        <a:buNone/>
+                      </a:pPr>
+                      <a:r>
+                        <a:rPr lang="en-ZA" sz="1100" b="0" i="0" u="none" strike="noStrike">
+                          <a:solidFill>
+                            <a:srgbClr val="000000"/>
+                          </a:solidFill>
+                          <a:effectLst/>
+                          <a:latin typeface="Arial" panose="020B0604020202020204" pitchFamily="34" charset="0"/>
+                        </a:rPr>
+                        <a:t>1</a:t>
+                      </a:r>
+                      <a:endParaRPr lang="en-ZA">
+                        <a:effectLst/>
+                      </a:endParaRPr>
+                    </a:p>
+                  </a:txBody>
+                  <a:tcPr marL="25400" marR="25400" marT="25400" marB="25400" anchor="b">
+                    <a:lnL w="7620" cap="flat" cmpd="sng" algn="ctr">
+                      <a:solidFill>
+                        <a:srgbClr val="000000"/>
+                      </a:solidFill>
+                      <a:prstDash val="solid"/>
+                      <a:round/>
+                      <a:headEnd type="none" w="med" len="med"/>
+                      <a:tailEnd type="none" w="med" len="med"/>
+                    </a:lnL>
+                    <a:lnR w="7620" cap="flat" cmpd="sng" algn="ctr">
+                      <a:solidFill>
+                        <a:srgbClr val="000000"/>
+                      </a:solidFill>
+                      <a:prstDash val="solid"/>
+                      <a:round/>
+                      <a:headEnd type="none" w="med" len="med"/>
+                      <a:tailEnd type="none" w="med" len="med"/>
+                    </a:lnR>
+                    <a:lnT w="7620" cap="flat" cmpd="sng" algn="ctr">
+                      <a:solidFill>
+                        <a:srgbClr val="000000"/>
+                      </a:solidFill>
+                      <a:prstDash val="solid"/>
+                      <a:round/>
+                      <a:headEnd type="none" w="med" len="med"/>
+                      <a:tailEnd type="none" w="med" len="med"/>
+                    </a:lnT>
+                    <a:lnB w="7620" cap="flat" cmpd="sng" algn="ctr">
+                      <a:solidFill>
+                        <a:srgbClr val="000000"/>
+                      </a:solidFill>
+                      <a:prstDash val="solid"/>
+                      <a:round/>
+                      <a:headEnd type="none" w="med" len="med"/>
+                      <a:tailEnd type="none" w="med" len="med"/>
+                    </a:lnB>
+                    <a:solidFill>
+                      <a:srgbClr val="CFD096"/>
+                    </a:solidFill>
+                  </a:tcPr>
+                </a:tc>
+                <a:tc>
+                  <a:txBody>
+                    <a:bodyPr/>
+                    <a:lstStyle/>
+                    <a:p>
+                      <a:pPr rtl="0" fontAlgn="b">
+                        <a:buNone/>
+                      </a:pPr>
+                      <a:r>
+                        <a:rPr lang="en-ZA" sz="1100" b="0" i="0" u="none" strike="noStrike">
+                          <a:solidFill>
+                            <a:srgbClr val="000000"/>
+                          </a:solidFill>
+                          <a:effectLst/>
+                          <a:latin typeface="Arial" panose="020B0604020202020204" pitchFamily="34" charset="0"/>
+                        </a:rPr>
+                        <a:t>1244.48</a:t>
+                      </a:r>
+                      <a:endParaRPr lang="en-ZA">
+                        <a:effectLst/>
+                      </a:endParaRPr>
+                    </a:p>
+                  </a:txBody>
+                  <a:tcPr marL="25400" marR="25400" marT="25400" marB="25400" anchor="b">
+                    <a:lnL w="7620" cap="flat" cmpd="sng" algn="ctr">
+                      <a:solidFill>
+                        <a:srgbClr val="000000"/>
+                      </a:solidFill>
+                      <a:prstDash val="solid"/>
+                      <a:round/>
+                      <a:headEnd type="none" w="med" len="med"/>
+                      <a:tailEnd type="none" w="med" len="med"/>
+                    </a:lnL>
+                    <a:lnR w="7620" cap="flat" cmpd="sng" algn="ctr">
+                      <a:solidFill>
+                        <a:srgbClr val="000000"/>
+                      </a:solidFill>
+                      <a:prstDash val="solid"/>
+                      <a:round/>
+                      <a:headEnd type="none" w="med" len="med"/>
+                      <a:tailEnd type="none" w="med" len="med"/>
+                    </a:lnR>
+                    <a:lnT w="7620" cap="flat" cmpd="sng" algn="ctr">
+                      <a:solidFill>
+                        <a:srgbClr val="000000"/>
+                      </a:solidFill>
+                      <a:prstDash val="solid"/>
+                      <a:round/>
+                      <a:headEnd type="none" w="med" len="med"/>
+                      <a:tailEnd type="none" w="med" len="med"/>
+                    </a:lnT>
+                    <a:lnB w="7620" cap="flat" cmpd="sng" algn="ctr">
+                      <a:solidFill>
+                        <a:srgbClr val="000000"/>
+                      </a:solidFill>
+                      <a:prstDash val="solid"/>
+                      <a:round/>
+                      <a:headEnd type="none" w="med" len="med"/>
+                      <a:tailEnd type="none" w="med" len="med"/>
+                    </a:lnB>
+                    <a:solidFill>
+                      <a:srgbClr val="CFD096"/>
+                    </a:solidFill>
+                  </a:tcPr>
+                </a:tc>
+                <a:tc>
+                  <a:txBody>
+                    <a:bodyPr/>
+                    <a:lstStyle/>
+                    <a:p>
+                      <a:pPr rtl="0" fontAlgn="b">
+                        <a:buNone/>
+                      </a:pPr>
+                      <a:r>
+                        <a:rPr lang="en-ZA" sz="1100" b="0" i="0" u="none" strike="noStrike">
+                          <a:solidFill>
+                            <a:srgbClr val="000000"/>
+                          </a:solidFill>
+                          <a:effectLst/>
+                          <a:latin typeface="Arial" panose="020B0604020202020204" pitchFamily="34" charset="0"/>
+                        </a:rPr>
+                        <a:t>1,244.48</a:t>
+                      </a:r>
+                      <a:endParaRPr lang="en-ZA">
+                        <a:effectLst/>
+                      </a:endParaRPr>
+                    </a:p>
+                  </a:txBody>
+                  <a:tcPr marL="25400" marR="25400" marT="25400" marB="25400" anchor="b">
+                    <a:lnL w="7620" cap="flat" cmpd="sng" algn="ctr">
+                      <a:solidFill>
+                        <a:srgbClr val="000000"/>
+                      </a:solidFill>
+                      <a:prstDash val="solid"/>
+                      <a:round/>
+                      <a:headEnd type="none" w="med" len="med"/>
+                      <a:tailEnd type="none" w="med" len="med"/>
+                    </a:lnL>
+                    <a:lnR w="7620" cap="flat" cmpd="sng" algn="ctr">
+                      <a:solidFill>
+                        <a:srgbClr val="000000"/>
+                      </a:solidFill>
+                      <a:prstDash val="solid"/>
+                      <a:round/>
+                      <a:headEnd type="none" w="med" len="med"/>
+                      <a:tailEnd type="none" w="med" len="med"/>
+                    </a:lnR>
+                    <a:lnT w="7620" cap="flat" cmpd="sng" algn="ctr">
+                      <a:solidFill>
+                        <a:srgbClr val="000000"/>
+                      </a:solidFill>
+                      <a:prstDash val="solid"/>
+                      <a:round/>
+                      <a:headEnd type="none" w="med" len="med"/>
+                      <a:tailEnd type="none" w="med" len="med"/>
+                    </a:lnT>
+                    <a:lnB w="7620" cap="flat" cmpd="sng" algn="ctr">
+                      <a:solidFill>
+                        <a:srgbClr val="000000"/>
+                      </a:solidFill>
+                      <a:prstDash val="solid"/>
+                      <a:round/>
+                      <a:headEnd type="none" w="med" len="med"/>
+                      <a:tailEnd type="none" w="med" len="med"/>
+                    </a:lnB>
+                    <a:solidFill>
+                      <a:srgbClr val="CFD096"/>
+                    </a:solidFill>
+                  </a:tcPr>
+                </a:tc>
+                <a:extLst>
+                  <a:ext uri="{0D108BD9-81ED-4DB2-BD59-A6C34878D82A}">
+                    <a16:rowId xmlns:a16="http://schemas.microsoft.com/office/drawing/2014/main" val="15028017"/>
+                  </a:ext>
+                </a:extLst>
+              </a:tr>
+              <a:tr h="200025">
+                <a:tc>
+                  <a:txBody>
+                    <a:bodyPr/>
+                    <a:lstStyle/>
+                    <a:p>
+                      <a:pPr rtl="0" fontAlgn="b">
+                        <a:buNone/>
+                      </a:pPr>
+                      <a:r>
+                        <a:rPr lang="en-ZA" sz="1100" b="0" i="0" u="none" strike="noStrike">
+                          <a:solidFill>
+                            <a:srgbClr val="000000"/>
+                          </a:solidFill>
+                          <a:effectLst/>
+                          <a:latin typeface="Arial" panose="020B0604020202020204" pitchFamily="34" charset="0"/>
+                        </a:rPr>
+                        <a:t>Total</a:t>
+                      </a:r>
+                      <a:endParaRPr lang="en-ZA">
+                        <a:effectLst/>
+                      </a:endParaRPr>
+                    </a:p>
+                  </a:txBody>
+                  <a:tcPr marL="25400" marR="25400" marT="25400" marB="25400" anchor="b">
+                    <a:lnL w="7620" cap="flat" cmpd="sng" algn="ctr">
+                      <a:solidFill>
+                        <a:srgbClr val="000000"/>
+                      </a:solidFill>
+                      <a:prstDash val="solid"/>
+                      <a:round/>
+                      <a:headEnd type="none" w="med" len="med"/>
+                      <a:tailEnd type="none" w="med" len="med"/>
+                    </a:lnL>
+                    <a:lnR w="7620" cap="flat" cmpd="sng" algn="ctr">
+                      <a:solidFill>
+                        <a:srgbClr val="000000"/>
+                      </a:solidFill>
+                      <a:prstDash val="solid"/>
+                      <a:round/>
+                      <a:headEnd type="none" w="med" len="med"/>
+                      <a:tailEnd type="none" w="med" len="med"/>
+                    </a:lnR>
+                    <a:lnT w="7620" cap="flat" cmpd="sng" algn="ctr">
+                      <a:solidFill>
+                        <a:srgbClr val="000000"/>
+                      </a:solidFill>
+                      <a:prstDash val="solid"/>
+                      <a:round/>
+                      <a:headEnd type="none" w="med" len="med"/>
+                      <a:tailEnd type="none" w="med" len="med"/>
+                    </a:lnT>
+                    <a:lnB w="7620" cap="flat" cmpd="sng" algn="ctr">
+                      <a:solidFill>
+                        <a:srgbClr val="000000"/>
+                      </a:solidFill>
+                      <a:prstDash val="solid"/>
+                      <a:round/>
+                      <a:headEnd type="none" w="med" len="med"/>
+                      <a:tailEnd type="none" w="med" len="med"/>
+                    </a:lnB>
+                    <a:solidFill>
+                      <a:srgbClr val="CFD096"/>
+                    </a:solidFill>
+                  </a:tcPr>
+                </a:tc>
+                <a:tc>
+                  <a:txBody>
+                    <a:bodyPr/>
+                    <a:lstStyle/>
+                    <a:p>
+                      <a:pPr fontAlgn="b"/>
+                      <a:br>
+                        <a:rPr lang="en-ZA">
+                          <a:effectLst/>
+                        </a:rPr>
+                      </a:br>
+                      <a:endParaRPr lang="en-ZA">
+                        <a:effectLst/>
+                      </a:endParaRPr>
+                    </a:p>
+                  </a:txBody>
+                  <a:tcPr marL="25400" marR="25400" marT="25400" marB="25400" anchor="b">
+                    <a:lnL w="7620" cap="flat" cmpd="sng" algn="ctr">
+                      <a:solidFill>
+                        <a:srgbClr val="000000"/>
+                      </a:solidFill>
+                      <a:prstDash val="solid"/>
+                      <a:round/>
+                      <a:headEnd type="none" w="med" len="med"/>
+                      <a:tailEnd type="none" w="med" len="med"/>
+                    </a:lnL>
+                    <a:lnR w="7620" cap="flat" cmpd="sng" algn="ctr">
+                      <a:solidFill>
+                        <a:srgbClr val="000000"/>
+                      </a:solidFill>
+                      <a:prstDash val="solid"/>
+                      <a:round/>
+                      <a:headEnd type="none" w="med" len="med"/>
+                      <a:tailEnd type="none" w="med" len="med"/>
+                    </a:lnR>
+                    <a:lnT w="7620" cap="flat" cmpd="sng" algn="ctr">
+                      <a:solidFill>
+                        <a:srgbClr val="000000"/>
+                      </a:solidFill>
+                      <a:prstDash val="solid"/>
+                      <a:round/>
+                      <a:headEnd type="none" w="med" len="med"/>
+                      <a:tailEnd type="none" w="med" len="med"/>
+                    </a:lnT>
+                    <a:lnB w="7620" cap="flat" cmpd="sng" algn="ctr">
+                      <a:solidFill>
+                        <a:srgbClr val="000000"/>
+                      </a:solidFill>
+                      <a:prstDash val="solid"/>
+                      <a:round/>
+                      <a:headEnd type="none" w="med" len="med"/>
+                      <a:tailEnd type="none" w="med" len="med"/>
+                    </a:lnB>
+                    <a:solidFill>
+                      <a:srgbClr val="CFD096"/>
+                    </a:solidFill>
+                  </a:tcPr>
+                </a:tc>
+                <a:tc>
+                  <a:txBody>
+                    <a:bodyPr/>
+                    <a:lstStyle/>
+                    <a:p>
+                      <a:pPr fontAlgn="b"/>
+                      <a:br>
+                        <a:rPr lang="en-ZA">
+                          <a:effectLst/>
+                        </a:rPr>
+                      </a:br>
+                      <a:endParaRPr lang="en-ZA">
+                        <a:effectLst/>
+                      </a:endParaRPr>
+                    </a:p>
+                  </a:txBody>
+                  <a:tcPr marL="25400" marR="25400" marT="25400" marB="25400" anchor="b">
+                    <a:lnL w="7620" cap="flat" cmpd="sng" algn="ctr">
+                      <a:solidFill>
+                        <a:srgbClr val="000000"/>
+                      </a:solidFill>
+                      <a:prstDash val="solid"/>
+                      <a:round/>
+                      <a:headEnd type="none" w="med" len="med"/>
+                      <a:tailEnd type="none" w="med" len="med"/>
+                    </a:lnL>
+                    <a:lnR w="7620" cap="flat" cmpd="sng" algn="ctr">
+                      <a:solidFill>
+                        <a:srgbClr val="000000"/>
+                      </a:solidFill>
+                      <a:prstDash val="solid"/>
+                      <a:round/>
+                      <a:headEnd type="none" w="med" len="med"/>
+                      <a:tailEnd type="none" w="med" len="med"/>
+                    </a:lnR>
+                    <a:lnT w="7620" cap="flat" cmpd="sng" algn="ctr">
+                      <a:solidFill>
+                        <a:srgbClr val="000000"/>
+                      </a:solidFill>
+                      <a:prstDash val="solid"/>
+                      <a:round/>
+                      <a:headEnd type="none" w="med" len="med"/>
+                      <a:tailEnd type="none" w="med" len="med"/>
+                    </a:lnT>
+                    <a:lnB w="7620" cap="flat" cmpd="sng" algn="ctr">
+                      <a:solidFill>
+                        <a:srgbClr val="000000"/>
+                      </a:solidFill>
+                      <a:prstDash val="solid"/>
+                      <a:round/>
+                      <a:headEnd type="none" w="med" len="med"/>
+                      <a:tailEnd type="none" w="med" len="med"/>
+                    </a:lnB>
+                    <a:solidFill>
+                      <a:srgbClr val="CFD096"/>
+                    </a:solidFill>
+                  </a:tcPr>
+                </a:tc>
+                <a:tc>
+                  <a:txBody>
+                    <a:bodyPr/>
+                    <a:lstStyle/>
+                    <a:p>
+                      <a:pPr rtl="0" fontAlgn="b">
+                        <a:buNone/>
+                      </a:pPr>
+                      <a:r>
+                        <a:rPr lang="en-ZA" sz="1100" b="0" i="0" u="none" strike="noStrike" dirty="0">
+                          <a:solidFill>
+                            <a:srgbClr val="000000"/>
+                          </a:solidFill>
+                          <a:effectLst/>
+                          <a:latin typeface="Arial" panose="020B0604020202020204" pitchFamily="34" charset="0"/>
+                        </a:rPr>
+                        <a:t>121,500.00</a:t>
+                      </a:r>
+                      <a:endParaRPr lang="en-ZA" dirty="0">
+                        <a:effectLst/>
+                      </a:endParaRPr>
+                    </a:p>
+                  </a:txBody>
+                  <a:tcPr marL="25400" marR="25400" marT="25400" marB="25400" anchor="b">
+                    <a:lnL w="7620" cap="flat" cmpd="sng" algn="ctr">
+                      <a:solidFill>
+                        <a:srgbClr val="000000"/>
+                      </a:solidFill>
+                      <a:prstDash val="solid"/>
+                      <a:round/>
+                      <a:headEnd type="none" w="med" len="med"/>
+                      <a:tailEnd type="none" w="med" len="med"/>
+                    </a:lnL>
+                    <a:lnR w="7620" cap="flat" cmpd="sng" algn="ctr">
+                      <a:solidFill>
+                        <a:srgbClr val="000000"/>
+                      </a:solidFill>
+                      <a:prstDash val="solid"/>
+                      <a:round/>
+                      <a:headEnd type="none" w="med" len="med"/>
+                      <a:tailEnd type="none" w="med" len="med"/>
+                    </a:lnR>
+                    <a:lnT w="7620" cap="flat" cmpd="sng" algn="ctr">
+                      <a:solidFill>
+                        <a:srgbClr val="000000"/>
+                      </a:solidFill>
+                      <a:prstDash val="solid"/>
+                      <a:round/>
+                      <a:headEnd type="none" w="med" len="med"/>
+                      <a:tailEnd type="none" w="med" len="med"/>
+                    </a:lnT>
+                    <a:lnB w="7620" cap="flat" cmpd="sng" algn="ctr">
+                      <a:solidFill>
+                        <a:srgbClr val="000000"/>
+                      </a:solidFill>
+                      <a:prstDash val="solid"/>
+                      <a:round/>
+                      <a:headEnd type="none" w="med" len="med"/>
+                      <a:tailEnd type="none" w="med" len="med"/>
+                    </a:lnB>
+                    <a:solidFill>
+                      <a:srgbClr val="CFD096"/>
+                    </a:solidFill>
+                  </a:tcPr>
+                </a:tc>
+                <a:extLst>
+                  <a:ext uri="{0D108BD9-81ED-4DB2-BD59-A6C34878D82A}">
+                    <a16:rowId xmlns:a16="http://schemas.microsoft.com/office/drawing/2014/main" val="3520911011"/>
+                  </a:ext>
+                </a:extLst>
+              </a:tr>
+            </a:tbl>
+          </a:graphicData>
+        </a:graphic>
+      </p:graphicFrame>
+      <p:sp>
+        <p:nvSpPr>
+          <p:cNvPr id="12" name="Rectangle 1">
+            <a:extLst>
+              <a:ext uri="{FF2B5EF4-FFF2-40B4-BE49-F238E27FC236}">
+                <a16:creationId xmlns:a16="http://schemas.microsoft.com/office/drawing/2014/main" id="{F8861EFD-7AE2-9507-05EE-30CB887C425F}"/>
+              </a:ext>
+            </a:extLst>
+          </p:cNvPr>
+          <p:cNvSpPr>
+            <a:spLocks noChangeArrowheads="1"/>
+          </p:cNvSpPr>
+          <p:nvPr/>
+        </p:nvSpPr>
+        <p:spPr bwMode="auto">
+          <a:xfrm>
+            <a:off x="2636838" y="2332038"/>
+            <a:ext cx="37224000" cy="457200"/>
+          </a:xfrm>
+          <a:prstGeom prst="rect">
+            <a:avLst/>
+          </a:prstGeom>
+          <a:noFill/>
+          <a:ln>
+            <a:noFill/>
+          </a:ln>
+          <a:effectLst/>
+          <a:extLst>
+            <a:ext uri="{909E8E84-426E-40DD-AFC4-6F175D3DCCD1}">
+              <a14:hiddenFill xmlns:a14="http://schemas.microsoft.com/office/drawing/2010/main">
+                <a:solidFill>
+                  <a:schemeClr val="accent1"/>
+                </a:solidFill>
+              </a14:hiddenFill>
+            </a:ext>
+            <a:ext uri="{91240B29-F687-4F45-9708-019B960494DF}">
+              <a14:hiddenLine xmlns:a14="http://schemas.microsoft.com/office/drawing/2010/main" w="9525">
+                <a:solidFill>
+                  <a:schemeClr val="tx1"/>
+                </a:solidFill>
+                <a:miter lim="800000"/>
+                <a:headEnd/>
+                <a:tailEnd/>
+              </a14:hiddenLine>
+            </a:ext>
+            <a:ext uri="{AF507438-7753-43E0-B8FC-AC1667EBCBE1}">
+              <a14:hiddenEffects xmlns:a14="http://schemas.microsoft.com/office/drawing/2010/main">
+                <a:effectLst>
+                  <a:outerShdw dist="35921" dir="2700000" algn="ctr" rotWithShape="0">
+                    <a:schemeClr val="bg2"/>
+                  </a:outerShdw>
+                </a:effectLst>
+              </a14:hiddenEffects>
+            </a:ext>
+          </a:extLst>
+        </p:spPr>
+        <p:txBody>
+          <a:bodyPr vert="horz" wrap="square" lIns="91440" tIns="45720" rIns="91440" bIns="45720" numCol="1" anchor="ctr" anchorCtr="0" compatLnSpc="1">
+            <a:prstTxWarp prst="textNoShape">
+              <a:avLst/>
+            </a:prstTxWarp>
+            <a:spAutoFit/>
+          </a:bodyPr>
+          <a:lstStyle/>
+          <a:p>
+            <a:endParaRPr lang="en-ZA"/>
+          </a:p>
+        </p:txBody>
+      </p:sp>
     </p:spTree>
   </p:cSld>
   <p:clrMapOvr>
@@ -7915,13 +11335,14 @@
 </file>
 
 <file path=ppt/slides/slide8.xml><?xml version="1.0" encoding="utf-8"?>
-<p:sld xmlns:p="http://schemas.openxmlformats.org/presentationml/2006/main" xmlns:a="http://schemas.openxmlformats.org/drawingml/2006/main" xmlns:r="http://schemas.openxmlformats.org/officeDocument/2006/relationships">
+<p:sld xmlns:a="http://schemas.openxmlformats.org/drawingml/2006/main" xmlns:r="http://schemas.openxmlformats.org/officeDocument/2006/relationships" xmlns:p="http://schemas.openxmlformats.org/presentationml/2006/main">
   <p:cSld>
     <p:bg>
       <p:bgPr>
         <a:solidFill>
           <a:srgbClr val="9DAC97"/>
         </a:solidFill>
+        <a:effectLst/>
       </p:bgPr>
     </p:bg>
     <p:spTree>
@@ -7940,12 +11361,12 @@
       </p:grpSpPr>
       <p:sp>
         <p:nvSpPr>
-          <p:cNvPr name="Freeform 2" id="2"/>
+          <p:cNvPr id="2" name="Freeform 2"/>
           <p:cNvSpPr/>
           <p:nvPr/>
         </p:nvSpPr>
         <p:spPr>
-          <a:xfrm flipH="false" flipV="true" rot="0">
+          <a:xfrm flipV="1">
             <a:off x="-658892" y="-1028700"/>
             <a:ext cx="3239470" cy="4114800"/>
           </a:xfrm>
@@ -7954,9 +11375,9 @@
             <a:gdLst/>
             <a:ahLst/>
             <a:cxnLst/>
-            <a:rect r="r" b="b" t="t" l="l"/>
+            <a:rect l="l" t="t" r="r" b="b"/>
             <a:pathLst>
-              <a:path h="4114800" w="3239470">
+              <a:path w="3239470" h="4114800">
                 <a:moveTo>
                   <a:pt x="0" y="4114800"/>
                 </a:moveTo>
@@ -7985,19 +11406,26 @@
               </a:extLst>
             </a:blip>
             <a:stretch>
-              <a:fillRect l="0" t="0" r="0" b="0"/>
+              <a:fillRect/>
             </a:stretch>
           </a:blipFill>
         </p:spPr>
-      </p:sp>
-      <p:sp>
-        <p:nvSpPr>
-          <p:cNvPr name="Freeform 3" id="3"/>
+        <p:txBody>
+          <a:bodyPr/>
+          <a:lstStyle/>
+          <a:p>
+            <a:endParaRPr lang="en-ZA"/>
+          </a:p>
+        </p:txBody>
+      </p:sp>
+      <p:sp>
+        <p:nvSpPr>
+          <p:cNvPr id="3" name="Freeform 3"/>
           <p:cNvSpPr/>
           <p:nvPr/>
         </p:nvSpPr>
         <p:spPr>
-          <a:xfrm flipH="false" flipV="false" rot="4971594">
+          <a:xfrm rot="4971594">
             <a:off x="14897995" y="7645040"/>
             <a:ext cx="3952307" cy="3226520"/>
           </a:xfrm>
@@ -8006,9 +11434,9 @@
             <a:gdLst/>
             <a:ahLst/>
             <a:cxnLst/>
-            <a:rect r="r" b="b" t="t" l="l"/>
+            <a:rect l="l" t="t" r="r" b="b"/>
             <a:pathLst>
-              <a:path h="3226520" w="3952307">
+              <a:path w="3952307" h="3226520">
                 <a:moveTo>
                   <a:pt x="0" y="0"/>
                 </a:moveTo>
@@ -8037,19 +11465,26 @@
               </a:extLst>
             </a:blip>
             <a:stretch>
-              <a:fillRect l="0" t="0" r="0" b="0"/>
+              <a:fillRect/>
             </a:stretch>
           </a:blipFill>
         </p:spPr>
-      </p:sp>
-      <p:sp>
-        <p:nvSpPr>
-          <p:cNvPr name="Freeform 4" id="4"/>
+        <p:txBody>
+          <a:bodyPr/>
+          <a:lstStyle/>
+          <a:p>
+            <a:endParaRPr lang="en-ZA"/>
+          </a:p>
+        </p:txBody>
+      </p:sp>
+      <p:sp>
+        <p:nvSpPr>
+          <p:cNvPr id="4" name="Freeform 4"/>
           <p:cNvSpPr/>
           <p:nvPr/>
         </p:nvSpPr>
         <p:spPr>
-          <a:xfrm flipH="false" flipV="true" rot="0">
+          <a:xfrm flipV="1">
             <a:off x="13333513" y="-733092"/>
             <a:ext cx="5772561" cy="5772561"/>
           </a:xfrm>
@@ -8058,9 +11493,9 @@
             <a:gdLst/>
             <a:ahLst/>
             <a:cxnLst/>
-            <a:rect r="r" b="b" t="t" l="l"/>
+            <a:rect l="l" t="t" r="r" b="b"/>
             <a:pathLst>
-              <a:path h="5772561" w="5772561">
+              <a:path w="5772561" h="5772561">
                 <a:moveTo>
                   <a:pt x="0" y="5772561"/>
                 </a:moveTo>
@@ -8089,19 +11524,26 @@
               </a:extLst>
             </a:blip>
             <a:stretch>
-              <a:fillRect l="0" t="0" r="0" b="0"/>
+              <a:fillRect/>
             </a:stretch>
           </a:blipFill>
         </p:spPr>
-      </p:sp>
-      <p:sp>
-        <p:nvSpPr>
-          <p:cNvPr name="Freeform 5" id="5"/>
+        <p:txBody>
+          <a:bodyPr/>
+          <a:lstStyle/>
+          <a:p>
+            <a:endParaRPr lang="en-ZA"/>
+          </a:p>
+        </p:txBody>
+      </p:sp>
+      <p:sp>
+        <p:nvSpPr>
+          <p:cNvPr id="5" name="Freeform 5"/>
           <p:cNvSpPr/>
           <p:nvPr/>
         </p:nvSpPr>
         <p:spPr>
-          <a:xfrm flipH="true" flipV="false" rot="0">
+          <a:xfrm flipH="1">
             <a:off x="-1925438" y="5143500"/>
             <a:ext cx="5772561" cy="5772561"/>
           </a:xfrm>
@@ -8110,9 +11552,9 @@
             <a:gdLst/>
             <a:ahLst/>
             <a:cxnLst/>
-            <a:rect r="r" b="b" t="t" l="l"/>
+            <a:rect l="l" t="t" r="r" b="b"/>
             <a:pathLst>
-              <a:path h="5772561" w="5772561">
+              <a:path w="5772561" h="5772561">
                 <a:moveTo>
                   <a:pt x="5772562" y="0"/>
                 </a:moveTo>
@@ -8141,19 +11583,26 @@
               </a:extLst>
             </a:blip>
             <a:stretch>
-              <a:fillRect l="0" t="0" r="0" b="0"/>
+              <a:fillRect/>
             </a:stretch>
           </a:blipFill>
         </p:spPr>
-      </p:sp>
-      <p:sp>
-        <p:nvSpPr>
-          <p:cNvPr name="Freeform 6" id="6"/>
+        <p:txBody>
+          <a:bodyPr/>
+          <a:lstStyle/>
+          <a:p>
+            <a:endParaRPr lang="en-ZA"/>
+          </a:p>
+        </p:txBody>
+      </p:sp>
+      <p:sp>
+        <p:nvSpPr>
+          <p:cNvPr id="6" name="Freeform 6"/>
           <p:cNvSpPr/>
           <p:nvPr/>
         </p:nvSpPr>
         <p:spPr>
-          <a:xfrm flipH="false" flipV="false" rot="-8649072">
+          <a:xfrm rot="-8649072">
             <a:off x="-3085338" y="8819529"/>
             <a:ext cx="5710378" cy="2934943"/>
           </a:xfrm>
@@ -8162,9 +11611,9 @@
             <a:gdLst/>
             <a:ahLst/>
             <a:cxnLst/>
-            <a:rect r="r" b="b" t="t" l="l"/>
+            <a:rect l="l" t="t" r="r" b="b"/>
             <a:pathLst>
-              <a:path h="2934943" w="5710378">
+              <a:path w="5710378" h="2934943">
                 <a:moveTo>
                   <a:pt x="0" y="0"/>
                 </a:moveTo>
@@ -8193,19 +11642,26 @@
               </a:extLst>
             </a:blip>
             <a:stretch>
-              <a:fillRect l="0" t="0" r="0" b="0"/>
+              <a:fillRect/>
             </a:stretch>
           </a:blipFill>
         </p:spPr>
-      </p:sp>
-      <p:sp>
-        <p:nvSpPr>
-          <p:cNvPr name="Freeform 7" id="7"/>
+        <p:txBody>
+          <a:bodyPr/>
+          <a:lstStyle/>
+          <a:p>
+            <a:endParaRPr lang="en-ZA"/>
+          </a:p>
+        </p:txBody>
+      </p:sp>
+      <p:sp>
+        <p:nvSpPr>
+          <p:cNvPr id="7" name="Freeform 7"/>
           <p:cNvSpPr/>
           <p:nvPr/>
         </p:nvSpPr>
         <p:spPr>
-          <a:xfrm flipH="false" flipV="false" rot="2700000">
+          <a:xfrm rot="2700000">
             <a:off x="14603655" y="-1936310"/>
             <a:ext cx="5710378" cy="2934943"/>
           </a:xfrm>
@@ -8214,9 +11670,9 @@
             <a:gdLst/>
             <a:ahLst/>
             <a:cxnLst/>
-            <a:rect r="r" b="b" t="t" l="l"/>
+            <a:rect l="l" t="t" r="r" b="b"/>
             <a:pathLst>
-              <a:path h="2934943" w="5710378">
+              <a:path w="5710378" h="2934943">
                 <a:moveTo>
                   <a:pt x="0" y="0"/>
                 </a:moveTo>
@@ -8245,19 +11701,26 @@
               </a:extLst>
             </a:blip>
             <a:stretch>
-              <a:fillRect l="0" t="0" r="0" b="0"/>
+              <a:fillRect/>
             </a:stretch>
           </a:blipFill>
         </p:spPr>
-      </p:sp>
-      <p:sp>
-        <p:nvSpPr>
-          <p:cNvPr name="TextBox 8" id="8"/>
-          <p:cNvSpPr txBox="true"/>
+        <p:txBody>
+          <a:bodyPr/>
+          <a:lstStyle/>
+          <a:p>
+            <a:endParaRPr lang="en-ZA"/>
+          </a:p>
+        </p:txBody>
+      </p:sp>
+      <p:sp>
+        <p:nvSpPr>
+          <p:cNvPr id="8" name="TextBox 8"/>
+          <p:cNvSpPr txBox="1"/>
           <p:nvPr/>
         </p:nvSpPr>
         <p:spPr>
-          <a:xfrm rot="0">
+          <a:xfrm>
             <a:off x="4399925" y="1920986"/>
             <a:ext cx="9488151" cy="2079163"/>
           </a:xfrm>
@@ -8266,7 +11729,7 @@
           </a:prstGeom>
         </p:spPr>
         <p:txBody>
-          <a:bodyPr anchor="t" rtlCol="false" tIns="0" lIns="0" bIns="0" rIns="0">
+          <a:bodyPr lIns="0" tIns="0" rIns="0" bIns="0" rtlCol="0" anchor="t">
             <a:spAutoFit/>
           </a:bodyPr>
           <a:lstStyle/>
@@ -8277,7 +11740,7 @@
               </a:lnSpc>
             </a:pPr>
             <a:r>
-              <a:rPr lang="en-US" b="true" sz="10895">
+              <a:rPr lang="en-US" sz="10895" b="1">
                 <a:solidFill>
                   <a:srgbClr val="52674B"/>
                 </a:solidFill>
@@ -8293,12 +11756,12 @@
       </p:sp>
       <p:sp>
         <p:nvSpPr>
-          <p:cNvPr name="TextBox 9" id="9"/>
-          <p:cNvSpPr txBox="true"/>
+          <p:cNvPr id="9" name="TextBox 9"/>
+          <p:cNvSpPr txBox="1"/>
           <p:nvPr/>
         </p:nvSpPr>
         <p:spPr>
-          <a:xfrm rot="0">
+          <a:xfrm>
             <a:off x="3505590" y="4217596"/>
             <a:ext cx="11276820" cy="1617009"/>
           </a:xfrm>
@@ -8307,12 +11770,12 @@
           </a:prstGeom>
         </p:spPr>
         <p:txBody>
-          <a:bodyPr anchor="t" rtlCol="false" tIns="0" lIns="0" bIns="0" rIns="0">
+          <a:bodyPr lIns="0" tIns="0" rIns="0" bIns="0" rtlCol="0" anchor="t">
             <a:spAutoFit/>
           </a:bodyPr>
           <a:lstStyle/>
           <a:p>
-            <a:pPr algn="l" marL="666749" indent="-333374" lvl="1">
+            <a:pPr marL="666749" lvl="1" indent="-333374" algn="l">
               <a:lnSpc>
                 <a:spcPts val="4323"/>
               </a:lnSpc>
@@ -8320,7 +11783,7 @@
               <a:buChar char="•"/>
             </a:pPr>
             <a:r>
-              <a:rPr lang="en-US" b="true" sz="3088">
+              <a:rPr lang="en-US" sz="3088" b="1">
                 <a:solidFill>
                   <a:srgbClr val="52674B"/>
                 </a:solidFill>
@@ -8336,12 +11799,12 @@
       </p:sp>
       <p:sp>
         <p:nvSpPr>
-          <p:cNvPr name="TextBox 10" id="10"/>
-          <p:cNvSpPr txBox="true"/>
+          <p:cNvPr id="10" name="TextBox 10"/>
+          <p:cNvSpPr txBox="1"/>
           <p:nvPr/>
         </p:nvSpPr>
         <p:spPr>
-          <a:xfrm rot="0">
+          <a:xfrm>
             <a:off x="3505590" y="6329905"/>
             <a:ext cx="11276820" cy="1617009"/>
           </a:xfrm>
@@ -8350,12 +11813,12 @@
           </a:prstGeom>
         </p:spPr>
         <p:txBody>
-          <a:bodyPr anchor="t" rtlCol="false" tIns="0" lIns="0" bIns="0" rIns="0">
+          <a:bodyPr lIns="0" tIns="0" rIns="0" bIns="0" rtlCol="0" anchor="t">
             <a:spAutoFit/>
           </a:bodyPr>
           <a:lstStyle/>
           <a:p>
-            <a:pPr algn="l" marL="666749" indent="-333374" lvl="1">
+            <a:pPr marL="666749" lvl="1" indent="-333374" algn="l">
               <a:lnSpc>
                 <a:spcPts val="4323"/>
               </a:lnSpc>
@@ -8363,7 +11826,7 @@
               <a:buChar char="•"/>
             </a:pPr>
             <a:r>
-              <a:rPr lang="en-US" b="true" sz="3088">
+              <a:rPr lang="en-US" sz="3088" b="1">
                 <a:solidFill>
                   <a:srgbClr val="52674B"/>
                 </a:solidFill>
@@ -8386,13 +11849,14 @@
 </file>
 
 <file path=ppt/slides/slide9.xml><?xml version="1.0" encoding="utf-8"?>
-<p:sld xmlns:p="http://schemas.openxmlformats.org/presentationml/2006/main" xmlns:a="http://schemas.openxmlformats.org/drawingml/2006/main" xmlns:r="http://schemas.openxmlformats.org/officeDocument/2006/relationships">
+<p:sld xmlns:a="http://schemas.openxmlformats.org/drawingml/2006/main" xmlns:r="http://schemas.openxmlformats.org/officeDocument/2006/relationships" xmlns:p="http://schemas.openxmlformats.org/presentationml/2006/main">
   <p:cSld>
     <p:bg>
       <p:bgPr>
         <a:solidFill>
           <a:srgbClr val="9DAC97"/>
         </a:solidFill>
+        <a:effectLst/>
       </p:bgPr>
     </p:bg>
     <p:spTree>
@@ -8411,12 +11875,12 @@
       </p:grpSpPr>
       <p:sp>
         <p:nvSpPr>
-          <p:cNvPr name="Freeform 2" id="2"/>
+          <p:cNvPr id="2" name="Freeform 2"/>
           <p:cNvSpPr/>
           <p:nvPr/>
         </p:nvSpPr>
         <p:spPr>
-          <a:xfrm flipH="false" flipV="true" rot="0">
+          <a:xfrm flipV="1">
             <a:off x="-658892" y="-1028700"/>
             <a:ext cx="3239470" cy="4114800"/>
           </a:xfrm>
@@ -8425,9 +11889,9 @@
             <a:gdLst/>
             <a:ahLst/>
             <a:cxnLst/>
-            <a:rect r="r" b="b" t="t" l="l"/>
+            <a:rect l="l" t="t" r="r" b="b"/>
             <a:pathLst>
-              <a:path h="4114800" w="3239470">
+              <a:path w="3239470" h="4114800">
                 <a:moveTo>
                   <a:pt x="0" y="4114800"/>
                 </a:moveTo>
@@ -8456,19 +11920,26 @@
               </a:extLst>
             </a:blip>
             <a:stretch>
-              <a:fillRect l="0" t="0" r="0" b="0"/>
+              <a:fillRect/>
             </a:stretch>
           </a:blipFill>
         </p:spPr>
-      </p:sp>
-      <p:sp>
-        <p:nvSpPr>
-          <p:cNvPr name="Freeform 3" id="3"/>
+        <p:txBody>
+          <a:bodyPr/>
+          <a:lstStyle/>
+          <a:p>
+            <a:endParaRPr lang="en-ZA"/>
+          </a:p>
+        </p:txBody>
+      </p:sp>
+      <p:sp>
+        <p:nvSpPr>
+          <p:cNvPr id="3" name="Freeform 3"/>
           <p:cNvSpPr/>
           <p:nvPr/>
         </p:nvSpPr>
         <p:spPr>
-          <a:xfrm flipH="false" flipV="false" rot="4971594">
+          <a:xfrm rot="4971594">
             <a:off x="14897995" y="7645040"/>
             <a:ext cx="3952307" cy="3226520"/>
           </a:xfrm>
@@ -8477,9 +11948,9 @@
             <a:gdLst/>
             <a:ahLst/>
             <a:cxnLst/>
-            <a:rect r="r" b="b" t="t" l="l"/>
+            <a:rect l="l" t="t" r="r" b="b"/>
             <a:pathLst>
-              <a:path h="3226520" w="3952307">
+              <a:path w="3952307" h="3226520">
                 <a:moveTo>
                   <a:pt x="0" y="0"/>
                 </a:moveTo>
@@ -8508,19 +11979,26 @@
               </a:extLst>
             </a:blip>
             <a:stretch>
-              <a:fillRect l="0" t="0" r="0" b="0"/>
+              <a:fillRect/>
             </a:stretch>
           </a:blipFill>
         </p:spPr>
-      </p:sp>
-      <p:sp>
-        <p:nvSpPr>
-          <p:cNvPr name="Freeform 4" id="4"/>
+        <p:txBody>
+          <a:bodyPr/>
+          <a:lstStyle/>
+          <a:p>
+            <a:endParaRPr lang="en-ZA"/>
+          </a:p>
+        </p:txBody>
+      </p:sp>
+      <p:sp>
+        <p:nvSpPr>
+          <p:cNvPr id="4" name="Freeform 4"/>
           <p:cNvSpPr/>
           <p:nvPr/>
         </p:nvSpPr>
         <p:spPr>
-          <a:xfrm flipH="false" flipV="true" rot="0">
+          <a:xfrm flipV="1">
             <a:off x="13333513" y="-733092"/>
             <a:ext cx="5772561" cy="5772561"/>
           </a:xfrm>
@@ -8529,9 +12007,9 @@
             <a:gdLst/>
             <a:ahLst/>
             <a:cxnLst/>
-            <a:rect r="r" b="b" t="t" l="l"/>
+            <a:rect l="l" t="t" r="r" b="b"/>
             <a:pathLst>
-              <a:path h="5772561" w="5772561">
+              <a:path w="5772561" h="5772561">
                 <a:moveTo>
                   <a:pt x="0" y="5772561"/>
                 </a:moveTo>
@@ -8560,19 +12038,26 @@
               </a:extLst>
             </a:blip>
             <a:stretch>
-              <a:fillRect l="0" t="0" r="0" b="0"/>
+              <a:fillRect/>
             </a:stretch>
           </a:blipFill>
         </p:spPr>
-      </p:sp>
-      <p:sp>
-        <p:nvSpPr>
-          <p:cNvPr name="Freeform 5" id="5"/>
+        <p:txBody>
+          <a:bodyPr/>
+          <a:lstStyle/>
+          <a:p>
+            <a:endParaRPr lang="en-ZA"/>
+          </a:p>
+        </p:txBody>
+      </p:sp>
+      <p:sp>
+        <p:nvSpPr>
+          <p:cNvPr id="5" name="Freeform 5"/>
           <p:cNvSpPr/>
           <p:nvPr/>
         </p:nvSpPr>
         <p:spPr>
-          <a:xfrm flipH="true" flipV="false" rot="0">
+          <a:xfrm flipH="1">
             <a:off x="-1925438" y="5143500"/>
             <a:ext cx="5772561" cy="5772561"/>
           </a:xfrm>
@@ -8581,9 +12066,9 @@
             <a:gdLst/>
             <a:ahLst/>
             <a:cxnLst/>
-            <a:rect r="r" b="b" t="t" l="l"/>
+            <a:rect l="l" t="t" r="r" b="b"/>
             <a:pathLst>
-              <a:path h="5772561" w="5772561">
+              <a:path w="5772561" h="5772561">
                 <a:moveTo>
                   <a:pt x="5772562" y="0"/>
                 </a:moveTo>
@@ -8612,19 +12097,26 @@
               </a:extLst>
             </a:blip>
             <a:stretch>
-              <a:fillRect l="0" t="0" r="0" b="0"/>
+              <a:fillRect/>
             </a:stretch>
           </a:blipFill>
         </p:spPr>
-      </p:sp>
-      <p:sp>
-        <p:nvSpPr>
-          <p:cNvPr name="Freeform 6" id="6"/>
+        <p:txBody>
+          <a:bodyPr/>
+          <a:lstStyle/>
+          <a:p>
+            <a:endParaRPr lang="en-ZA"/>
+          </a:p>
+        </p:txBody>
+      </p:sp>
+      <p:sp>
+        <p:nvSpPr>
+          <p:cNvPr id="6" name="Freeform 6"/>
           <p:cNvSpPr/>
           <p:nvPr/>
         </p:nvSpPr>
         <p:spPr>
-          <a:xfrm flipH="false" flipV="false" rot="-8649072">
+          <a:xfrm rot="-8649072">
             <a:off x="-3085338" y="8819529"/>
             <a:ext cx="5710378" cy="2934943"/>
           </a:xfrm>
@@ -8633,9 +12125,9 @@
             <a:gdLst/>
             <a:ahLst/>
             <a:cxnLst/>
-            <a:rect r="r" b="b" t="t" l="l"/>
+            <a:rect l="l" t="t" r="r" b="b"/>
             <a:pathLst>
-              <a:path h="2934943" w="5710378">
+              <a:path w="5710378" h="2934943">
                 <a:moveTo>
                   <a:pt x="0" y="0"/>
                 </a:moveTo>
@@ -8664,19 +12156,26 @@
               </a:extLst>
             </a:blip>
             <a:stretch>
-              <a:fillRect l="0" t="0" r="0" b="0"/>
+              <a:fillRect/>
             </a:stretch>
           </a:blipFill>
         </p:spPr>
-      </p:sp>
-      <p:sp>
-        <p:nvSpPr>
-          <p:cNvPr name="Freeform 7" id="7"/>
+        <p:txBody>
+          <a:bodyPr/>
+          <a:lstStyle/>
+          <a:p>
+            <a:endParaRPr lang="en-ZA"/>
+          </a:p>
+        </p:txBody>
+      </p:sp>
+      <p:sp>
+        <p:nvSpPr>
+          <p:cNvPr id="7" name="Freeform 7"/>
           <p:cNvSpPr/>
           <p:nvPr/>
         </p:nvSpPr>
         <p:spPr>
-          <a:xfrm flipH="false" flipV="false" rot="2700000">
+          <a:xfrm rot="2700000">
             <a:off x="14603655" y="-1936310"/>
             <a:ext cx="5710378" cy="2934943"/>
           </a:xfrm>
@@ -8685,9 +12184,9 @@
             <a:gdLst/>
             <a:ahLst/>
             <a:cxnLst/>
-            <a:rect r="r" b="b" t="t" l="l"/>
+            <a:rect l="l" t="t" r="r" b="b"/>
             <a:pathLst>
-              <a:path h="2934943" w="5710378">
+              <a:path w="5710378" h="2934943">
                 <a:moveTo>
                   <a:pt x="0" y="0"/>
                 </a:moveTo>
@@ -8716,19 +12215,26 @@
               </a:extLst>
             </a:blip>
             <a:stretch>
-              <a:fillRect l="0" t="0" r="0" b="0"/>
+              <a:fillRect/>
             </a:stretch>
           </a:blipFill>
         </p:spPr>
-      </p:sp>
-      <p:sp>
-        <p:nvSpPr>
-          <p:cNvPr name="TextBox 8" id="8"/>
-          <p:cNvSpPr txBox="true"/>
+        <p:txBody>
+          <a:bodyPr/>
+          <a:lstStyle/>
+          <a:p>
+            <a:endParaRPr lang="en-ZA"/>
+          </a:p>
+        </p:txBody>
+      </p:sp>
+      <p:sp>
+        <p:nvSpPr>
+          <p:cNvPr id="8" name="TextBox 8"/>
+          <p:cNvSpPr txBox="1"/>
           <p:nvPr/>
         </p:nvSpPr>
         <p:spPr>
-          <a:xfrm rot="0">
+          <a:xfrm>
             <a:off x="2877533" y="2417991"/>
             <a:ext cx="12532934" cy="2079163"/>
           </a:xfrm>
@@ -8737,7 +12243,7 @@
           </a:prstGeom>
         </p:spPr>
         <p:txBody>
-          <a:bodyPr anchor="t" rtlCol="false" tIns="0" lIns="0" bIns="0" rIns="0">
+          <a:bodyPr lIns="0" tIns="0" rIns="0" bIns="0" rtlCol="0" anchor="t">
             <a:spAutoFit/>
           </a:bodyPr>
           <a:lstStyle/>
@@ -8748,7 +12254,7 @@
               </a:lnSpc>
             </a:pPr>
             <a:r>
-              <a:rPr lang="en-US" b="true" sz="10895">
+              <a:rPr lang="en-US" sz="10895" b="1">
                 <a:solidFill>
                   <a:srgbClr val="52674B"/>
                 </a:solidFill>
@@ -8764,12 +12270,12 @@
       </p:sp>
       <p:sp>
         <p:nvSpPr>
-          <p:cNvPr name="TextBox 9" id="9"/>
-          <p:cNvSpPr txBox="true"/>
+          <p:cNvPr id="9" name="TextBox 9"/>
+          <p:cNvSpPr txBox="1"/>
           <p:nvPr/>
         </p:nvSpPr>
         <p:spPr>
-          <a:xfrm rot="0">
+          <a:xfrm>
             <a:off x="4158044" y="4747050"/>
             <a:ext cx="9971913" cy="2702859"/>
           </a:xfrm>
@@ -8778,7 +12284,7 @@
           </a:prstGeom>
         </p:spPr>
         <p:txBody>
-          <a:bodyPr anchor="t" rtlCol="false" tIns="0" lIns="0" bIns="0" rIns="0">
+          <a:bodyPr lIns="0" tIns="0" rIns="0" bIns="0" rtlCol="0" anchor="t">
             <a:spAutoFit/>
           </a:bodyPr>
           <a:lstStyle/>
@@ -8789,7 +12295,7 @@
               </a:lnSpc>
             </a:pPr>
             <a:r>
-              <a:rPr lang="en-US" sz="3088" b="true">
+              <a:rPr lang="en-US" sz="3088" b="1">
                 <a:solidFill>
                   <a:srgbClr val="52674B"/>
                 </a:solidFill>
